--- a/26-SAM_asim.pptx
+++ b/26-SAM_asim.pptx
@@ -25,6 +25,21 @@
     <p:sldId id="270" r:id="rId16"/>
     <p:sldId id="271" r:id="rId17"/>
     <p:sldId id="272" r:id="rId18"/>
+    <p:sldId id="273" r:id="rId19"/>
+    <p:sldId id="274" r:id="rId20"/>
+    <p:sldId id="275" r:id="rId21"/>
+    <p:sldId id="276" r:id="rId22"/>
+    <p:sldId id="277" r:id="rId23"/>
+    <p:sldId id="278" r:id="rId24"/>
+    <p:sldId id="279" r:id="rId25"/>
+    <p:sldId id="280" r:id="rId26"/>
+    <p:sldId id="281" r:id="rId27"/>
+    <p:sldId id="282" r:id="rId28"/>
+    <p:sldId id="283" r:id="rId29"/>
+    <p:sldId id="284" r:id="rId30"/>
+    <p:sldId id="285" r:id="rId31"/>
+    <p:sldId id="286" r:id="rId32"/>
+    <p:sldId id="287" r:id="rId33"/>
   </p:sldIdLst>
   <p:sldSz cx="12189460" cy="6858000"/>
   <p:notesSz cx="9144000" cy="6858000"/>
@@ -4927,447 +4942,6 @@
       </p:grpSpPr>
       <p:pic>
         <p:nvPicPr>
-          <p:cNvPr descr="fig/26-SAM_asim/unnamed-chunk-8-1.png" id="0" name="Picture 1"/>
-          <p:cNvPicPr>
-            <a:picLocks noGrp="1" noChangeAspect="1"/>
-          </p:cNvPicPr>
-          <p:nvPr/>
-        </p:nvPicPr>
-        <p:blipFill>
-          <a:blip r:embed="rId2"/>
-          <a:stretch>
-            <a:fillRect/>
-          </a:stretch>
-        </p:blipFill>
-        <p:spPr bwMode="auto">
-          <a:xfrm>
-            <a:off x="977900" y="127000"/>
-            <a:ext cx="10160000" cy="6032500"/>
-          </a:xfrm>
-          <a:prstGeom prst="rect">
-            <a:avLst/>
-          </a:prstGeom>
-          <a:noFill/>
-          <a:ln w="9525">
-            <a:noFill/>
-            <a:headEnd/>
-            <a:tailEnd/>
-          </a:ln>
-        </p:spPr>
-      </p:pic>
-      <p:sp>
-        <p:nvSpPr>
-          <p:cNvPr id="1" name="TextBox 3"/>
-          <p:cNvSpPr txBox="1"/>
-          <p:nvPr/>
-        </p:nvSpPr>
-        <p:spPr>
-          <a:xfrm>
-            <a:off x="177800" y="6159500"/>
-            <a:ext cx="11772900" cy="508000"/>
-          </a:xfrm>
-          <a:prstGeom prst="rect">
-            <a:avLst/>
-          </a:prstGeom>
-          <a:noFill/>
-        </p:spPr>
-        <p:txBody>
-          <a:bodyPr/>
-          <a:lstStyle/>
-          <a:p>
-            <a:pPr lvl="0" marL="0" indent="0" algn="ctr">
-              <a:buNone/>
-            </a:pPr>
-            <a:r>
-              <a:rPr/>
-              <a:t>Covarianza</a:t>
-            </a:r>
-            <a:r>
-              <a:rPr/>
-              <a:t> </a:t>
-            </a:r>
-            <a:r>
-              <a:rPr/>
-              <a:t>de</a:t>
-            </a:r>
-            <a:r>
-              <a:rPr/>
-              <a:t> </a:t>
-            </a:r>
-            <a:r>
-              <a:rPr/>
-              <a:t>la</a:t>
-            </a:r>
-            <a:r>
-              <a:rPr/>
-              <a:t> </a:t>
-            </a:r>
-            <a:r>
-              <a:rPr/>
-              <a:t>anomalía</a:t>
-            </a:r>
-            <a:r>
-              <a:rPr/>
-              <a:t> </a:t>
-            </a:r>
-            <a:r>
-              <a:rPr/>
-              <a:t>de</a:t>
-            </a:r>
-            <a:r>
-              <a:rPr/>
-              <a:t> </a:t>
-            </a:r>
-            <a:r>
-              <a:rPr/>
-              <a:t>altura</a:t>
-            </a:r>
-            <a:r>
-              <a:rPr/>
-              <a:t> </a:t>
-            </a:r>
-            <a:r>
-              <a:rPr/>
-              <a:t>geopotencial</a:t>
-            </a:r>
-            <a:r>
-              <a:rPr/>
-              <a:t> </a:t>
-            </a:r>
-            <a:r>
-              <a:rPr/>
-              <a:t>y</a:t>
-            </a:r>
-            <a:r>
-              <a:rPr/>
-              <a:t> </a:t>
-            </a:r>
-            <a:r>
-              <a:rPr/>
-              <a:t>el</a:t>
-            </a:r>
-            <a:r>
-              <a:rPr/>
-              <a:t> </a:t>
-            </a:r>
-            <a:r>
-              <a:rPr/>
-              <a:t>índice</a:t>
-            </a:r>
-            <a:r>
-              <a:rPr/>
-              <a:t> </a:t>
-            </a:r>
-            <a:r>
-              <a:rPr/>
-              <a:t>SAM</a:t>
-            </a:r>
-            <a:r>
-              <a:rPr/>
-              <a:t> </a:t>
-            </a:r>
-            <a:r>
-              <a:rPr/>
-              <a:t>simétrico</a:t>
-            </a:r>
-            <a:r>
-              <a:rPr/>
-              <a:t> </a:t>
-            </a:r>
-            <a:r>
-              <a:rPr/>
-              <a:t>en</a:t>
-            </a:r>
-            <a:r>
-              <a:rPr/>
-              <a:t> </a:t>
-            </a:r>
-            <a:r>
-              <a:rPr/>
-              <a:t>cada</a:t>
-            </a:r>
-            <a:r>
-              <a:rPr/>
-              <a:t> </a:t>
-            </a:r>
-            <a:r>
-              <a:rPr/>
-              <a:t>nivel</a:t>
-            </a:r>
-            <a:r>
-              <a:rPr/>
-              <a:t> </a:t>
-            </a:r>
-            <a:r>
-              <a:rPr/>
-              <a:t>-ERA5.</a:t>
-            </a:r>
-            <a:r>
-              <a:rPr/>
-              <a:t> </a:t>
-            </a:r>
-            <a:r>
-              <a:rPr/>
-              <a:t>(Comparar</a:t>
-            </a:r>
-            <a:r>
-              <a:rPr/>
-              <a:t> </a:t>
-            </a:r>
-            <a:r>
-              <a:rPr/>
-              <a:t>con</a:t>
-            </a:r>
-            <a:r>
-              <a:rPr/>
-              <a:t> </a:t>
-            </a:r>
-            <a:r>
-              <a:rPr/>
-              <a:t>Baldwin</a:t>
-            </a:r>
-            <a:r>
-              <a:rPr/>
-              <a:t> </a:t>
-            </a:r>
-            <a:r>
-              <a:rPr/>
-              <a:t>y</a:t>
-            </a:r>
-            <a:r>
-              <a:rPr/>
-              <a:t> </a:t>
-            </a:r>
-            <a:r>
-              <a:rPr/>
-              <a:t>THompson</a:t>
-            </a:r>
-            <a:r>
-              <a:rPr/>
-              <a:t> </a:t>
-            </a:r>
-            <a:r>
-              <a:rPr/>
-              <a:t>2009</a:t>
-            </a:r>
-            <a:r>
-              <a:rPr/>
-              <a:t> </a:t>
-            </a:r>
-            <a:r>
-              <a:rPr/>
-              <a:t>figura</a:t>
-            </a:r>
-            <a:r>
-              <a:rPr/>
-              <a:t> </a:t>
-            </a:r>
-            <a:r>
-              <a:rPr/>
-              <a:t>8,</a:t>
-            </a:r>
-            <a:r>
-              <a:rPr/>
-              <a:t> </a:t>
-            </a:r>
-            <a:r>
-              <a:rPr/>
-              <a:t>columna</a:t>
-            </a:r>
-            <a:r>
-              <a:rPr/>
-              <a:t> </a:t>
-            </a:r>
-            <a:r>
-              <a:rPr/>
-              <a:t>derecha)</a:t>
-            </a:r>
-          </a:p>
-        </p:txBody>
-      </p:sp>
-    </p:spTree>
-  </p:cSld>
-</p:sld>
-</file>
-
-<file path=ppt/slides/slide11.xml><?xml version="1.0" encoding="utf-8"?>
-<p:sld xmlns:a="http://schemas.openxmlformats.org/drawingml/2006/main" xmlns:r="http://schemas.openxmlformats.org/officeDocument/2006/relationships" xmlns:p="http://schemas.openxmlformats.org/presentationml/2006/main">
-  <p:cSld>
-    <p:spTree>
-      <p:nvGrpSpPr>
-        <p:cNvPr id="1" name=""/>
-        <p:cNvGrpSpPr/>
-        <p:nvPr/>
-      </p:nvGrpSpPr>
-      <p:grpSpPr>
-        <a:xfrm>
-          <a:off x="0" y="0"/>
-          <a:ext cx="0" cy="0"/>
-          <a:chOff x="0" y="0"/>
-          <a:chExt cx="0" cy="0"/>
-        </a:xfrm>
-      </p:grpSpPr>
-      <p:sp>
-        <p:nvSpPr>
-          <p:cNvPr id="2" name="Title 1"/>
-          <p:cNvSpPr>
-            <a:spLocks noGrp="1"/>
-          </p:cNvSpPr>
-          <p:nvPr>
-            <p:ph type="title"/>
-          </p:nvPr>
-        </p:nvSpPr>
-        <p:spPr>
-          <a:xfrm>
-            <a:off x="831687" y="1709738"/>
-            <a:ext cx="10513530" cy="2852737"/>
-          </a:xfrm>
-        </p:spPr>
-        <p:txBody>
-          <a:bodyPr/>
-          <a:lstStyle/>
-          <a:p>
-            <a:pPr lvl="0" marL="0" indent="0">
-              <a:buNone/>
-            </a:pPr>
-            <a:r>
-              <a:rPr/>
-              <a:t>Separando</a:t>
-            </a:r>
-            <a:r>
-              <a:rPr/>
-              <a:t> </a:t>
-            </a:r>
-            <a:r>
-              <a:rPr/>
-              <a:t>simétrico</a:t>
-            </a:r>
-            <a:r>
-              <a:rPr/>
-              <a:t> </a:t>
-            </a:r>
-            <a:r>
-              <a:rPr/>
-              <a:t>y</a:t>
-            </a:r>
-            <a:r>
-              <a:rPr/>
-              <a:t> </a:t>
-            </a:r>
-            <a:r>
-              <a:rPr/>
-              <a:t>asimétrico</a:t>
-            </a:r>
-          </a:p>
-        </p:txBody>
-      </p:sp>
-    </p:spTree>
-  </p:cSld>
-</p:sld>
-</file>
-
-<file path=ppt/slides/slide12.xml><?xml version="1.0" encoding="utf-8"?>
-<p:sld xmlns:a="http://schemas.openxmlformats.org/drawingml/2006/main" xmlns:r="http://schemas.openxmlformats.org/officeDocument/2006/relationships" xmlns:p="http://schemas.openxmlformats.org/presentationml/2006/main">
-  <p:cSld>
-    <p:spTree>
-      <p:nvGrpSpPr>
-        <p:cNvPr id="1" name=""/>
-        <p:cNvGrpSpPr/>
-        <p:nvPr/>
-      </p:nvGrpSpPr>
-      <p:grpSpPr>
-        <a:xfrm>
-          <a:off x="0" y="0"/>
-          <a:ext cx="0" cy="0"/>
-          <a:chOff x="0" y="0"/>
-          <a:chExt cx="0" cy="0"/>
-        </a:xfrm>
-      </p:grpSpPr>
-      <p:sp>
-        <p:nvSpPr>
-          <p:cNvPr id="3" name="Content Placeholder 2"/>
-          <p:cNvSpPr>
-            <a:spLocks noGrp="1"/>
-          </p:cNvSpPr>
-          <p:nvPr>
-            <p:ph idx="1"/>
-          </p:nvPr>
-        </p:nvSpPr>
-        <p:spPr/>
-        <p:txBody>
-          <a:bodyPr/>
-          <a:lstStyle/>
-          <a:p>
-            <a:pPr lvl="0" marL="0" indent="0">
-              <a:buNone/>
-            </a:pPr>
-            <a:r>
-              <a:rPr/>
-              <a:t>El método de BT09 define el modo anular usando el geopotencial medio, pero no es simple ver cómo usarlo para separar la parte simétrica de la asimétrica. Lo que voy a hacer es otra cosa.</a:t>
-            </a:r>
-          </a:p>
-          <a:p>
-            <a:pPr lvl="1">
-              <a:buAutoNum type="arabicPeriod"/>
-            </a:pPr>
-            <a:r>
-              <a:rPr/>
-              <a:t>Computar el patrón SAM de forma “tradicional” usando las anomalías temporales de geopotencial en 700hPa.</a:t>
-            </a:r>
-          </a:p>
-          <a:p>
-            <a:pPr lvl="1">
-              <a:buAutoNum type="arabicPeriod"/>
-            </a:pPr>
-            <a:r>
-              <a:rPr/>
-              <a:t>Calcular la parte simétrica y la parte asimétrica de ese patrón.</a:t>
-            </a:r>
-          </a:p>
-          <a:p>
-            <a:pPr lvl="1">
-              <a:buAutoNum type="arabicPeriod"/>
-            </a:pPr>
-            <a:r>
-              <a:rPr/>
-              <a:t>Para cada campo de anomalía de geopotencial, calcular la regresión múltiple lineal con la parte simétrica y la asimétrica del patrón. Es decir, si SAM_sym y SAM_asym son los patrones simétricos y asimétricos del SAM computados en el paso 2 y HGT es el campo de anomalías de geopotencial en 700hPa de una determinada fecha, hacer la regresión HGT ~ a*SAM_sym + b*SAM_asym. (La regresión pesada por el coseno de la latitud).</a:t>
-            </a:r>
-          </a:p>
-          <a:p>
-            <a:pPr lvl="1">
-              <a:buAutoNum type="arabicPeriod"/>
-            </a:pPr>
-            <a:r>
-              <a:rPr/>
-              <a:t>La serie temporal de a y b son los índices de SAM simétrico y asimétrico.</a:t>
-            </a:r>
-          </a:p>
-        </p:txBody>
-      </p:sp>
-    </p:spTree>
-  </p:cSld>
-</p:sld>
-</file>
-
-<file path=ppt/slides/slide13.xml><?xml version="1.0" encoding="utf-8"?>
-<p:sld xmlns:a="http://schemas.openxmlformats.org/drawingml/2006/main" xmlns:r="http://schemas.openxmlformats.org/officeDocument/2006/relationships" xmlns:p="http://schemas.openxmlformats.org/presentationml/2006/main">
-  <p:cSld>
-    <p:spTree>
-      <p:nvGrpSpPr>
-        <p:cNvPr id="1" name=""/>
-        <p:cNvGrpSpPr/>
-        <p:nvPr/>
-      </p:nvGrpSpPr>
-      <p:grpSpPr>
-        <a:xfrm>
-          <a:off x="0" y="0"/>
-          <a:ext cx="0" cy="0"/>
-          <a:chOff x="0" y="0"/>
-          <a:chExt cx="0" cy="0"/>
-        </a:xfrm>
-      </p:grpSpPr>
-      <p:pic>
-        <p:nvPicPr>
           <p:cNvPr descr="fig/26-SAM_asim/unnamed-chunk-9-1.png" id="0" name="Picture 1"/>
           <p:cNvPicPr>
             <a:picLocks noGrp="1" noChangeAspect="1"/>
@@ -5421,55 +4995,111 @@
             </a:pPr>
             <a:r>
               <a:rPr/>
-              <a:t>Parte</a:t>
-            </a:r>
-            <a:r>
-              <a:rPr/>
-              <a:t> </a:t>
-            </a:r>
-            <a:r>
-              <a:rPr/>
-              <a:t>simétrica</a:t>
-            </a:r>
-            <a:r>
-              <a:rPr/>
-              <a:t> </a:t>
-            </a:r>
-            <a:r>
-              <a:rPr/>
-              <a:t>y</a:t>
-            </a:r>
-            <a:r>
-              <a:rPr/>
-              <a:t> </a:t>
-            </a:r>
-            <a:r>
-              <a:rPr/>
-              <a:t>parte</a:t>
-            </a:r>
-            <a:r>
-              <a:rPr/>
-              <a:t> </a:t>
-            </a:r>
-            <a:r>
-              <a:rPr/>
-              <a:t>asimétrica</a:t>
-            </a:r>
-            <a:r>
-              <a:rPr/>
-              <a:t> </a:t>
-            </a:r>
-            <a:r>
-              <a:rPr/>
-              <a:t>del</a:t>
-            </a:r>
-            <a:r>
-              <a:rPr/>
-              <a:t> </a:t>
-            </a:r>
-            <a:r>
-              <a:rPr/>
-              <a:t>patrón</a:t>
+              <a:t>Igual</a:t>
+            </a:r>
+            <a:r>
+              <a:rPr/>
+              <a:t> </a:t>
+            </a:r>
+            <a:r>
+              <a:rPr/>
+              <a:t>que</a:t>
+            </a:r>
+            <a:r>
+              <a:rPr/>
+              <a:t> </a:t>
+            </a:r>
+            <a:r>
+              <a:rPr/>
+              <a:t>la</a:t>
+            </a:r>
+            <a:r>
+              <a:rPr/>
+              <a:t> </a:t>
+            </a:r>
+            <a:r>
+              <a:rPr/>
+              <a:t>figura</a:t>
+            </a:r>
+            <a:r>
+              <a:rPr/>
+              <a:t> </a:t>
+            </a:r>
+            <a:r>
+              <a:rPr/>
+              <a:t>anterior</a:t>
+            </a:r>
+            <a:r>
+              <a:rPr/>
+              <a:t> </a:t>
+            </a:r>
+            <a:r>
+              <a:rPr/>
+              <a:t>pero</a:t>
+            </a:r>
+            <a:r>
+              <a:rPr/>
+              <a:t> </a:t>
+            </a:r>
+            <a:r>
+              <a:rPr/>
+              <a:t>con</a:t>
+            </a:r>
+            <a:r>
+              <a:rPr/>
+              <a:t> </a:t>
+            </a:r>
+            <a:r>
+              <a:rPr/>
+              <a:t>los</a:t>
+            </a:r>
+            <a:r>
+              <a:rPr/>
+              <a:t> </a:t>
+            </a:r>
+            <a:r>
+              <a:rPr/>
+              <a:t>patrones</a:t>
+            </a:r>
+            <a:r>
+              <a:rPr/>
+              <a:t> </a:t>
+            </a:r>
+            <a:r>
+              <a:rPr/>
+              <a:t>espaciales</a:t>
+            </a:r>
+            <a:r>
+              <a:rPr/>
+              <a:t> </a:t>
+            </a:r>
+            <a:r>
+              <a:rPr/>
+              <a:t>multiplicados</a:t>
+            </a:r>
+            <a:r>
+              <a:rPr/>
+              <a:t> </a:t>
+            </a:r>
+            <a:r>
+              <a:rPr/>
+              <a:t>por</a:t>
+            </a:r>
+            <a:r>
+              <a:rPr/>
+              <a:t> </a:t>
+            </a:r>
+            <a:r>
+              <a:rPr/>
+              <a:t>el</a:t>
+            </a:r>
+            <a:r>
+              <a:rPr/>
+              <a:t> </a:t>
+            </a:r>
+            <a:r>
+              <a:rPr/>
+              <a:t>valor</a:t>
             </a:r>
             <a:r>
               <a:rPr/>
@@ -5485,7 +5115,31 @@
             </a:r>
             <a:r>
               <a:rPr/>
-              <a:t>SAM.</a:t>
+              <a:t>sus</a:t>
+            </a:r>
+            <a:r>
+              <a:rPr/>
+              <a:t> </a:t>
+            </a:r>
+            <a:r>
+              <a:rPr/>
+              <a:t>respectivos</a:t>
+            </a:r>
+            <a:r>
+              <a:rPr/>
+              <a:t> </a:t>
+            </a:r>
+            <a:r>
+              <a:rPr/>
+              <a:t>valores</a:t>
+            </a:r>
+            <a:r>
+              <a:rPr/>
+              <a:t> </a:t>
+            </a:r>
+            <a:r>
+              <a:rPr/>
+              <a:t>principales.</a:t>
             </a:r>
           </a:p>
         </p:txBody>
@@ -5495,7 +5149,7 @@
 </p:sld>
 </file>
 
-<file path=ppt/slides/slide14.xml><?xml version="1.0" encoding="utf-8"?>
+<file path=ppt/slides/slide11.xml><?xml version="1.0" encoding="utf-8"?>
 <p:sld xmlns:a="http://schemas.openxmlformats.org/drawingml/2006/main" xmlns:r="http://schemas.openxmlformats.org/officeDocument/2006/relationships" xmlns:p="http://schemas.openxmlformats.org/presentationml/2006/main">
   <p:cSld>
     <p:spTree>
@@ -5567,71 +5221,7 @@
             </a:pPr>
             <a:r>
               <a:rPr/>
-              <a:t>Series</a:t>
-            </a:r>
-            <a:r>
-              <a:rPr/>
-              <a:t> </a:t>
-            </a:r>
-            <a:r>
-              <a:rPr/>
-              <a:t>temporales</a:t>
-            </a:r>
-            <a:r>
-              <a:rPr/>
-              <a:t> </a:t>
-            </a:r>
-            <a:r>
-              <a:rPr/>
-              <a:t>del</a:t>
-            </a:r>
-            <a:r>
-              <a:rPr/>
-              <a:t> </a:t>
-            </a:r>
-            <a:r>
-              <a:rPr/>
-              <a:t>SAM</a:t>
-            </a:r>
-            <a:r>
-              <a:rPr/>
-              <a:t> </a:t>
-            </a:r>
-            <a:r>
-              <a:rPr/>
-              <a:t>simétrico</a:t>
-            </a:r>
-            <a:r>
-              <a:rPr/>
-              <a:t> </a:t>
-            </a:r>
-            <a:r>
-              <a:rPr/>
-              <a:t>y</a:t>
-            </a:r>
-            <a:r>
-              <a:rPr/>
-              <a:t> </a:t>
-            </a:r>
-            <a:r>
-              <a:rPr/>
-              <a:t>el</a:t>
-            </a:r>
-            <a:r>
-              <a:rPr/>
-              <a:t> </a:t>
-            </a:r>
-            <a:r>
-              <a:rPr/>
-              <a:t>SAM</a:t>
-            </a:r>
-            <a:r>
-              <a:rPr/>
-              <a:t> </a:t>
-            </a:r>
-            <a:r>
-              <a:rPr/>
-              <a:t>asimétrico</a:t>
+              <a:t>EOF1</a:t>
             </a:r>
             <a:r>
               <a:rPr/>
@@ -5647,15 +5237,55 @@
             </a:r>
             <a:r>
               <a:rPr/>
-              <a:t>cada</a:t>
-            </a:r>
-            <a:r>
-              <a:rPr/>
-              <a:t> </a:t>
-            </a:r>
-            <a:r>
-              <a:rPr/>
-              <a:t>dataset</a:t>
+              <a:t>los</a:t>
+            </a:r>
+            <a:r>
+              <a:rPr/>
+              <a:t> </a:t>
+            </a:r>
+            <a:r>
+              <a:rPr/>
+              <a:t>niveles</a:t>
+            </a:r>
+            <a:r>
+              <a:rPr/>
+              <a:t> </a:t>
+            </a:r>
+            <a:r>
+              <a:rPr/>
+              <a:t>marcados</a:t>
+            </a:r>
+            <a:r>
+              <a:rPr/>
+              <a:t> </a:t>
+            </a:r>
+            <a:r>
+              <a:rPr/>
+              <a:t>en</a:t>
+            </a:r>
+            <a:r>
+              <a:rPr/>
+              <a:t> </a:t>
+            </a:r>
+            <a:r>
+              <a:rPr/>
+              <a:t>la</a:t>
+            </a:r>
+            <a:r>
+              <a:rPr/>
+              <a:t> </a:t>
+            </a:r>
+            <a:r>
+              <a:rPr/>
+              <a:t>figura</a:t>
+            </a:r>
+            <a:r>
+              <a:rPr/>
+              <a:t> </a:t>
+            </a:r>
+            <a:r>
+              <a:rPr/>
+              <a:t>anterior.</a:t>
             </a:r>
           </a:p>
         </p:txBody>
@@ -5665,7 +5295,7 @@
 </p:sld>
 </file>
 
-<file path=ppt/slides/slide15.xml><?xml version="1.0" encoding="utf-8"?>
+<file path=ppt/slides/slide12.xml><?xml version="1.0" encoding="utf-8"?>
 <p:sld xmlns:a="http://schemas.openxmlformats.org/drawingml/2006/main" xmlns:r="http://schemas.openxmlformats.org/officeDocument/2006/relationships" xmlns:p="http://schemas.openxmlformats.org/presentationml/2006/main">
   <p:cSld>
     <p:spTree>
@@ -5737,7 +5367,15 @@
             </a:pPr>
             <a:r>
               <a:rPr/>
-              <a:t>Relación</a:t>
+              <a:t>Correlación</a:t>
+            </a:r>
+            <a:r>
+              <a:rPr/>
+              <a:t> </a:t>
+            </a:r>
+            <a:r>
+              <a:rPr/>
+              <a:t>cruzada</a:t>
             </a:r>
             <a:r>
               <a:rPr/>
@@ -5753,7 +5391,31 @@
             </a:r>
             <a:r>
               <a:rPr/>
-              <a:t>el</a:t>
+              <a:t>las</a:t>
+            </a:r>
+            <a:r>
+              <a:rPr/>
+              <a:t> </a:t>
+            </a:r>
+            <a:r>
+              <a:rPr/>
+              <a:t>series</a:t>
+            </a:r>
+            <a:r>
+              <a:rPr/>
+              <a:t> </a:t>
+            </a:r>
+            <a:r>
+              <a:rPr/>
+              <a:t>temporales</a:t>
+            </a:r>
+            <a:r>
+              <a:rPr/>
+              <a:t> </a:t>
+            </a:r>
+            <a:r>
+              <a:rPr/>
+              <a:t>de</a:t>
             </a:r>
             <a:r>
               <a:rPr/>
@@ -5777,31 +5439,23 @@
             </a:r>
             <a:r>
               <a:rPr/>
-              <a:t>y</a:t>
-            </a:r>
-            <a:r>
-              <a:rPr/>
-              <a:t> </a:t>
-            </a:r>
-            <a:r>
-              <a:rPr/>
-              <a:t>el</a:t>
-            </a:r>
-            <a:r>
-              <a:rPr/>
-              <a:t> </a:t>
-            </a:r>
-            <a:r>
-              <a:rPr/>
-              <a:t>SAM</a:t>
-            </a:r>
-            <a:r>
-              <a:rPr/>
-              <a:t> </a:t>
-            </a:r>
-            <a:r>
-              <a:rPr/>
-              <a:t>asimétrico</a:t>
+              <a:t>en</a:t>
+            </a:r>
+            <a:r>
+              <a:rPr/>
+              <a:t> </a:t>
+            </a:r>
+            <a:r>
+              <a:rPr/>
+              <a:t>cada</a:t>
+            </a:r>
+            <a:r>
+              <a:rPr/>
+              <a:t> </a:t>
+            </a:r>
+            <a:r>
+              <a:rPr/>
+              <a:t>nivel.</a:t>
             </a:r>
           </a:p>
         </p:txBody>
@@ -5811,7 +5465,7 @@
 </p:sld>
 </file>
 
-<file path=ppt/slides/slide16.xml><?xml version="1.0" encoding="utf-8"?>
+<file path=ppt/slides/slide13.xml><?xml version="1.0" encoding="utf-8"?>
 <p:sld xmlns:a="http://schemas.openxmlformats.org/drawingml/2006/main" xmlns:r="http://schemas.openxmlformats.org/officeDocument/2006/relationships" xmlns:p="http://schemas.openxmlformats.org/presentationml/2006/main">
   <p:cSld>
     <p:spTree>
@@ -5883,15 +5537,7 @@
             </a:pPr>
             <a:r>
               <a:rPr/>
-              <a:t>Un</a:t>
-            </a:r>
-            <a:r>
-              <a:rPr/>
-              <a:t> </a:t>
-            </a:r>
-            <a:r>
-              <a:rPr/>
-              <a:t>intento</a:t>
+              <a:t>Covarianza</a:t>
             </a:r>
             <a:r>
               <a:rPr/>
@@ -5907,7 +5553,47 @@
             </a:r>
             <a:r>
               <a:rPr/>
-              <a:t>calcular</a:t>
+              <a:t>la</a:t>
+            </a:r>
+            <a:r>
+              <a:rPr/>
+              <a:t> </a:t>
+            </a:r>
+            <a:r>
+              <a:rPr/>
+              <a:t>anomalía</a:t>
+            </a:r>
+            <a:r>
+              <a:rPr/>
+              <a:t> </a:t>
+            </a:r>
+            <a:r>
+              <a:rPr/>
+              <a:t>de</a:t>
+            </a:r>
+            <a:r>
+              <a:rPr/>
+              <a:t> </a:t>
+            </a:r>
+            <a:r>
+              <a:rPr/>
+              <a:t>altura</a:t>
+            </a:r>
+            <a:r>
+              <a:rPr/>
+              <a:t> </a:t>
+            </a:r>
+            <a:r>
+              <a:rPr/>
+              <a:t>geopotencial</a:t>
+            </a:r>
+            <a:r>
+              <a:rPr/>
+              <a:t> </a:t>
+            </a:r>
+            <a:r>
+              <a:rPr/>
+              <a:t>y</a:t>
             </a:r>
             <a:r>
               <a:rPr/>
@@ -5923,6 +5609,46 @@
             </a:r>
             <a:r>
               <a:rPr/>
+              <a:t>índice</a:t>
+            </a:r>
+            <a:r>
+              <a:rPr/>
+              <a:t> </a:t>
+            </a:r>
+            <a:r>
+              <a:rPr/>
+              <a:t>SAM</a:t>
+            </a:r>
+            <a:r>
+              <a:rPr/>
+              <a:t> </a:t>
+            </a:r>
+            <a:r>
+              <a:rPr/>
+              <a:t>simétrico</a:t>
+            </a:r>
+            <a:r>
+              <a:rPr/>
+              <a:t> </a:t>
+            </a:r>
+            <a:r>
+              <a:rPr/>
+              <a:t>en</a:t>
+            </a:r>
+            <a:r>
+              <a:rPr/>
+              <a:t> </a:t>
+            </a:r>
+            <a:r>
+              <a:rPr/>
+              <a:t>cada</a:t>
+            </a:r>
+            <a:r>
+              <a:rPr/>
+              <a:t> </a:t>
+            </a:r>
+            <a:r>
+              <a:rPr/>
               <a:t>nivel</a:t>
             </a:r>
             <a:r>
@@ -5931,23 +5657,313 @@
             </a:r>
             <a:r>
               <a:rPr/>
-              <a:t>de</a:t>
-            </a:r>
-            <a:r>
-              <a:rPr/>
-              <a:t> </a:t>
-            </a:r>
-            <a:r>
-              <a:rPr/>
-              <a:t>asimétria.</a:t>
-            </a:r>
-            <a:r>
-              <a:rPr/>
-              <a:t> </a:t>
-            </a:r>
-            <a:r>
-              <a:rPr/>
-              <a:t>SAM</a:t>
+              <a:t>-ERA5.</a:t>
+            </a:r>
+            <a:r>
+              <a:rPr/>
+              <a:t> </a:t>
+            </a:r>
+            <a:r>
+              <a:rPr/>
+              <a:t>(Comparar</a:t>
+            </a:r>
+            <a:r>
+              <a:rPr/>
+              <a:t> </a:t>
+            </a:r>
+            <a:r>
+              <a:rPr/>
+              <a:t>con</a:t>
+            </a:r>
+            <a:r>
+              <a:rPr/>
+              <a:t> </a:t>
+            </a:r>
+            <a:r>
+              <a:rPr/>
+              <a:t>Baldwin</a:t>
+            </a:r>
+            <a:r>
+              <a:rPr/>
+              <a:t> </a:t>
+            </a:r>
+            <a:r>
+              <a:rPr/>
+              <a:t>y</a:t>
+            </a:r>
+            <a:r>
+              <a:rPr/>
+              <a:t> </a:t>
+            </a:r>
+            <a:r>
+              <a:rPr/>
+              <a:t>THompson</a:t>
+            </a:r>
+            <a:r>
+              <a:rPr/>
+              <a:t> </a:t>
+            </a:r>
+            <a:r>
+              <a:rPr/>
+              <a:t>2009</a:t>
+            </a:r>
+            <a:r>
+              <a:rPr/>
+              <a:t> </a:t>
+            </a:r>
+            <a:r>
+              <a:rPr/>
+              <a:t>figura</a:t>
+            </a:r>
+            <a:r>
+              <a:rPr/>
+              <a:t> </a:t>
+            </a:r>
+            <a:r>
+              <a:rPr/>
+              <a:t>8,</a:t>
+            </a:r>
+            <a:r>
+              <a:rPr/>
+              <a:t> </a:t>
+            </a:r>
+            <a:r>
+              <a:rPr/>
+              <a:t>columna</a:t>
+            </a:r>
+            <a:r>
+              <a:rPr/>
+              <a:t> </a:t>
+            </a:r>
+            <a:r>
+              <a:rPr/>
+              <a:t>derecha)</a:t>
+            </a:r>
+          </a:p>
+        </p:txBody>
+      </p:sp>
+    </p:spTree>
+  </p:cSld>
+</p:sld>
+</file>
+
+<file path=ppt/slides/slide14.xml><?xml version="1.0" encoding="UTF-8"?>
+<p:sld xmlns:a="http://schemas.openxmlformats.org/drawingml/2006/main" xmlns:r="http://schemas.openxmlformats.org/officeDocument/2006/relationships" xmlns:p="http://schemas.openxmlformats.org/presentationml/2006/main"><p:cSld><p:spTree><p:nvGrpSpPr><p:cNvPr id="1" name="" /><p:cNvGrpSpPr /><p:nvPr /></p:nvGrpSpPr><p:grpSpPr><a:xfrm><a:off x="0" y="0" /><a:ext cx="0" cy="0" /><a:chOff x="0" y="0" /><a:chExt cx="0" cy="0" /></a:xfrm></p:grpSpPr><p:sp><p:nvSpPr><p:cNvPr id="3" name="Content Placeholder 2" /><p:cNvSpPr><a:spLocks noGrp="1" /></p:cNvSpPr><p:nvPr><p:ph idx="1" /></p:nvPr></p:nvSpPr><p:spPr /><p:txBody><a:bodyPr /><a:lstStyle /><a:p><a:pPr lvl="0" marL="0" indent="0"><a:buNone /></a:pPr><a:r><a:rPr /><a:t> &#1; </a:t></a:r></a:p></p:txBody></p:sp></p:spTree></p:cSld></p:sld>
+</file>
+
+<file path=ppt/slides/slide15.xml><?xml version="1.0" encoding="utf-8"?>
+<p:sld xmlns:a="http://schemas.openxmlformats.org/drawingml/2006/main" xmlns:r="http://schemas.openxmlformats.org/officeDocument/2006/relationships" xmlns:p="http://schemas.openxmlformats.org/presentationml/2006/main">
+  <p:cSld>
+    <p:spTree>
+      <p:nvGrpSpPr>
+        <p:cNvPr id="1" name=""/>
+        <p:cNvGrpSpPr/>
+        <p:nvPr/>
+      </p:nvGrpSpPr>
+      <p:grpSpPr>
+        <a:xfrm>
+          <a:off x="0" y="0"/>
+          <a:ext cx="0" cy="0"/>
+          <a:chOff x="0" y="0"/>
+          <a:chExt cx="0" cy="0"/>
+        </a:xfrm>
+      </p:grpSpPr>
+      <p:pic>
+        <p:nvPicPr>
+          <p:cNvPr descr="fig/26-SAM_asim/bt09-1.png" id="0" name="Picture 1"/>
+          <p:cNvPicPr>
+            <a:picLocks noGrp="1" noChangeAspect="1"/>
+          </p:cNvPicPr>
+          <p:nvPr/>
+        </p:nvPicPr>
+        <p:blipFill>
+          <a:blip r:embed="rId2"/>
+          <a:stretch>
+            <a:fillRect/>
+          </a:stretch>
+        </p:blipFill>
+        <p:spPr bwMode="auto">
+          <a:xfrm>
+            <a:off x="977900" y="127000"/>
+            <a:ext cx="10160000" cy="6032500"/>
+          </a:xfrm>
+          <a:prstGeom prst="rect">
+            <a:avLst/>
+          </a:prstGeom>
+          <a:noFill/>
+          <a:ln w="9525">
+            <a:noFill/>
+            <a:headEnd/>
+            <a:tailEnd/>
+          </a:ln>
+        </p:spPr>
+      </p:pic>
+      <p:sp>
+        <p:nvSpPr>
+          <p:cNvPr id="1" name="TextBox 3"/>
+          <p:cNvSpPr txBox="1"/>
+          <p:nvPr/>
+        </p:nvSpPr>
+        <p:spPr>
+          <a:xfrm>
+            <a:off x="177800" y="6159500"/>
+            <a:ext cx="11772900" cy="508000"/>
+          </a:xfrm>
+          <a:prstGeom prst="rect">
+            <a:avLst/>
+          </a:prstGeom>
+          <a:noFill/>
+        </p:spPr>
+        <p:txBody>
+          <a:bodyPr/>
+          <a:lstStyle/>
+          <a:p>
+            <a:pPr lvl="0" marL="0" indent="0" algn="ctr">
+              <a:buNone/>
+            </a:pPr>
+            <a:r>
+              <a:rPr/>
+              <a:t>Igual</a:t>
+            </a:r>
+            <a:r>
+              <a:rPr/>
+              <a:t> </a:t>
+            </a:r>
+            <a:r>
+              <a:rPr/>
+              <a:t>a</a:t>
+            </a:r>
+            <a:r>
+              <a:rPr/>
+              <a:t> </a:t>
+            </a:r>
+            <a:r>
+              <a:rPr/>
+              <a:t>la</a:t>
+            </a:r>
+            <a:r>
+              <a:rPr/>
+              <a:t> </a:t>
+            </a:r>
+            <a:r>
+              <a:rPr/>
+              <a:t>figura</a:t>
+            </a:r>
+            <a:r>
+              <a:rPr/>
+              <a:t> </a:t>
+            </a:r>
+            <a:r>
+              <a:rPr/>
+              <a:t>anterior</a:t>
+            </a:r>
+            <a:r>
+              <a:rPr/>
+              <a:t> </a:t>
+            </a:r>
+            <a:r>
+              <a:rPr/>
+              <a:t>pero</a:t>
+            </a:r>
+            <a:r>
+              <a:rPr/>
+              <a:t> </a:t>
+            </a:r>
+            <a:r>
+              <a:rPr/>
+              <a:t>para</a:t>
+            </a:r>
+            <a:r>
+              <a:rPr/>
+              <a:t> </a:t>
+            </a:r>
+            <a:r>
+              <a:rPr/>
+              <a:t>los</a:t>
+            </a:r>
+            <a:r>
+              <a:rPr/>
+              <a:t> </a:t>
+            </a:r>
+            <a:r>
+              <a:rPr/>
+              <a:t>niveles</a:t>
+            </a:r>
+            <a:r>
+              <a:rPr/>
+              <a:t> </a:t>
+            </a:r>
+            <a:r>
+              <a:rPr/>
+              <a:t>extremos</a:t>
+            </a:r>
+          </a:p>
+        </p:txBody>
+      </p:sp>
+    </p:spTree>
+  </p:cSld>
+</p:sld>
+</file>
+
+<file path=ppt/slides/slide16.xml><?xml version="1.0" encoding="utf-8"?>
+<p:sld xmlns:a="http://schemas.openxmlformats.org/drawingml/2006/main" xmlns:r="http://schemas.openxmlformats.org/officeDocument/2006/relationships" xmlns:p="http://schemas.openxmlformats.org/presentationml/2006/main">
+  <p:cSld>
+    <p:spTree>
+      <p:nvGrpSpPr>
+        <p:cNvPr id="1" name=""/>
+        <p:cNvGrpSpPr/>
+        <p:nvPr/>
+      </p:nvGrpSpPr>
+      <p:grpSpPr>
+        <a:xfrm>
+          <a:off x="0" y="0"/>
+          <a:ext cx="0" cy="0"/>
+          <a:chOff x="0" y="0"/>
+          <a:chExt cx="0" cy="0"/>
+        </a:xfrm>
+      </p:grpSpPr>
+      <p:sp>
+        <p:nvSpPr>
+          <p:cNvPr id="2" name="Title 1"/>
+          <p:cNvSpPr>
+            <a:spLocks noGrp="1"/>
+          </p:cNvSpPr>
+          <p:nvPr>
+            <p:ph type="title"/>
+          </p:nvPr>
+        </p:nvSpPr>
+        <p:spPr>
+          <a:xfrm>
+            <a:off x="831687" y="1709738"/>
+            <a:ext cx="10513530" cy="2852737"/>
+          </a:xfrm>
+        </p:spPr>
+        <p:txBody>
+          <a:bodyPr/>
+          <a:lstStyle/>
+          <a:p>
+            <a:pPr lvl="0" marL="0" indent="0">
+              <a:buNone/>
+            </a:pPr>
+            <a:r>
+              <a:rPr/>
+              <a:t>Separando</a:t>
+            </a:r>
+            <a:r>
+              <a:rPr/>
+              <a:t> </a:t>
+            </a:r>
+            <a:r>
+              <a:rPr/>
+              <a:t>simétrico</a:t>
+            </a:r>
+            <a:r>
+              <a:rPr/>
+              <a:t> </a:t>
+            </a:r>
+            <a:r>
+              <a:rPr/>
+              <a:t>y</a:t>
             </a:r>
             <a:r>
               <a:rPr/>
@@ -5956,86 +5972,6 @@
             <a:r>
               <a:rPr/>
               <a:t>asimétrico</a:t>
-            </a:r>
-            <a:r>
-              <a:rPr/>
-              <a:t> </a:t>
-            </a:r>
-            <a:r>
-              <a:rPr/>
-              <a:t>/</a:t>
-            </a:r>
-            <a:r>
-              <a:rPr/>
-              <a:t> </a:t>
-            </a:r>
-            <a:r>
-              <a:rPr/>
-              <a:t>(SAM</a:t>
-            </a:r>
-            <a:r>
-              <a:rPr/>
-              <a:t> </a:t>
-            </a:r>
-            <a:r>
-              <a:rPr/>
-              <a:t>asimétrico</a:t>
-            </a:r>
-            <a:r>
-              <a:rPr/>
-              <a:t> </a:t>
-            </a:r>
-            <a:r>
-              <a:rPr/>
-              <a:t>+</a:t>
-            </a:r>
-            <a:r>
-              <a:rPr/>
-              <a:t> </a:t>
-            </a:r>
-            <a:r>
-              <a:rPr/>
-              <a:t>SAM</a:t>
-            </a:r>
-            <a:r>
-              <a:rPr/>
-              <a:t> </a:t>
-            </a:r>
-            <a:r>
-              <a:rPr/>
-              <a:t>simétrico)</a:t>
-            </a:r>
-            <a:r>
-              <a:rPr/>
-              <a:t> </a:t>
-            </a:r>
-            <a:r>
-              <a:rPr/>
-              <a:t>(todos</a:t>
-            </a:r>
-            <a:r>
-              <a:rPr/>
-              <a:t> </a:t>
-            </a:r>
-            <a:r>
-              <a:rPr/>
-              <a:t>en</a:t>
-            </a:r>
-            <a:r>
-              <a:rPr/>
-              <a:t> </a:t>
-            </a:r>
-            <a:r>
-              <a:rPr/>
-              <a:t>valor</a:t>
-            </a:r>
-            <a:r>
-              <a:rPr/>
-              <a:t> </a:t>
-            </a:r>
-            <a:r>
-              <a:rPr/>
-              <a:t>absoluto)</a:t>
             </a:r>
           </a:p>
         </p:txBody>
@@ -6062,9 +5998,92 @@
           <a:chExt cx="0" cy="0"/>
         </a:xfrm>
       </p:grpSpPr>
+      <p:sp>
+        <p:nvSpPr>
+          <p:cNvPr id="3" name="Content Placeholder 2"/>
+          <p:cNvSpPr>
+            <a:spLocks noGrp="1"/>
+          </p:cNvSpPr>
+          <p:nvPr>
+            <p:ph idx="1"/>
+          </p:nvPr>
+        </p:nvSpPr>
+        <p:spPr/>
+        <p:txBody>
+          <a:bodyPr/>
+          <a:lstStyle/>
+          <a:p>
+            <a:pPr lvl="0" marL="0" indent="0">
+              <a:buNone/>
+            </a:pPr>
+            <a:r>
+              <a:rPr/>
+              <a:t>El método de BT09 define el modo anular usando el geopotencial medio, pero no es simple ver cómo usarlo para separar la parte simétrica de la asimétrica. Lo que voy a hacer es otra cosa.</a:t>
+            </a:r>
+          </a:p>
+          <a:p>
+            <a:pPr lvl="1">
+              <a:buAutoNum type="arabicPeriod"/>
+            </a:pPr>
+            <a:r>
+              <a:rPr/>
+              <a:t>Computar el patrón SAM de forma “tradicional” usando las anomalías temporales de geopotencial en 700hPa.</a:t>
+            </a:r>
+          </a:p>
+          <a:p>
+            <a:pPr lvl="1">
+              <a:buAutoNum type="arabicPeriod"/>
+            </a:pPr>
+            <a:r>
+              <a:rPr/>
+              <a:t>Calcular la parte simétrica y la parte asimétrica de ese patrón.</a:t>
+            </a:r>
+          </a:p>
+          <a:p>
+            <a:pPr lvl="1">
+              <a:buAutoNum type="arabicPeriod"/>
+            </a:pPr>
+            <a:r>
+              <a:rPr/>
+              <a:t>Para cada campo de anomalía de geopotencial, calcular la regresión múltiple lineal con la parte simétrica y la asimétrica del patrón. Es decir, si SAM_sym y SAM_asym son los patrones simétricos y asimétricos del SAM computados en el paso 2 y HGT es el campo de anomalías de geopotencial en 700hPa de una determinada fecha, hacer la regresión HGT ~ a*SAM_sym + b*SAM_asym. (La regresión pesada por el coseno de la latitud).</a:t>
+            </a:r>
+          </a:p>
+          <a:p>
+            <a:pPr lvl="1">
+              <a:buAutoNum type="arabicPeriod"/>
+            </a:pPr>
+            <a:r>
+              <a:rPr/>
+              <a:t>La serie temporal de a y b son los índices de SAM simétrico y asimétrico.</a:t>
+            </a:r>
+          </a:p>
+        </p:txBody>
+      </p:sp>
+    </p:spTree>
+  </p:cSld>
+</p:sld>
+</file>
+
+<file path=ppt/slides/slide18.xml><?xml version="1.0" encoding="utf-8"?>
+<p:sld xmlns:a="http://schemas.openxmlformats.org/drawingml/2006/main" xmlns:r="http://schemas.openxmlformats.org/officeDocument/2006/relationships" xmlns:p="http://schemas.openxmlformats.org/presentationml/2006/main">
+  <p:cSld>
+    <p:spTree>
+      <p:nvGrpSpPr>
+        <p:cNvPr id="1" name=""/>
+        <p:cNvGrpSpPr/>
+        <p:nvPr/>
+      </p:nvGrpSpPr>
+      <p:grpSpPr>
+        <a:xfrm>
+          <a:off x="0" y="0"/>
+          <a:ext cx="0" cy="0"/>
+          <a:chOff x="0" y="0"/>
+          <a:chExt cx="0" cy="0"/>
+        </a:xfrm>
+      </p:grpSpPr>
       <p:pic>
         <p:nvPicPr>
-          <p:cNvPr descr="fig/26-SAM_asim/unnamed-chunk-13-1.png" id="0" name="Picture 1"/>
+          <p:cNvPr descr="fig/26-SAM_asim/unnamed-chunk-15-1.png" id="0" name="Picture 1"/>
           <p:cNvPicPr>
             <a:picLocks noGrp="1" noChangeAspect="1"/>
           </p:cNvPicPr>
@@ -6117,7 +6136,55 @@
             </a:pPr>
             <a:r>
               <a:rPr/>
-              <a:t>Covarianza</a:t>
+              <a:t>Parte</a:t>
+            </a:r>
+            <a:r>
+              <a:rPr/>
+              <a:t> </a:t>
+            </a:r>
+            <a:r>
+              <a:rPr/>
+              <a:t>simétrica</a:t>
+            </a:r>
+            <a:r>
+              <a:rPr/>
+              <a:t> </a:t>
+            </a:r>
+            <a:r>
+              <a:rPr/>
+              <a:t>y</a:t>
+            </a:r>
+            <a:r>
+              <a:rPr/>
+              <a:t> </a:t>
+            </a:r>
+            <a:r>
+              <a:rPr/>
+              <a:t>parte</a:t>
+            </a:r>
+            <a:r>
+              <a:rPr/>
+              <a:t> </a:t>
+            </a:r>
+            <a:r>
+              <a:rPr/>
+              <a:t>asimétrica</a:t>
+            </a:r>
+            <a:r>
+              <a:rPr/>
+              <a:t> </a:t>
+            </a:r>
+            <a:r>
+              <a:rPr/>
+              <a:t>del</a:t>
+            </a:r>
+            <a:r>
+              <a:rPr/>
+              <a:t> </a:t>
+            </a:r>
+            <a:r>
+              <a:rPr/>
+              <a:t>patrón</a:t>
             </a:r>
             <a:r>
               <a:rPr/>
@@ -6133,39 +6200,7 @@
             </a:r>
             <a:r>
               <a:rPr/>
-              <a:t>laa</a:t>
-            </a:r>
-            <a:r>
-              <a:rPr/>
-              <a:t> </a:t>
-            </a:r>
-            <a:r>
-              <a:rPr/>
-              <a:t>anomalías</a:t>
-            </a:r>
-            <a:r>
-              <a:rPr/>
-              <a:t> </a:t>
-            </a:r>
-            <a:r>
-              <a:rPr/>
-              <a:t>temporales</a:t>
-            </a:r>
-            <a:r>
-              <a:rPr/>
-              <a:t> </a:t>
-            </a:r>
-            <a:r>
-              <a:rPr/>
-              <a:t>de</a:t>
-            </a:r>
-            <a:r>
-              <a:rPr/>
-              <a:t> </a:t>
-            </a:r>
-            <a:r>
-              <a:rPr/>
-              <a:t>geopotencial</a:t>
+              <a:t>SAM</a:t>
             </a:r>
             <a:r>
               <a:rPr/>
@@ -6181,95 +6216,177 @@
             </a:r>
             <a:r>
               <a:rPr/>
-              <a:t>700hPa</a:t>
-            </a:r>
-            <a:r>
-              <a:rPr/>
-              <a:t> </a:t>
-            </a:r>
-            <a:r>
-              <a:rPr/>
-              <a:t>con</a:t>
-            </a:r>
-            <a:r>
-              <a:rPr/>
-              <a:t> </a:t>
-            </a:r>
-            <a:r>
-              <a:rPr/>
-              <a:t>cada</a:t>
-            </a:r>
-            <a:r>
-              <a:rPr/>
-              <a:t> </a:t>
-            </a:r>
-            <a:r>
-              <a:rPr/>
-              <a:t>índice</a:t>
-            </a:r>
-            <a:r>
-              <a:rPr/>
-              <a:t> </a:t>
-            </a:r>
-            <a:r>
-              <a:rPr/>
-              <a:t>de</a:t>
-            </a:r>
-            <a:r>
-              <a:rPr/>
-              <a:t> </a:t>
-            </a:r>
-            <a:r>
-              <a:rPr/>
-              <a:t>SAM.</a:t>
-            </a:r>
-            <a:r>
-              <a:rPr/>
-              <a:t> </a:t>
-            </a:r>
-            <a:r>
-              <a:rPr/>
-              <a:t>ERA5</a:t>
-            </a:r>
-            <a:r>
-              <a:rPr/>
-              <a:t> </a:t>
-            </a:r>
-            <a:r>
-              <a:rPr/>
-              <a:t>en</a:t>
-            </a:r>
-            <a:r>
-              <a:rPr/>
-              <a:t> </a:t>
-            </a:r>
-            <a:r>
-              <a:rPr/>
-              <a:t>sombreado,</a:t>
-            </a:r>
-            <a:r>
-              <a:rPr/>
-              <a:t> </a:t>
-            </a:r>
-            <a:r>
-              <a:rPr/>
-              <a:t>NCEP</a:t>
-            </a:r>
-            <a:r>
-              <a:rPr/>
-              <a:t> </a:t>
-            </a:r>
-            <a:r>
-              <a:rPr/>
-              <a:t>en</a:t>
-            </a:r>
-            <a:r>
-              <a:rPr/>
-              <a:t> </a:t>
-            </a:r>
-            <a:r>
-              <a:rPr/>
-              <a:t>contornos.</a:t>
+              <a:t>el</a:t>
+            </a:r>
+            <a:r>
+              <a:rPr/>
+              <a:t> </a:t>
+            </a:r>
+            <a:r>
+              <a:rPr/>
+              <a:t>hemisferio</a:t>
+            </a:r>
+            <a:r>
+              <a:rPr/>
+              <a:t> </a:t>
+            </a:r>
+            <a:r>
+              <a:rPr/>
+              <a:t>sur.</a:t>
+            </a:r>
+          </a:p>
+        </p:txBody>
+      </p:sp>
+    </p:spTree>
+  </p:cSld>
+</p:sld>
+</file>
+
+<file path=ppt/slides/slide19.xml><?xml version="1.0" encoding="utf-8"?>
+<p:sld xmlns:a="http://schemas.openxmlformats.org/drawingml/2006/main" xmlns:r="http://schemas.openxmlformats.org/officeDocument/2006/relationships" xmlns:p="http://schemas.openxmlformats.org/presentationml/2006/main">
+  <p:cSld>
+    <p:spTree>
+      <p:nvGrpSpPr>
+        <p:cNvPr id="1" name=""/>
+        <p:cNvGrpSpPr/>
+        <p:nvPr/>
+      </p:nvGrpSpPr>
+      <p:grpSpPr>
+        <a:xfrm>
+          <a:off x="0" y="0"/>
+          <a:ext cx="0" cy="0"/>
+          <a:chOff x="0" y="0"/>
+          <a:chExt cx="0" cy="0"/>
+        </a:xfrm>
+      </p:grpSpPr>
+      <p:pic>
+        <p:nvPicPr>
+          <p:cNvPr descr="fig/26-SAM_asim/unnamed-chunk-16-1.png" id="0" name="Picture 1"/>
+          <p:cNvPicPr>
+            <a:picLocks noGrp="1" noChangeAspect="1"/>
+          </p:cNvPicPr>
+          <p:nvPr/>
+        </p:nvPicPr>
+        <p:blipFill>
+          <a:blip r:embed="rId2"/>
+          <a:stretch>
+            <a:fillRect/>
+          </a:stretch>
+        </p:blipFill>
+        <p:spPr bwMode="auto">
+          <a:xfrm>
+            <a:off x="977900" y="127000"/>
+            <a:ext cx="10160000" cy="6032500"/>
+          </a:xfrm>
+          <a:prstGeom prst="rect">
+            <a:avLst/>
+          </a:prstGeom>
+          <a:noFill/>
+          <a:ln w="9525">
+            <a:noFill/>
+            <a:headEnd/>
+            <a:tailEnd/>
+          </a:ln>
+        </p:spPr>
+      </p:pic>
+      <p:sp>
+        <p:nvSpPr>
+          <p:cNvPr id="1" name="TextBox 3"/>
+          <p:cNvSpPr txBox="1"/>
+          <p:nvPr/>
+        </p:nvSpPr>
+        <p:spPr>
+          <a:xfrm>
+            <a:off x="177800" y="6159500"/>
+            <a:ext cx="11772900" cy="508000"/>
+          </a:xfrm>
+          <a:prstGeom prst="rect">
+            <a:avLst/>
+          </a:prstGeom>
+          <a:noFill/>
+        </p:spPr>
+        <p:txBody>
+          <a:bodyPr/>
+          <a:lstStyle/>
+          <a:p>
+            <a:pPr lvl="0" marL="0" indent="0" algn="ctr">
+              <a:buNone/>
+            </a:pPr>
+            <a:r>
+              <a:rPr/>
+              <a:t>Igual</a:t>
+            </a:r>
+            <a:r>
+              <a:rPr/>
+              <a:t> </a:t>
+            </a:r>
+            <a:r>
+              <a:rPr/>
+              <a:t>que</a:t>
+            </a:r>
+            <a:r>
+              <a:rPr/>
+              <a:t> </a:t>
+            </a:r>
+            <a:r>
+              <a:rPr/>
+              <a:t>la</a:t>
+            </a:r>
+            <a:r>
+              <a:rPr/>
+              <a:t> </a:t>
+            </a:r>
+            <a:r>
+              <a:rPr/>
+              <a:t>figura</a:t>
+            </a:r>
+            <a:r>
+              <a:rPr/>
+              <a:t> </a:t>
+            </a:r>
+            <a:r>
+              <a:rPr/>
+              <a:t>anterior</a:t>
+            </a:r>
+            <a:r>
+              <a:rPr/>
+              <a:t> </a:t>
+            </a:r>
+            <a:r>
+              <a:rPr/>
+              <a:t>pero</a:t>
+            </a:r>
+            <a:r>
+              <a:rPr/>
+              <a:t> </a:t>
+            </a:r>
+            <a:r>
+              <a:rPr/>
+              <a:t>para</a:t>
+            </a:r>
+            <a:r>
+              <a:rPr/>
+              <a:t> </a:t>
+            </a:r>
+            <a:r>
+              <a:rPr/>
+              <a:t>el</a:t>
+            </a:r>
+            <a:r>
+              <a:rPr/>
+              <a:t> </a:t>
+            </a:r>
+            <a:r>
+              <a:rPr/>
+              <a:t>hemisferio</a:t>
+            </a:r>
+            <a:r>
+              <a:rPr/>
+              <a:t> </a:t>
+            </a:r>
+            <a:r>
+              <a:rPr/>
+              <a:t>norte</a:t>
             </a:r>
           </a:p>
         </p:txBody>
@@ -6339,6 +6456,1650 @@
 </p:sld>
 </file>
 
+<file path=ppt/slides/slide20.xml><?xml version="1.0" encoding="utf-8"?>
+<p:sld xmlns:a="http://schemas.openxmlformats.org/drawingml/2006/main" xmlns:r="http://schemas.openxmlformats.org/officeDocument/2006/relationships" xmlns:p="http://schemas.openxmlformats.org/presentationml/2006/main">
+  <p:cSld>
+    <p:spTree>
+      <p:nvGrpSpPr>
+        <p:cNvPr id="1" name=""/>
+        <p:cNvGrpSpPr/>
+        <p:nvPr/>
+      </p:nvGrpSpPr>
+      <p:grpSpPr>
+        <a:xfrm>
+          <a:off x="0" y="0"/>
+          <a:ext cx="0" cy="0"/>
+          <a:chOff x="0" y="0"/>
+          <a:chExt cx="0" cy="0"/>
+        </a:xfrm>
+      </p:grpSpPr>
+      <p:pic>
+        <p:nvPicPr>
+          <p:cNvPr descr="fig/26-SAM_asim/unnamed-chunk-17-1.png" id="0" name="Picture 1"/>
+          <p:cNvPicPr>
+            <a:picLocks noGrp="1" noChangeAspect="1"/>
+          </p:cNvPicPr>
+          <p:nvPr/>
+        </p:nvPicPr>
+        <p:blipFill>
+          <a:blip r:embed="rId2"/>
+          <a:stretch>
+            <a:fillRect/>
+          </a:stretch>
+        </p:blipFill>
+        <p:spPr bwMode="auto">
+          <a:xfrm>
+            <a:off x="977900" y="127000"/>
+            <a:ext cx="10160000" cy="6032500"/>
+          </a:xfrm>
+          <a:prstGeom prst="rect">
+            <a:avLst/>
+          </a:prstGeom>
+          <a:noFill/>
+          <a:ln w="9525">
+            <a:noFill/>
+            <a:headEnd/>
+            <a:tailEnd/>
+          </a:ln>
+        </p:spPr>
+      </p:pic>
+      <p:sp>
+        <p:nvSpPr>
+          <p:cNvPr id="1" name="TextBox 3"/>
+          <p:cNvSpPr txBox="1"/>
+          <p:nvPr/>
+        </p:nvSpPr>
+        <p:spPr>
+          <a:xfrm>
+            <a:off x="177800" y="6159500"/>
+            <a:ext cx="11772900" cy="508000"/>
+          </a:xfrm>
+          <a:prstGeom prst="rect">
+            <a:avLst/>
+          </a:prstGeom>
+          <a:noFill/>
+        </p:spPr>
+        <p:txBody>
+          <a:bodyPr/>
+          <a:lstStyle/>
+          <a:p>
+            <a:pPr lvl="0" marL="0" indent="0" algn="ctr">
+              <a:buNone/>
+            </a:pPr>
+            <a:r>
+              <a:rPr/>
+              <a:t>Relación</a:t>
+            </a:r>
+            <a:r>
+              <a:rPr/>
+              <a:t> </a:t>
+            </a:r>
+            <a:r>
+              <a:rPr/>
+              <a:t>entre</a:t>
+            </a:r>
+            <a:r>
+              <a:rPr/>
+              <a:t> </a:t>
+            </a:r>
+            <a:r>
+              <a:rPr/>
+              <a:t>el</a:t>
+            </a:r>
+            <a:r>
+              <a:rPr/>
+              <a:t> </a:t>
+            </a:r>
+            <a:r>
+              <a:rPr/>
+              <a:t>EOF1</a:t>
+            </a:r>
+            <a:r>
+              <a:rPr/>
+              <a:t> </a:t>
+            </a:r>
+            <a:r>
+              <a:rPr/>
+              <a:t>calculado</a:t>
+            </a:r>
+            <a:r>
+              <a:rPr/>
+              <a:t> </a:t>
+            </a:r>
+            <a:r>
+              <a:rPr/>
+              <a:t>acá</a:t>
+            </a:r>
+            <a:r>
+              <a:rPr/>
+              <a:t> </a:t>
+            </a:r>
+            <a:r>
+              <a:rPr/>
+              <a:t>y</a:t>
+            </a:r>
+            <a:r>
+              <a:rPr/>
+              <a:t> </a:t>
+            </a:r>
+            <a:r>
+              <a:rPr/>
+              <a:t>el</a:t>
+            </a:r>
+            <a:r>
+              <a:rPr/>
+              <a:t> </a:t>
+            </a:r>
+            <a:r>
+              <a:rPr/>
+              <a:t>índice</a:t>
+            </a:r>
+            <a:r>
+              <a:rPr/>
+              <a:t> </a:t>
+            </a:r>
+            <a:r>
+              <a:rPr/>
+              <a:t>AAO</a:t>
+            </a:r>
+            <a:r>
+              <a:rPr/>
+              <a:t> </a:t>
+            </a:r>
+            <a:r>
+              <a:rPr/>
+              <a:t>provisto</a:t>
+            </a:r>
+            <a:r>
+              <a:rPr/>
+              <a:t> </a:t>
+            </a:r>
+            <a:r>
+              <a:rPr/>
+              <a:t>por</a:t>
+            </a:r>
+            <a:r>
+              <a:rPr/>
+              <a:t> </a:t>
+            </a:r>
+            <a:r>
+              <a:rPr/>
+              <a:t>NCEP</a:t>
+            </a:r>
+          </a:p>
+        </p:txBody>
+      </p:sp>
+    </p:spTree>
+  </p:cSld>
+</p:sld>
+</file>
+
+<file path=ppt/slides/slide21.xml><?xml version="1.0" encoding="utf-8"?>
+<p:sld xmlns:a="http://schemas.openxmlformats.org/drawingml/2006/main" xmlns:r="http://schemas.openxmlformats.org/officeDocument/2006/relationships" xmlns:p="http://schemas.openxmlformats.org/presentationml/2006/main">
+  <p:cSld>
+    <p:spTree>
+      <p:nvGrpSpPr>
+        <p:cNvPr id="1" name=""/>
+        <p:cNvGrpSpPr/>
+        <p:nvPr/>
+      </p:nvGrpSpPr>
+      <p:grpSpPr>
+        <a:xfrm>
+          <a:off x="0" y="0"/>
+          <a:ext cx="0" cy="0"/>
+          <a:chOff x="0" y="0"/>
+          <a:chExt cx="0" cy="0"/>
+        </a:xfrm>
+      </p:grpSpPr>
+      <p:pic>
+        <p:nvPicPr>
+          <p:cNvPr descr="fig/26-SAM_asim/unnamed-chunk-19-1.png" id="0" name="Picture 1"/>
+          <p:cNvPicPr>
+            <a:picLocks noGrp="1" noChangeAspect="1"/>
+          </p:cNvPicPr>
+          <p:nvPr/>
+        </p:nvPicPr>
+        <p:blipFill>
+          <a:blip r:embed="rId2"/>
+          <a:stretch>
+            <a:fillRect/>
+          </a:stretch>
+        </p:blipFill>
+        <p:spPr bwMode="auto">
+          <a:xfrm>
+            <a:off x="977900" y="127000"/>
+            <a:ext cx="10160000" cy="6032500"/>
+          </a:xfrm>
+          <a:prstGeom prst="rect">
+            <a:avLst/>
+          </a:prstGeom>
+          <a:noFill/>
+          <a:ln w="9525">
+            <a:noFill/>
+            <a:headEnd/>
+            <a:tailEnd/>
+          </a:ln>
+        </p:spPr>
+      </p:pic>
+      <p:sp>
+        <p:nvSpPr>
+          <p:cNvPr id="1" name="TextBox 3"/>
+          <p:cNvSpPr txBox="1"/>
+          <p:nvPr/>
+        </p:nvSpPr>
+        <p:spPr>
+          <a:xfrm>
+            <a:off x="177800" y="6159500"/>
+            <a:ext cx="11772900" cy="508000"/>
+          </a:xfrm>
+          <a:prstGeom prst="rect">
+            <a:avLst/>
+          </a:prstGeom>
+          <a:noFill/>
+        </p:spPr>
+        <p:txBody>
+          <a:bodyPr/>
+          <a:lstStyle/>
+          <a:p>
+            <a:pPr lvl="0" marL="0" indent="0" algn="ctr">
+              <a:buNone/>
+            </a:pPr>
+            <a:r>
+              <a:rPr/>
+              <a:t>Correlación</a:t>
+            </a:r>
+            <a:r>
+              <a:rPr/>
+              <a:t> </a:t>
+            </a:r>
+            <a:r>
+              <a:rPr/>
+              <a:t>entre</a:t>
+            </a:r>
+            <a:r>
+              <a:rPr/>
+              <a:t> </a:t>
+            </a:r>
+            <a:r>
+              <a:rPr/>
+              <a:t>el</a:t>
+            </a:r>
+            <a:r>
+              <a:rPr/>
+              <a:t> </a:t>
+            </a:r>
+            <a:r>
+              <a:rPr/>
+              <a:t>BT09</a:t>
+            </a:r>
+            <a:r>
+              <a:rPr/>
+              <a:t> </a:t>
+            </a:r>
+            <a:r>
+              <a:rPr/>
+              <a:t>y</a:t>
+            </a:r>
+            <a:r>
+              <a:rPr/>
+              <a:t> </a:t>
+            </a:r>
+            <a:r>
+              <a:rPr/>
+              <a:t>las</a:t>
+            </a:r>
+            <a:r>
+              <a:rPr/>
+              <a:t> </a:t>
+            </a:r>
+            <a:r>
+              <a:rPr/>
+              <a:t>partes</a:t>
+            </a:r>
+            <a:r>
+              <a:rPr/>
+              <a:t> </a:t>
+            </a:r>
+            <a:r>
+              <a:rPr/>
+              <a:t>del</a:t>
+            </a:r>
+            <a:r>
+              <a:rPr/>
+              <a:t> </a:t>
+            </a:r>
+            <a:r>
+              <a:rPr/>
+              <a:t>SAM.</a:t>
+            </a:r>
+          </a:p>
+        </p:txBody>
+      </p:sp>
+    </p:spTree>
+  </p:cSld>
+</p:sld>
+</file>
+
+<file path=ppt/slides/slide22.xml><?xml version="1.0" encoding="utf-8"?>
+<p:sld xmlns:a="http://schemas.openxmlformats.org/drawingml/2006/main" xmlns:r="http://schemas.openxmlformats.org/officeDocument/2006/relationships" xmlns:p="http://schemas.openxmlformats.org/presentationml/2006/main">
+  <p:cSld>
+    <p:spTree>
+      <p:nvGrpSpPr>
+        <p:cNvPr id="1" name=""/>
+        <p:cNvGrpSpPr/>
+        <p:nvPr/>
+      </p:nvGrpSpPr>
+      <p:grpSpPr>
+        <a:xfrm>
+          <a:off x="0" y="0"/>
+          <a:ext cx="0" cy="0"/>
+          <a:chOff x="0" y="0"/>
+          <a:chExt cx="0" cy="0"/>
+        </a:xfrm>
+      </p:grpSpPr>
+      <p:pic>
+        <p:nvPicPr>
+          <p:cNvPr descr="fig/26-SAM_asim/unnamed-chunk-20-1.png" id="0" name="Picture 1"/>
+          <p:cNvPicPr>
+            <a:picLocks noGrp="1" noChangeAspect="1"/>
+          </p:cNvPicPr>
+          <p:nvPr/>
+        </p:nvPicPr>
+        <p:blipFill>
+          <a:blip r:embed="rId2"/>
+          <a:stretch>
+            <a:fillRect/>
+          </a:stretch>
+        </p:blipFill>
+        <p:spPr bwMode="auto">
+          <a:xfrm>
+            <a:off x="977900" y="127000"/>
+            <a:ext cx="10160000" cy="6032500"/>
+          </a:xfrm>
+          <a:prstGeom prst="rect">
+            <a:avLst/>
+          </a:prstGeom>
+          <a:noFill/>
+          <a:ln w="9525">
+            <a:noFill/>
+            <a:headEnd/>
+            <a:tailEnd/>
+          </a:ln>
+        </p:spPr>
+      </p:pic>
+      <p:sp>
+        <p:nvSpPr>
+          <p:cNvPr id="1" name="TextBox 3"/>
+          <p:cNvSpPr txBox="1"/>
+          <p:nvPr/>
+        </p:nvSpPr>
+        <p:spPr>
+          <a:xfrm>
+            <a:off x="177800" y="6159500"/>
+            <a:ext cx="11772900" cy="508000"/>
+          </a:xfrm>
+          <a:prstGeom prst="rect">
+            <a:avLst/>
+          </a:prstGeom>
+          <a:noFill/>
+        </p:spPr>
+        <p:txBody>
+          <a:bodyPr/>
+          <a:lstStyle/>
+          <a:p>
+            <a:pPr lvl="0" marL="0" indent="0" algn="ctr">
+              <a:buNone/>
+            </a:pPr>
+            <a:r>
+              <a:rPr/>
+              <a:t>Series</a:t>
+            </a:r>
+            <a:r>
+              <a:rPr/>
+              <a:t> </a:t>
+            </a:r>
+            <a:r>
+              <a:rPr/>
+              <a:t>temporales</a:t>
+            </a:r>
+            <a:r>
+              <a:rPr/>
+              <a:t> </a:t>
+            </a:r>
+            <a:r>
+              <a:rPr/>
+              <a:t>del</a:t>
+            </a:r>
+            <a:r>
+              <a:rPr/>
+              <a:t> </a:t>
+            </a:r>
+            <a:r>
+              <a:rPr/>
+              <a:t>SAM</a:t>
+            </a:r>
+            <a:r>
+              <a:rPr/>
+              <a:t> </a:t>
+            </a:r>
+            <a:r>
+              <a:rPr/>
+              <a:t>simétrico</a:t>
+            </a:r>
+            <a:r>
+              <a:rPr/>
+              <a:t> </a:t>
+            </a:r>
+            <a:r>
+              <a:rPr/>
+              <a:t>y</a:t>
+            </a:r>
+            <a:r>
+              <a:rPr/>
+              <a:t> </a:t>
+            </a:r>
+            <a:r>
+              <a:rPr/>
+              <a:t>el</a:t>
+            </a:r>
+            <a:r>
+              <a:rPr/>
+              <a:t> </a:t>
+            </a:r>
+            <a:r>
+              <a:rPr/>
+              <a:t>SAM</a:t>
+            </a:r>
+            <a:r>
+              <a:rPr/>
+              <a:t> </a:t>
+            </a:r>
+            <a:r>
+              <a:rPr/>
+              <a:t>asimétrico</a:t>
+            </a:r>
+            <a:r>
+              <a:rPr/>
+              <a:t> </a:t>
+            </a:r>
+            <a:r>
+              <a:rPr/>
+              <a:t>para</a:t>
+            </a:r>
+            <a:r>
+              <a:rPr/>
+              <a:t> </a:t>
+            </a:r>
+            <a:r>
+              <a:rPr/>
+              <a:t>cada</a:t>
+            </a:r>
+            <a:r>
+              <a:rPr/>
+              <a:t> </a:t>
+            </a:r>
+            <a:r>
+              <a:rPr/>
+              <a:t>dataset</a:t>
+            </a:r>
+            <a:r>
+              <a:rPr/>
+              <a:t> </a:t>
+            </a:r>
+            <a:r>
+              <a:rPr/>
+              <a:t>(normalizados</a:t>
+            </a:r>
+            <a:r>
+              <a:rPr/>
+              <a:t> </a:t>
+            </a:r>
+            <a:r>
+              <a:rPr/>
+              <a:t>usando</a:t>
+            </a:r>
+            <a:r>
+              <a:rPr/>
+              <a:t> </a:t>
+            </a:r>
+            <a:r>
+              <a:rPr/>
+              <a:t>el</a:t>
+            </a:r>
+            <a:r>
+              <a:rPr/>
+              <a:t> </a:t>
+            </a:r>
+            <a:r>
+              <a:rPr/>
+              <a:t>desvio</a:t>
+            </a:r>
+            <a:r>
+              <a:rPr/>
+              <a:t> </a:t>
+            </a:r>
+            <a:r>
+              <a:rPr/>
+              <a:t>estándar</a:t>
+            </a:r>
+            <a:r>
+              <a:rPr/>
+              <a:t> </a:t>
+            </a:r>
+            <a:r>
+              <a:rPr/>
+              <a:t>de</a:t>
+            </a:r>
+            <a:r>
+              <a:rPr/>
+              <a:t> </a:t>
+            </a:r>
+            <a:r>
+              <a:rPr/>
+              <a:t>la</a:t>
+            </a:r>
+            <a:r>
+              <a:rPr/>
+              <a:t> </a:t>
+            </a:r>
+            <a:r>
+              <a:rPr/>
+              <a:t>serie</a:t>
+            </a:r>
+            <a:r>
+              <a:rPr/>
+              <a:t> </a:t>
+            </a:r>
+            <a:r>
+              <a:rPr/>
+              <a:t>completa.)</a:t>
+            </a:r>
+          </a:p>
+        </p:txBody>
+      </p:sp>
+    </p:spTree>
+  </p:cSld>
+</p:sld>
+</file>
+
+<file path=ppt/slides/slide23.xml><?xml version="1.0" encoding="utf-8"?>
+<p:sld xmlns:a="http://schemas.openxmlformats.org/drawingml/2006/main" xmlns:r="http://schemas.openxmlformats.org/officeDocument/2006/relationships" xmlns:p="http://schemas.openxmlformats.org/presentationml/2006/main">
+  <p:cSld>
+    <p:spTree>
+      <p:nvGrpSpPr>
+        <p:cNvPr id="1" name=""/>
+        <p:cNvGrpSpPr/>
+        <p:nvPr/>
+      </p:nvGrpSpPr>
+      <p:grpSpPr>
+        <a:xfrm>
+          <a:off x="0" y="0"/>
+          <a:ext cx="0" cy="0"/>
+          <a:chOff x="0" y="0"/>
+          <a:chExt cx="0" cy="0"/>
+        </a:xfrm>
+      </p:grpSpPr>
+      <p:pic>
+        <p:nvPicPr>
+          <p:cNvPr descr="fig/26-SAM_asim/unnamed-chunk-21-1.png" id="0" name="Picture 1"/>
+          <p:cNvPicPr>
+            <a:picLocks noGrp="1" noChangeAspect="1"/>
+          </p:cNvPicPr>
+          <p:nvPr/>
+        </p:nvPicPr>
+        <p:blipFill>
+          <a:blip r:embed="rId2"/>
+          <a:stretch>
+            <a:fillRect/>
+          </a:stretch>
+        </p:blipFill>
+        <p:spPr bwMode="auto">
+          <a:xfrm>
+            <a:off x="977900" y="127000"/>
+            <a:ext cx="10160000" cy="6032500"/>
+          </a:xfrm>
+          <a:prstGeom prst="rect">
+            <a:avLst/>
+          </a:prstGeom>
+          <a:noFill/>
+          <a:ln w="9525">
+            <a:noFill/>
+            <a:headEnd/>
+            <a:tailEnd/>
+          </a:ln>
+        </p:spPr>
+      </p:pic>
+      <p:sp>
+        <p:nvSpPr>
+          <p:cNvPr id="1" name="TextBox 3"/>
+          <p:cNvSpPr txBox="1"/>
+          <p:nvPr/>
+        </p:nvSpPr>
+        <p:spPr>
+          <a:xfrm>
+            <a:off x="177800" y="6159500"/>
+            <a:ext cx="11772900" cy="508000"/>
+          </a:xfrm>
+          <a:prstGeom prst="rect">
+            <a:avLst/>
+          </a:prstGeom>
+          <a:noFill/>
+        </p:spPr>
+        <p:txBody>
+          <a:bodyPr/>
+          <a:lstStyle/>
+          <a:p>
+            <a:pPr lvl="0" marL="0" indent="0" algn="ctr">
+              <a:buNone/>
+            </a:pPr>
+            <a:r>
+              <a:rPr/>
+              <a:t>Correlaciones</a:t>
+            </a:r>
+            <a:r>
+              <a:rPr/>
+              <a:t> </a:t>
+            </a:r>
+            <a:r>
+              <a:rPr/>
+              <a:t>cruzadas</a:t>
+            </a:r>
+            <a:r>
+              <a:rPr/>
+              <a:t> </a:t>
+            </a:r>
+            <a:r>
+              <a:rPr/>
+              <a:t>de</a:t>
+            </a:r>
+            <a:r>
+              <a:rPr/>
+              <a:t> </a:t>
+            </a:r>
+            <a:r>
+              <a:rPr/>
+              <a:t>los</a:t>
+            </a:r>
+            <a:r>
+              <a:rPr/>
+              <a:t> </a:t>
+            </a:r>
+            <a:r>
+              <a:rPr/>
+              <a:t>índices</a:t>
+            </a:r>
+            <a:r>
+              <a:rPr/>
+              <a:t> </a:t>
+            </a:r>
+            <a:r>
+              <a:rPr/>
+              <a:t>entre</a:t>
+            </a:r>
+            <a:r>
+              <a:rPr/>
+              <a:t> </a:t>
+            </a:r>
+            <a:r>
+              <a:rPr/>
+              <a:t>niveles</a:t>
+            </a:r>
+            <a:r>
+              <a:rPr/>
+              <a:t> </a:t>
+            </a:r>
+            <a:r>
+              <a:rPr/>
+              <a:t>para</a:t>
+            </a:r>
+            <a:r>
+              <a:rPr/>
+              <a:t> </a:t>
+            </a:r>
+            <a:r>
+              <a:rPr/>
+              <a:t>el</a:t>
+            </a:r>
+            <a:r>
+              <a:rPr/>
+              <a:t> </a:t>
+            </a:r>
+            <a:r>
+              <a:rPr/>
+              <a:t>hemisferio</a:t>
+            </a:r>
+            <a:r>
+              <a:rPr/>
+              <a:t> </a:t>
+            </a:r>
+            <a:r>
+              <a:rPr/>
+              <a:t>sur.</a:t>
+            </a:r>
+          </a:p>
+        </p:txBody>
+      </p:sp>
+    </p:spTree>
+  </p:cSld>
+</p:sld>
+</file>
+
+<file path=ppt/slides/slide24.xml><?xml version="1.0" encoding="utf-8"?>
+<p:sld xmlns:a="http://schemas.openxmlformats.org/drawingml/2006/main" xmlns:r="http://schemas.openxmlformats.org/officeDocument/2006/relationships" xmlns:p="http://schemas.openxmlformats.org/presentationml/2006/main">
+  <p:cSld>
+    <p:spTree>
+      <p:nvGrpSpPr>
+        <p:cNvPr id="1" name=""/>
+        <p:cNvGrpSpPr/>
+        <p:nvPr/>
+      </p:nvGrpSpPr>
+      <p:grpSpPr>
+        <a:xfrm>
+          <a:off x="0" y="0"/>
+          <a:ext cx="0" cy="0"/>
+          <a:chOff x="0" y="0"/>
+          <a:chExt cx="0" cy="0"/>
+        </a:xfrm>
+      </p:grpSpPr>
+      <p:pic>
+        <p:nvPicPr>
+          <p:cNvPr descr="fig/26-SAM_asim/unnamed-chunk-22-1.png" id="0" name="Picture 1"/>
+          <p:cNvPicPr>
+            <a:picLocks noGrp="1" noChangeAspect="1"/>
+          </p:cNvPicPr>
+          <p:nvPr/>
+        </p:nvPicPr>
+        <p:blipFill>
+          <a:blip r:embed="rId2"/>
+          <a:stretch>
+            <a:fillRect/>
+          </a:stretch>
+        </p:blipFill>
+        <p:spPr bwMode="auto">
+          <a:xfrm>
+            <a:off x="977900" y="127000"/>
+            <a:ext cx="10160000" cy="6032500"/>
+          </a:xfrm>
+          <a:prstGeom prst="rect">
+            <a:avLst/>
+          </a:prstGeom>
+          <a:noFill/>
+          <a:ln w="9525">
+            <a:noFill/>
+            <a:headEnd/>
+            <a:tailEnd/>
+          </a:ln>
+        </p:spPr>
+      </p:pic>
+      <p:sp>
+        <p:nvSpPr>
+          <p:cNvPr id="1" name="TextBox 3"/>
+          <p:cNvSpPr txBox="1"/>
+          <p:nvPr/>
+        </p:nvSpPr>
+        <p:spPr>
+          <a:xfrm>
+            <a:off x="177800" y="6159500"/>
+            <a:ext cx="11772900" cy="508000"/>
+          </a:xfrm>
+          <a:prstGeom prst="rect">
+            <a:avLst/>
+          </a:prstGeom>
+          <a:noFill/>
+        </p:spPr>
+        <p:txBody>
+          <a:bodyPr/>
+          <a:lstStyle/>
+          <a:p>
+            <a:pPr lvl="0" marL="0" indent="0" algn="ctr">
+              <a:buNone/>
+            </a:pPr>
+            <a:r>
+              <a:rPr/>
+              <a:t>Igual</a:t>
+            </a:r>
+            <a:r>
+              <a:rPr/>
+              <a:t> </a:t>
+            </a:r>
+            <a:r>
+              <a:rPr/>
+              <a:t>a</a:t>
+            </a:r>
+            <a:r>
+              <a:rPr/>
+              <a:t> </a:t>
+            </a:r>
+            <a:r>
+              <a:rPr/>
+              <a:t>la</a:t>
+            </a:r>
+            <a:r>
+              <a:rPr/>
+              <a:t> </a:t>
+            </a:r>
+            <a:r>
+              <a:rPr/>
+              <a:t>figura</a:t>
+            </a:r>
+            <a:r>
+              <a:rPr/>
+              <a:t> </a:t>
+            </a:r>
+            <a:r>
+              <a:rPr/>
+              <a:t>anterior</a:t>
+            </a:r>
+            <a:r>
+              <a:rPr/>
+              <a:t> </a:t>
+            </a:r>
+            <a:r>
+              <a:rPr/>
+              <a:t>pero</a:t>
+            </a:r>
+            <a:r>
+              <a:rPr/>
+              <a:t> </a:t>
+            </a:r>
+            <a:r>
+              <a:rPr/>
+              <a:t>para</a:t>
+            </a:r>
+            <a:r>
+              <a:rPr/>
+              <a:t> </a:t>
+            </a:r>
+            <a:r>
+              <a:rPr/>
+              <a:t>el</a:t>
+            </a:r>
+            <a:r>
+              <a:rPr/>
+              <a:t> </a:t>
+            </a:r>
+            <a:r>
+              <a:rPr/>
+              <a:t>hemisferio</a:t>
+            </a:r>
+            <a:r>
+              <a:rPr/>
+              <a:t> </a:t>
+            </a:r>
+            <a:r>
+              <a:rPr/>
+              <a:t>norte.</a:t>
+            </a:r>
+          </a:p>
+        </p:txBody>
+      </p:sp>
+    </p:spTree>
+  </p:cSld>
+</p:sld>
+</file>
+
+<file path=ppt/slides/slide25.xml><?xml version="1.0" encoding="utf-8"?>
+<p:sld xmlns:a="http://schemas.openxmlformats.org/drawingml/2006/main" xmlns:r="http://schemas.openxmlformats.org/officeDocument/2006/relationships" xmlns:p="http://schemas.openxmlformats.org/presentationml/2006/main">
+  <p:cSld>
+    <p:spTree>
+      <p:nvGrpSpPr>
+        <p:cNvPr id="1" name=""/>
+        <p:cNvGrpSpPr/>
+        <p:nvPr/>
+      </p:nvGrpSpPr>
+      <p:grpSpPr>
+        <a:xfrm>
+          <a:off x="0" y="0"/>
+          <a:ext cx="0" cy="0"/>
+          <a:chOff x="0" y="0"/>
+          <a:chExt cx="0" cy="0"/>
+        </a:xfrm>
+      </p:grpSpPr>
+      <p:pic>
+        <p:nvPicPr>
+          <p:cNvPr descr="fig/26-SAM_asim/unnamed-chunk-23-1.png" id="0" name="Picture 1"/>
+          <p:cNvPicPr>
+            <a:picLocks noGrp="1" noChangeAspect="1"/>
+          </p:cNvPicPr>
+          <p:nvPr/>
+        </p:nvPicPr>
+        <p:blipFill>
+          <a:blip r:embed="rId2"/>
+          <a:stretch>
+            <a:fillRect/>
+          </a:stretch>
+        </p:blipFill>
+        <p:spPr bwMode="auto">
+          <a:xfrm>
+            <a:off x="977900" y="127000"/>
+            <a:ext cx="10160000" cy="6032500"/>
+          </a:xfrm>
+          <a:prstGeom prst="rect">
+            <a:avLst/>
+          </a:prstGeom>
+          <a:noFill/>
+          <a:ln w="9525">
+            <a:noFill/>
+            <a:headEnd/>
+            <a:tailEnd/>
+          </a:ln>
+        </p:spPr>
+      </p:pic>
+      <p:sp>
+        <p:nvSpPr>
+          <p:cNvPr id="1" name="TextBox 3"/>
+          <p:cNvSpPr txBox="1"/>
+          <p:nvPr/>
+        </p:nvSpPr>
+        <p:spPr>
+          <a:xfrm>
+            <a:off x="177800" y="6159500"/>
+            <a:ext cx="11772900" cy="508000"/>
+          </a:xfrm>
+          <a:prstGeom prst="rect">
+            <a:avLst/>
+          </a:prstGeom>
+          <a:noFill/>
+        </p:spPr>
+        <p:txBody>
+          <a:bodyPr/>
+          <a:lstStyle/>
+          <a:p>
+            <a:pPr lvl="0" marL="0" indent="0" algn="ctr">
+              <a:buNone/>
+            </a:pPr>
+            <a:r>
+              <a:rPr/>
+              <a:t>Promedio</a:t>
+            </a:r>
+            <a:r>
+              <a:rPr/>
+              <a:t> </a:t>
+            </a:r>
+            <a:r>
+              <a:rPr/>
+              <a:t>mensual</a:t>
+            </a:r>
+            <a:r>
+              <a:rPr/>
+              <a:t> </a:t>
+            </a:r>
+            <a:r>
+              <a:rPr/>
+              <a:t>del</a:t>
+            </a:r>
+            <a:r>
+              <a:rPr/>
+              <a:t> </a:t>
+            </a:r>
+            <a:r>
+              <a:rPr/>
+              <a:t>valor</a:t>
+            </a:r>
+            <a:r>
+              <a:rPr/>
+              <a:t> </a:t>
+            </a:r>
+            <a:r>
+              <a:rPr/>
+              <a:t>absoluto</a:t>
+            </a:r>
+            <a:r>
+              <a:rPr/>
+              <a:t> </a:t>
+            </a:r>
+            <a:r>
+              <a:rPr/>
+              <a:t>de</a:t>
+            </a:r>
+            <a:r>
+              <a:rPr/>
+              <a:t> </a:t>
+            </a:r>
+            <a:r>
+              <a:rPr/>
+              <a:t>cada</a:t>
+            </a:r>
+            <a:r>
+              <a:rPr/>
+              <a:t> </a:t>
+            </a:r>
+            <a:r>
+              <a:rPr/>
+              <a:t>componente</a:t>
+            </a:r>
+            <a:r>
+              <a:rPr/>
+              <a:t> </a:t>
+            </a:r>
+            <a:r>
+              <a:rPr/>
+              <a:t>SAM</a:t>
+            </a:r>
+          </a:p>
+        </p:txBody>
+      </p:sp>
+    </p:spTree>
+  </p:cSld>
+</p:sld>
+</file>
+
+<file path=ppt/slides/slide26.xml><?xml version="1.0" encoding="utf-8"?>
+<p:sld xmlns:a="http://schemas.openxmlformats.org/drawingml/2006/main" xmlns:r="http://schemas.openxmlformats.org/officeDocument/2006/relationships" xmlns:p="http://schemas.openxmlformats.org/presentationml/2006/main">
+  <p:cSld>
+    <p:spTree>
+      <p:nvGrpSpPr>
+        <p:cNvPr id="1" name=""/>
+        <p:cNvGrpSpPr/>
+        <p:nvPr/>
+      </p:nvGrpSpPr>
+      <p:grpSpPr>
+        <a:xfrm>
+          <a:off x="0" y="0"/>
+          <a:ext cx="0" cy="0"/>
+          <a:chOff x="0" y="0"/>
+          <a:chExt cx="0" cy="0"/>
+        </a:xfrm>
+      </p:grpSpPr>
+      <p:pic>
+        <p:nvPicPr>
+          <p:cNvPr descr="fig/26-SAM_asim/unnamed-chunk-24-1.png" id="0" name="Picture 1"/>
+          <p:cNvPicPr>
+            <a:picLocks noGrp="1" noChangeAspect="1"/>
+          </p:cNvPicPr>
+          <p:nvPr/>
+        </p:nvPicPr>
+        <p:blipFill>
+          <a:blip r:embed="rId2"/>
+          <a:stretch>
+            <a:fillRect/>
+          </a:stretch>
+        </p:blipFill>
+        <p:spPr bwMode="auto">
+          <a:xfrm>
+            <a:off x="977900" y="127000"/>
+            <a:ext cx="10160000" cy="6032500"/>
+          </a:xfrm>
+          <a:prstGeom prst="rect">
+            <a:avLst/>
+          </a:prstGeom>
+          <a:noFill/>
+          <a:ln w="9525">
+            <a:noFill/>
+            <a:headEnd/>
+            <a:tailEnd/>
+          </a:ln>
+        </p:spPr>
+      </p:pic>
+      <p:sp>
+        <p:nvSpPr>
+          <p:cNvPr id="1" name="TextBox 3"/>
+          <p:cNvSpPr txBox="1"/>
+          <p:nvPr/>
+        </p:nvSpPr>
+        <p:spPr>
+          <a:xfrm>
+            <a:off x="177800" y="6159500"/>
+            <a:ext cx="11772900" cy="508000"/>
+          </a:xfrm>
+          <a:prstGeom prst="rect">
+            <a:avLst/>
+          </a:prstGeom>
+          <a:noFill/>
+        </p:spPr>
+        <p:txBody>
+          <a:bodyPr/>
+          <a:lstStyle/>
+          <a:p>
+            <a:pPr lvl="0" marL="0" indent="0" algn="ctr">
+              <a:buNone/>
+            </a:pPr>
+            <a:r>
+              <a:rPr/>
+              <a:t>Promedio</a:t>
+            </a:r>
+            <a:r>
+              <a:rPr/>
+              <a:t> </a:t>
+            </a:r>
+            <a:r>
+              <a:rPr/>
+              <a:t>mensual</a:t>
+            </a:r>
+            <a:r>
+              <a:rPr/>
+              <a:t> </a:t>
+            </a:r>
+            <a:r>
+              <a:rPr/>
+              <a:t>de</a:t>
+            </a:r>
+            <a:r>
+              <a:rPr/>
+              <a:t> </a:t>
+            </a:r>
+            <a:r>
+              <a:rPr/>
+              <a:t>abs(sym)</a:t>
+            </a:r>
+            <a:r>
+              <a:rPr/>
+              <a:t> </a:t>
+            </a:r>
+            <a:r>
+              <a:rPr/>
+              <a:t>/</a:t>
+            </a:r>
+            <a:r>
+              <a:rPr/>
+              <a:t> </a:t>
+            </a:r>
+            <a:r>
+              <a:rPr/>
+              <a:t>(abs(sym)</a:t>
+            </a:r>
+            <a:r>
+              <a:rPr/>
+              <a:t> </a:t>
+            </a:r>
+            <a:r>
+              <a:rPr/>
+              <a:t>+</a:t>
+            </a:r>
+            <a:r>
+              <a:rPr/>
+              <a:t> </a:t>
+            </a:r>
+            <a:r>
+              <a:rPr/>
+              <a:t>abs(asym)).</a:t>
+            </a:r>
+          </a:p>
+        </p:txBody>
+      </p:sp>
+    </p:spTree>
+  </p:cSld>
+</p:sld>
+</file>
+
+<file path=ppt/slides/slide27.xml><?xml version="1.0" encoding="utf-8"?>
+<p:sld xmlns:a="http://schemas.openxmlformats.org/drawingml/2006/main" xmlns:r="http://schemas.openxmlformats.org/officeDocument/2006/relationships" xmlns:p="http://schemas.openxmlformats.org/presentationml/2006/main">
+  <p:cSld>
+    <p:spTree>
+      <p:nvGrpSpPr>
+        <p:cNvPr id="1" name=""/>
+        <p:cNvGrpSpPr/>
+        <p:nvPr/>
+      </p:nvGrpSpPr>
+      <p:grpSpPr>
+        <a:xfrm>
+          <a:off x="0" y="0"/>
+          <a:ext cx="0" cy="0"/>
+          <a:chOff x="0" y="0"/>
+          <a:chExt cx="0" cy="0"/>
+        </a:xfrm>
+      </p:grpSpPr>
+      <p:pic>
+        <p:nvPicPr>
+          <p:cNvPr descr="fig/26-SAM_asim/unnamed-chunk-25-1.png" id="0" name="Picture 1"/>
+          <p:cNvPicPr>
+            <a:picLocks noGrp="1" noChangeAspect="1"/>
+          </p:cNvPicPr>
+          <p:nvPr/>
+        </p:nvPicPr>
+        <p:blipFill>
+          <a:blip r:embed="rId2"/>
+          <a:stretch>
+            <a:fillRect/>
+          </a:stretch>
+        </p:blipFill>
+        <p:spPr bwMode="auto">
+          <a:xfrm>
+            <a:off x="977900" y="127000"/>
+            <a:ext cx="10160000" cy="6032500"/>
+          </a:xfrm>
+          <a:prstGeom prst="rect">
+            <a:avLst/>
+          </a:prstGeom>
+          <a:noFill/>
+          <a:ln w="9525">
+            <a:noFill/>
+            <a:headEnd/>
+            <a:tailEnd/>
+          </a:ln>
+        </p:spPr>
+      </p:pic>
+      <p:sp>
+        <p:nvSpPr>
+          <p:cNvPr id="1" name="TextBox 3"/>
+          <p:cNvSpPr txBox="1"/>
+          <p:nvPr/>
+        </p:nvSpPr>
+        <p:spPr>
+          <a:xfrm>
+            <a:off x="177800" y="6159500"/>
+            <a:ext cx="11772900" cy="508000"/>
+          </a:xfrm>
+          <a:prstGeom prst="rect">
+            <a:avLst/>
+          </a:prstGeom>
+          <a:noFill/>
+        </p:spPr>
+        <p:txBody>
+          <a:bodyPr/>
+          <a:lstStyle/>
+          <a:p>
+            <a:pPr lvl="0" marL="0" indent="0" algn="ctr">
+              <a:buNone/>
+            </a:pPr>
+            <a:r>
+              <a:rPr/>
+              <a:t>Regresión</a:t>
+            </a:r>
+            <a:r>
+              <a:rPr/>
+              <a:t> </a:t>
+            </a:r>
+            <a:r>
+              <a:rPr/>
+              <a:t>entre</a:t>
+            </a:r>
+            <a:r>
+              <a:rPr/>
+              <a:t> </a:t>
+            </a:r>
+            <a:r>
+              <a:rPr/>
+              <a:t>el</a:t>
+            </a:r>
+            <a:r>
+              <a:rPr/>
+              <a:t> </a:t>
+            </a:r>
+            <a:r>
+              <a:rPr/>
+              <a:t>SAM</a:t>
+            </a:r>
+            <a:r>
+              <a:rPr/>
+              <a:t> </a:t>
+            </a:r>
+            <a:r>
+              <a:rPr/>
+              <a:t>completo</a:t>
+            </a:r>
+            <a:r>
+              <a:rPr/>
+              <a:t> </a:t>
+            </a:r>
+            <a:r>
+              <a:rPr/>
+              <a:t>y</a:t>
+            </a:r>
+            <a:r>
+              <a:rPr/>
+              <a:t> </a:t>
+            </a:r>
+            <a:r>
+              <a:rPr/>
+              <a:t>el</a:t>
+            </a:r>
+            <a:r>
+              <a:rPr/>
+              <a:t> </a:t>
+            </a:r>
+            <a:r>
+              <a:rPr/>
+              <a:t>simétrico</a:t>
+            </a:r>
+            <a:r>
+              <a:rPr/>
+              <a:t> </a:t>
+            </a:r>
+            <a:r>
+              <a:rPr/>
+              <a:t>o</a:t>
+            </a:r>
+            <a:r>
+              <a:rPr/>
+              <a:t> </a:t>
+            </a:r>
+            <a:r>
+              <a:rPr/>
+              <a:t>el</a:t>
+            </a:r>
+            <a:r>
+              <a:rPr/>
+              <a:t> </a:t>
+            </a:r>
+            <a:r>
+              <a:rPr/>
+              <a:t>asimétrico</a:t>
+            </a:r>
+          </a:p>
+        </p:txBody>
+      </p:sp>
+    </p:spTree>
+  </p:cSld>
+</p:sld>
+</file>
+
+<file path=ppt/slides/slide28.xml><?xml version="1.0" encoding="utf-8"?>
+<p:sld xmlns:a="http://schemas.openxmlformats.org/drawingml/2006/main" xmlns:r="http://schemas.openxmlformats.org/officeDocument/2006/relationships" xmlns:p="http://schemas.openxmlformats.org/presentationml/2006/main">
+  <p:cSld>
+    <p:spTree>
+      <p:nvGrpSpPr>
+        <p:cNvPr id="1" name=""/>
+        <p:cNvGrpSpPr/>
+        <p:nvPr/>
+      </p:nvGrpSpPr>
+      <p:grpSpPr>
+        <a:xfrm>
+          <a:off x="0" y="0"/>
+          <a:ext cx="0" cy="0"/>
+          <a:chOff x="0" y="0"/>
+          <a:chExt cx="0" cy="0"/>
+        </a:xfrm>
+      </p:grpSpPr>
+      <p:pic>
+        <p:nvPicPr>
+          <p:cNvPr descr="fig/26-SAM_asim/unnamed-chunk-26-1.png" id="0" name="Picture 1"/>
+          <p:cNvPicPr>
+            <a:picLocks noGrp="1" noChangeAspect="1"/>
+          </p:cNvPicPr>
+          <p:nvPr/>
+        </p:nvPicPr>
+        <p:blipFill>
+          <a:blip r:embed="rId2"/>
+          <a:stretch>
+            <a:fillRect/>
+          </a:stretch>
+        </p:blipFill>
+        <p:spPr bwMode="auto">
+          <a:xfrm>
+            <a:off x="977900" y="127000"/>
+            <a:ext cx="10160000" cy="6032500"/>
+          </a:xfrm>
+          <a:prstGeom prst="rect">
+            <a:avLst/>
+          </a:prstGeom>
+          <a:noFill/>
+          <a:ln w="9525">
+            <a:noFill/>
+            <a:headEnd/>
+            <a:tailEnd/>
+          </a:ln>
+        </p:spPr>
+      </p:pic>
+      <p:sp>
+        <p:nvSpPr>
+          <p:cNvPr id="1" name="TextBox 3"/>
+          <p:cNvSpPr txBox="1"/>
+          <p:nvPr/>
+        </p:nvSpPr>
+        <p:spPr>
+          <a:xfrm>
+            <a:off x="177800" y="6159500"/>
+            <a:ext cx="11772900" cy="508000"/>
+          </a:xfrm>
+          <a:prstGeom prst="rect">
+            <a:avLst/>
+          </a:prstGeom>
+          <a:noFill/>
+        </p:spPr>
+        <p:txBody>
+          <a:bodyPr/>
+          <a:lstStyle/>
+          <a:p>
+            <a:pPr lvl="0" marL="0" indent="0" algn="ctr">
+              <a:buNone/>
+            </a:pPr>
+            <a:r>
+              <a:rPr/>
+              <a:t>Relación</a:t>
+            </a:r>
+            <a:r>
+              <a:rPr/>
+              <a:t> </a:t>
+            </a:r>
+            <a:r>
+              <a:rPr/>
+              <a:t>entre</a:t>
+            </a:r>
+            <a:r>
+              <a:rPr/>
+              <a:t> </a:t>
+            </a:r>
+            <a:r>
+              <a:rPr/>
+              <a:t>índice</a:t>
+            </a:r>
+            <a:r>
+              <a:rPr/>
+              <a:t> </a:t>
+            </a:r>
+            <a:r>
+              <a:rPr/>
+              <a:t>de</a:t>
+            </a:r>
+            <a:r>
+              <a:rPr/>
+              <a:t> </a:t>
+            </a:r>
+            <a:r>
+              <a:rPr/>
+              <a:t>SAM</a:t>
+            </a:r>
+            <a:r>
+              <a:rPr/>
+              <a:t> </a:t>
+            </a:r>
+            <a:r>
+              <a:rPr/>
+              <a:t>completo</a:t>
+            </a:r>
+            <a:r>
+              <a:rPr/>
+              <a:t> </a:t>
+            </a:r>
+            <a:r>
+              <a:rPr/>
+              <a:t>y</a:t>
+            </a:r>
+            <a:r>
+              <a:rPr/>
+              <a:t> </a:t>
+            </a:r>
+            <a:r>
+              <a:rPr/>
+              <a:t>los</a:t>
+            </a:r>
+            <a:r>
+              <a:rPr/>
+              <a:t> </a:t>
+            </a:r>
+            <a:r>
+              <a:rPr/>
+              <a:t>índices</a:t>
+            </a:r>
+            <a:r>
+              <a:rPr/>
+              <a:t> </a:t>
+            </a:r>
+            <a:r>
+              <a:rPr/>
+              <a:t>separados.</a:t>
+            </a:r>
+          </a:p>
+        </p:txBody>
+      </p:sp>
+    </p:spTree>
+  </p:cSld>
+</p:sld>
+</file>
+
+<file path=ppt/slides/slide29.xml><?xml version="1.0" encoding="utf-8"?>
+<p:sld xmlns:a="http://schemas.openxmlformats.org/drawingml/2006/main" xmlns:r="http://schemas.openxmlformats.org/officeDocument/2006/relationships" xmlns:p="http://schemas.openxmlformats.org/presentationml/2006/main">
+  <p:cSld>
+    <p:spTree>
+      <p:nvGrpSpPr>
+        <p:cNvPr id="1" name=""/>
+        <p:cNvGrpSpPr/>
+        <p:nvPr/>
+      </p:nvGrpSpPr>
+      <p:grpSpPr>
+        <a:xfrm>
+          <a:off x="0" y="0"/>
+          <a:ext cx="0" cy="0"/>
+          <a:chOff x="0" y="0"/>
+          <a:chExt cx="0" cy="0"/>
+        </a:xfrm>
+      </p:grpSpPr>
+      <p:pic>
+        <p:nvPicPr>
+          <p:cNvPr descr="fig/26-SAM_asim/unnamed-chunk-27-1.png" id="0" name="Picture 1"/>
+          <p:cNvPicPr>
+            <a:picLocks noGrp="1" noChangeAspect="1"/>
+          </p:cNvPicPr>
+          <p:nvPr/>
+        </p:nvPicPr>
+        <p:blipFill>
+          <a:blip r:embed="rId2"/>
+          <a:stretch>
+            <a:fillRect/>
+          </a:stretch>
+        </p:blipFill>
+        <p:spPr bwMode="auto">
+          <a:xfrm>
+            <a:off x="977900" y="127000"/>
+            <a:ext cx="10160000" cy="6032500"/>
+          </a:xfrm>
+          <a:prstGeom prst="rect">
+            <a:avLst/>
+          </a:prstGeom>
+          <a:noFill/>
+          <a:ln w="9525">
+            <a:noFill/>
+            <a:headEnd/>
+            <a:tailEnd/>
+          </a:ln>
+        </p:spPr>
+      </p:pic>
+      <p:sp>
+        <p:nvSpPr>
+          <p:cNvPr id="1" name="TextBox 3"/>
+          <p:cNvSpPr txBox="1"/>
+          <p:nvPr/>
+        </p:nvSpPr>
+        <p:spPr>
+          <a:xfrm>
+            <a:off x="177800" y="6159500"/>
+            <a:ext cx="11772900" cy="508000"/>
+          </a:xfrm>
+          <a:prstGeom prst="rect">
+            <a:avLst/>
+          </a:prstGeom>
+          <a:noFill/>
+        </p:spPr>
+        <p:txBody>
+          <a:bodyPr/>
+          <a:lstStyle/>
+          <a:p>
+            <a:pPr lvl="0" marL="0" indent="0" algn="ctr">
+              <a:buNone/>
+            </a:pPr>
+            <a:r>
+              <a:rPr/>
+              <a:t>Coeficientes</a:t>
+            </a:r>
+            <a:r>
+              <a:rPr/>
+              <a:t> </a:t>
+            </a:r>
+            <a:r>
+              <a:rPr/>
+              <a:t>anteriores</a:t>
+            </a:r>
+            <a:r>
+              <a:rPr/>
+              <a:t> </a:t>
+            </a:r>
+            <a:r>
+              <a:rPr/>
+              <a:t>vs. varianza</a:t>
+            </a:r>
+            <a:r>
+              <a:rPr/>
+              <a:t> </a:t>
+            </a:r>
+            <a:r>
+              <a:rPr/>
+              <a:t>de</a:t>
+            </a:r>
+            <a:r>
+              <a:rPr/>
+              <a:t> </a:t>
+            </a:r>
+            <a:r>
+              <a:rPr/>
+              <a:t>cada</a:t>
+            </a:r>
+            <a:r>
+              <a:rPr/>
+              <a:t> </a:t>
+            </a:r>
+            <a:r>
+              <a:rPr/>
+              <a:t>patrón</a:t>
+            </a:r>
+            <a:r>
+              <a:rPr/>
+              <a:t> </a:t>
+            </a:r>
+            <a:r>
+              <a:rPr/>
+              <a:t>/</a:t>
+            </a:r>
+            <a:r>
+              <a:rPr/>
+              <a:t> </a:t>
+            </a:r>
+            <a:r>
+              <a:rPr/>
+              <a:t>varianza</a:t>
+            </a:r>
+            <a:r>
+              <a:rPr/>
+              <a:t> </a:t>
+            </a:r>
+            <a:r>
+              <a:rPr/>
+              <a:t>del</a:t>
+            </a:r>
+            <a:r>
+              <a:rPr/>
+              <a:t> </a:t>
+            </a:r>
+            <a:r>
+              <a:rPr/>
+              <a:t>patrón</a:t>
+            </a:r>
+            <a:r>
+              <a:rPr/>
+              <a:t> </a:t>
+            </a:r>
+            <a:r>
+              <a:rPr/>
+              <a:t>completo.</a:t>
+            </a:r>
+          </a:p>
+        </p:txBody>
+      </p:sp>
+    </p:spTree>
+  </p:cSld>
+</p:sld>
+</file>
+
 <file path=ppt/slides/slide3.xml><?xml version="1.0" encoding="utf-8"?>
 <p:sld xmlns:a="http://schemas.openxmlformats.org/drawingml/2006/main" xmlns:r="http://schemas.openxmlformats.org/officeDocument/2006/relationships" xmlns:p="http://schemas.openxmlformats.org/presentationml/2006/main">
   <p:cSld>
@@ -6377,6 +8138,580 @@
             <a:r>
               <a:rPr/>
               <a:t>(Primera componente principal de las anomalías temporales de altura geopotencial mensual en 700hPA pesado por la raiz del coseno de la latitud)</a:t>
+            </a:r>
+          </a:p>
+        </p:txBody>
+      </p:sp>
+    </p:spTree>
+  </p:cSld>
+</p:sld>
+</file>
+
+<file path=ppt/slides/slide30.xml><?xml version="1.0" encoding="utf-8"?>
+<p:sld xmlns:a="http://schemas.openxmlformats.org/drawingml/2006/main" xmlns:r="http://schemas.openxmlformats.org/officeDocument/2006/relationships" xmlns:p="http://schemas.openxmlformats.org/presentationml/2006/main">
+  <p:cSld>
+    <p:spTree>
+      <p:nvGrpSpPr>
+        <p:cNvPr id="1" name=""/>
+        <p:cNvGrpSpPr/>
+        <p:nvPr/>
+      </p:nvGrpSpPr>
+      <p:grpSpPr>
+        <a:xfrm>
+          <a:off x="0" y="0"/>
+          <a:ext cx="0" cy="0"/>
+          <a:chOff x="0" y="0"/>
+          <a:chExt cx="0" cy="0"/>
+        </a:xfrm>
+      </p:grpSpPr>
+      <p:pic>
+        <p:nvPicPr>
+          <p:cNvPr descr="fig/26-SAM_asim/unnamed-chunk-28-1.png" id="0" name="Picture 1"/>
+          <p:cNvPicPr>
+            <a:picLocks noGrp="1" noChangeAspect="1"/>
+          </p:cNvPicPr>
+          <p:nvPr/>
+        </p:nvPicPr>
+        <p:blipFill>
+          <a:blip r:embed="rId2"/>
+          <a:stretch>
+            <a:fillRect/>
+          </a:stretch>
+        </p:blipFill>
+        <p:spPr bwMode="auto">
+          <a:xfrm>
+            <a:off x="977900" y="127000"/>
+            <a:ext cx="10160000" cy="6032500"/>
+          </a:xfrm>
+          <a:prstGeom prst="rect">
+            <a:avLst/>
+          </a:prstGeom>
+          <a:noFill/>
+          <a:ln w="9525">
+            <a:noFill/>
+            <a:headEnd/>
+            <a:tailEnd/>
+          </a:ln>
+        </p:spPr>
+      </p:pic>
+      <p:sp>
+        <p:nvSpPr>
+          <p:cNvPr id="1" name="TextBox 3"/>
+          <p:cNvSpPr txBox="1"/>
+          <p:nvPr/>
+        </p:nvSpPr>
+        <p:spPr>
+          <a:xfrm>
+            <a:off x="177800" y="6159500"/>
+            <a:ext cx="11772900" cy="508000"/>
+          </a:xfrm>
+          <a:prstGeom prst="rect">
+            <a:avLst/>
+          </a:prstGeom>
+          <a:noFill/>
+        </p:spPr>
+        <p:txBody>
+          <a:bodyPr/>
+          <a:lstStyle/>
+          <a:p>
+            <a:pPr lvl="0" marL="0" indent="0" algn="ctr">
+              <a:buNone/>
+            </a:pPr>
+            <a:r>
+              <a:rPr/>
+              <a:t>Covarianza</a:t>
+            </a:r>
+            <a:r>
+              <a:rPr/>
+              <a:t> </a:t>
+            </a:r>
+            <a:r>
+              <a:rPr/>
+              <a:t>de</a:t>
+            </a:r>
+            <a:r>
+              <a:rPr/>
+              <a:t> </a:t>
+            </a:r>
+            <a:r>
+              <a:rPr/>
+              <a:t>las</a:t>
+            </a:r>
+            <a:r>
+              <a:rPr/>
+              <a:t> </a:t>
+            </a:r>
+            <a:r>
+              <a:rPr/>
+              <a:t>anomalías</a:t>
+            </a:r>
+            <a:r>
+              <a:rPr/>
+              <a:t> </a:t>
+            </a:r>
+            <a:r>
+              <a:rPr/>
+              <a:t>temporales</a:t>
+            </a:r>
+            <a:r>
+              <a:rPr/>
+              <a:t> </a:t>
+            </a:r>
+            <a:r>
+              <a:rPr/>
+              <a:t>de</a:t>
+            </a:r>
+            <a:r>
+              <a:rPr/>
+              <a:t> </a:t>
+            </a:r>
+            <a:r>
+              <a:rPr/>
+              <a:t>geopotencial</a:t>
+            </a:r>
+            <a:r>
+              <a:rPr/>
+              <a:t> </a:t>
+            </a:r>
+            <a:r>
+              <a:rPr/>
+              <a:t>con</a:t>
+            </a:r>
+            <a:r>
+              <a:rPr/>
+              <a:t> </a:t>
+            </a:r>
+            <a:r>
+              <a:rPr/>
+              <a:t>el</a:t>
+            </a:r>
+            <a:r>
+              <a:rPr/>
+              <a:t> </a:t>
+            </a:r>
+            <a:r>
+              <a:rPr/>
+              <a:t>índice</a:t>
+            </a:r>
+            <a:r>
+              <a:rPr/>
+              <a:t> </a:t>
+            </a:r>
+            <a:r>
+              <a:rPr/>
+              <a:t>correspondiente</a:t>
+            </a:r>
+            <a:r>
+              <a:rPr/>
+              <a:t> </a:t>
+            </a:r>
+            <a:r>
+              <a:rPr/>
+              <a:t>a</a:t>
+            </a:r>
+            <a:r>
+              <a:rPr/>
+              <a:t> </a:t>
+            </a:r>
+            <a:r>
+              <a:rPr/>
+              <a:t>cada</a:t>
+            </a:r>
+            <a:r>
+              <a:rPr/>
+              <a:t> </a:t>
+            </a:r>
+            <a:r>
+              <a:rPr/>
+              <a:t>nivel</a:t>
+            </a:r>
+            <a:r>
+              <a:rPr/>
+              <a:t> </a:t>
+            </a:r>
+            <a:r>
+              <a:rPr/>
+              <a:t>para</a:t>
+            </a:r>
+            <a:r>
+              <a:rPr/>
+              <a:t> </a:t>
+            </a:r>
+            <a:r>
+              <a:rPr/>
+              <a:t>el</a:t>
+            </a:r>
+            <a:r>
+              <a:rPr/>
+              <a:t> </a:t>
+            </a:r>
+            <a:r>
+              <a:rPr/>
+              <a:t>hemisferio</a:t>
+            </a:r>
+            <a:r>
+              <a:rPr/>
+              <a:t> </a:t>
+            </a:r>
+            <a:r>
+              <a:rPr/>
+              <a:t>sur.</a:t>
+            </a:r>
+          </a:p>
+        </p:txBody>
+      </p:sp>
+    </p:spTree>
+  </p:cSld>
+</p:sld>
+</file>
+
+<file path=ppt/slides/slide31.xml><?xml version="1.0" encoding="utf-8"?>
+<p:sld xmlns:a="http://schemas.openxmlformats.org/drawingml/2006/main" xmlns:r="http://schemas.openxmlformats.org/officeDocument/2006/relationships" xmlns:p="http://schemas.openxmlformats.org/presentationml/2006/main">
+  <p:cSld>
+    <p:spTree>
+      <p:nvGrpSpPr>
+        <p:cNvPr id="1" name=""/>
+        <p:cNvGrpSpPr/>
+        <p:nvPr/>
+      </p:nvGrpSpPr>
+      <p:grpSpPr>
+        <a:xfrm>
+          <a:off x="0" y="0"/>
+          <a:ext cx="0" cy="0"/>
+          <a:chOff x="0" y="0"/>
+          <a:chExt cx="0" cy="0"/>
+        </a:xfrm>
+      </p:grpSpPr>
+      <p:pic>
+        <p:nvPicPr>
+          <p:cNvPr descr="fig/26-SAM_asim/unnamed-chunk-29-1.png" id="0" name="Picture 1"/>
+          <p:cNvPicPr>
+            <a:picLocks noGrp="1" noChangeAspect="1"/>
+          </p:cNvPicPr>
+          <p:nvPr/>
+        </p:nvPicPr>
+        <p:blipFill>
+          <a:blip r:embed="rId2"/>
+          <a:stretch>
+            <a:fillRect/>
+          </a:stretch>
+        </p:blipFill>
+        <p:spPr bwMode="auto">
+          <a:xfrm>
+            <a:off x="977900" y="127000"/>
+            <a:ext cx="10160000" cy="6032500"/>
+          </a:xfrm>
+          <a:prstGeom prst="rect">
+            <a:avLst/>
+          </a:prstGeom>
+          <a:noFill/>
+          <a:ln w="9525">
+            <a:noFill/>
+            <a:headEnd/>
+            <a:tailEnd/>
+          </a:ln>
+        </p:spPr>
+      </p:pic>
+      <p:sp>
+        <p:nvSpPr>
+          <p:cNvPr id="1" name="TextBox 3"/>
+          <p:cNvSpPr txBox="1"/>
+          <p:nvPr/>
+        </p:nvSpPr>
+        <p:spPr>
+          <a:xfrm>
+            <a:off x="177800" y="6159500"/>
+            <a:ext cx="11772900" cy="508000"/>
+          </a:xfrm>
+          <a:prstGeom prst="rect">
+            <a:avLst/>
+          </a:prstGeom>
+          <a:noFill/>
+        </p:spPr>
+        <p:txBody>
+          <a:bodyPr/>
+          <a:lstStyle/>
+          <a:p>
+            <a:pPr lvl="0" marL="0" indent="0" algn="ctr">
+              <a:buNone/>
+            </a:pPr>
+            <a:r>
+              <a:rPr/>
+              <a:t>Igual</a:t>
+            </a:r>
+            <a:r>
+              <a:rPr/>
+              <a:t> </a:t>
+            </a:r>
+            <a:r>
+              <a:rPr/>
+              <a:t>que</a:t>
+            </a:r>
+            <a:r>
+              <a:rPr/>
+              <a:t> </a:t>
+            </a:r>
+            <a:r>
+              <a:rPr/>
+              <a:t>la</a:t>
+            </a:r>
+            <a:r>
+              <a:rPr/>
+              <a:t> </a:t>
+            </a:r>
+            <a:r>
+              <a:rPr/>
+              <a:t>figura</a:t>
+            </a:r>
+            <a:r>
+              <a:rPr/>
+              <a:t> </a:t>
+            </a:r>
+            <a:r>
+              <a:rPr/>
+              <a:t>anterior</a:t>
+            </a:r>
+            <a:r>
+              <a:rPr/>
+              <a:t> </a:t>
+            </a:r>
+            <a:r>
+              <a:rPr/>
+              <a:t>pero</a:t>
+            </a:r>
+            <a:r>
+              <a:rPr/>
+              <a:t> </a:t>
+            </a:r>
+            <a:r>
+              <a:rPr/>
+              <a:t>para</a:t>
+            </a:r>
+            <a:r>
+              <a:rPr/>
+              <a:t> </a:t>
+            </a:r>
+            <a:r>
+              <a:rPr/>
+              <a:t>el</a:t>
+            </a:r>
+            <a:r>
+              <a:rPr/>
+              <a:t> </a:t>
+            </a:r>
+            <a:r>
+              <a:rPr/>
+              <a:t>hemisferio</a:t>
+            </a:r>
+            <a:r>
+              <a:rPr/>
+              <a:t> </a:t>
+            </a:r>
+            <a:r>
+              <a:rPr/>
+              <a:t>norte.</a:t>
+            </a:r>
+          </a:p>
+        </p:txBody>
+      </p:sp>
+    </p:spTree>
+  </p:cSld>
+</p:sld>
+</file>
+
+<file path=ppt/slides/slide32.xml><?xml version="1.0" encoding="utf-8"?>
+<p:sld xmlns:a="http://schemas.openxmlformats.org/drawingml/2006/main" xmlns:r="http://schemas.openxmlformats.org/officeDocument/2006/relationships" xmlns:p="http://schemas.openxmlformats.org/presentationml/2006/main">
+  <p:cSld>
+    <p:spTree>
+      <p:nvGrpSpPr>
+        <p:cNvPr id="1" name=""/>
+        <p:cNvGrpSpPr/>
+        <p:nvPr/>
+      </p:nvGrpSpPr>
+      <p:grpSpPr>
+        <a:xfrm>
+          <a:off x="0" y="0"/>
+          <a:ext cx="0" cy="0"/>
+          <a:chOff x="0" y="0"/>
+          <a:chExt cx="0" cy="0"/>
+        </a:xfrm>
+      </p:grpSpPr>
+      <p:pic>
+        <p:nvPicPr>
+          <p:cNvPr descr="fig/26-SAM_asim/unnamed-chunk-30-1.png" id="0" name="Picture 1"/>
+          <p:cNvPicPr>
+            <a:picLocks noGrp="1" noChangeAspect="1"/>
+          </p:cNvPicPr>
+          <p:nvPr/>
+        </p:nvPicPr>
+        <p:blipFill>
+          <a:blip r:embed="rId2"/>
+          <a:stretch>
+            <a:fillRect/>
+          </a:stretch>
+        </p:blipFill>
+        <p:spPr bwMode="auto">
+          <a:xfrm>
+            <a:off x="977900" y="127000"/>
+            <a:ext cx="10160000" cy="6032500"/>
+          </a:xfrm>
+          <a:prstGeom prst="rect">
+            <a:avLst/>
+          </a:prstGeom>
+          <a:noFill/>
+          <a:ln w="9525">
+            <a:noFill/>
+            <a:headEnd/>
+            <a:tailEnd/>
+          </a:ln>
+        </p:spPr>
+      </p:pic>
+      <p:sp>
+        <p:nvSpPr>
+          <p:cNvPr id="1" name="TextBox 3"/>
+          <p:cNvSpPr txBox="1"/>
+          <p:nvPr/>
+        </p:nvSpPr>
+        <p:spPr>
+          <a:xfrm>
+            <a:off x="177800" y="6159500"/>
+            <a:ext cx="11772900" cy="508000"/>
+          </a:xfrm>
+          <a:prstGeom prst="rect">
+            <a:avLst/>
+          </a:prstGeom>
+          <a:noFill/>
+        </p:spPr>
+        <p:txBody>
+          <a:bodyPr/>
+          <a:lstStyle/>
+          <a:p>
+            <a:pPr lvl="0" marL="0" indent="0" algn="ctr">
+              <a:buNone/>
+            </a:pPr>
+            <a:r>
+              <a:rPr/>
+              <a:t>Regresión</a:t>
+            </a:r>
+            <a:r>
+              <a:rPr/>
+              <a:t> </a:t>
+            </a:r>
+            <a:r>
+              <a:rPr/>
+              <a:t>con</a:t>
+            </a:r>
+            <a:r>
+              <a:rPr/>
+              <a:t> </a:t>
+            </a:r>
+            <a:r>
+              <a:rPr/>
+              <a:t>anomalía</a:t>
+            </a:r>
+            <a:r>
+              <a:rPr/>
+              <a:t> </a:t>
+            </a:r>
+            <a:r>
+              <a:rPr/>
+              <a:t>mensual</a:t>
+            </a:r>
+            <a:r>
+              <a:rPr/>
+              <a:t> </a:t>
+            </a:r>
+            <a:r>
+              <a:rPr/>
+              <a:t>de</a:t>
+            </a:r>
+            <a:r>
+              <a:rPr/>
+              <a:t> </a:t>
+            </a:r>
+            <a:r>
+              <a:rPr/>
+              <a:t>OLR</a:t>
+            </a:r>
+            <a:r>
+              <a:rPr/>
+              <a:t> </a:t>
+            </a:r>
+            <a:r>
+              <a:rPr/>
+              <a:t>de</a:t>
+            </a:r>
+            <a:r>
+              <a:rPr/>
+              <a:t> </a:t>
+            </a:r>
+            <a:r>
+              <a:rPr/>
+              <a:t>los</a:t>
+            </a:r>
+            <a:r>
+              <a:rPr/>
+              <a:t> </a:t>
+            </a:r>
+            <a:r>
+              <a:rPr/>
+              <a:t>índices</a:t>
+            </a:r>
+            <a:r>
+              <a:rPr/>
+              <a:t> </a:t>
+            </a:r>
+            <a:r>
+              <a:rPr/>
+              <a:t>para</a:t>
+            </a:r>
+            <a:r>
+              <a:rPr/>
+              <a:t> </a:t>
+            </a:r>
+            <a:r>
+              <a:rPr/>
+              <a:t>distintos</a:t>
+            </a:r>
+            <a:r>
+              <a:rPr/>
+              <a:t> </a:t>
+            </a:r>
+            <a:r>
+              <a:rPr/>
+              <a:t>niveles</a:t>
+            </a:r>
+            <a:r>
+              <a:rPr/>
+              <a:t> </a:t>
+            </a:r>
+            <a:r>
+              <a:rPr/>
+              <a:t>en</a:t>
+            </a:r>
+            <a:r>
+              <a:rPr/>
+              <a:t> </a:t>
+            </a:r>
+            <a:r>
+              <a:rPr/>
+              <a:t>el</a:t>
+            </a:r>
+            <a:r>
+              <a:rPr/>
+              <a:t> </a:t>
+            </a:r>
+            <a:r>
+              <a:rPr/>
+              <a:t>hemisferio</a:t>
+            </a:r>
+            <a:r>
+              <a:rPr/>
+              <a:t> </a:t>
+            </a:r>
+            <a:r>
+              <a:rPr/>
+              <a:t>SUR.</a:t>
             </a:r>
           </a:p>
         </p:txBody>
@@ -6612,7 +8947,7 @@
             </a:pPr>
             <a:r>
               <a:rPr/>
-              <a:t>Covarianza</a:t>
+              <a:t>Proyección</a:t>
             </a:r>
             <a:r>
               <a:rPr/>
@@ -6668,7 +9003,7 @@
             </a:r>
             <a:r>
               <a:rPr/>
-              <a:t>y</a:t>
+              <a:t>en</a:t>
             </a:r>
             <a:r>
               <a:rPr/>
@@ -6848,15 +9183,15 @@
             </a:pPr>
             <a:r>
               <a:rPr/>
-              <a:t>Parte</a:t>
-            </a:r>
-            <a:r>
-              <a:rPr/>
-              <a:t> </a:t>
-            </a:r>
-            <a:r>
-              <a:rPr/>
-              <a:t>simétrica</a:t>
+              <a:t>Método</a:t>
+            </a:r>
+            <a:r>
+              <a:rPr/>
+              <a:t> </a:t>
+            </a:r>
+            <a:r>
+              <a:rPr/>
+              <a:t>BT09</a:t>
             </a:r>
           </a:p>
         </p:txBody>
@@ -6958,216 +9293,6 @@
 </file>
 
 <file path=ppt/slides/slide8.xml><?xml version="1.0" encoding="utf-8"?>
-<p:sld xmlns:a="http://schemas.openxmlformats.org/drawingml/2006/main" xmlns:r="http://schemas.openxmlformats.org/officeDocument/2006/relationships" xmlns:p="http://schemas.openxmlformats.org/presentationml/2006/main">
-  <p:cSld>
-    <p:spTree>
-      <p:nvGrpSpPr>
-        <p:cNvPr id="1" name=""/>
-        <p:cNvGrpSpPr/>
-        <p:nvPr/>
-      </p:nvGrpSpPr>
-      <p:grpSpPr>
-        <a:xfrm>
-          <a:off x="0" y="0"/>
-          <a:ext cx="0" cy="0"/>
-          <a:chOff x="0" y="0"/>
-          <a:chExt cx="0" cy="0"/>
-        </a:xfrm>
-      </p:grpSpPr>
-      <p:pic>
-        <p:nvPicPr>
-          <p:cNvPr descr="fig/26-SAM_asim/unnamed-chunk-6-1.png" id="0" name="Picture 1"/>
-          <p:cNvPicPr>
-            <a:picLocks noGrp="1" noChangeAspect="1"/>
-          </p:cNvPicPr>
-          <p:nvPr/>
-        </p:nvPicPr>
-        <p:blipFill>
-          <a:blip r:embed="rId2"/>
-          <a:stretch>
-            <a:fillRect/>
-          </a:stretch>
-        </p:blipFill>
-        <p:spPr bwMode="auto">
-          <a:xfrm>
-            <a:off x="977900" y="127000"/>
-            <a:ext cx="10160000" cy="6032500"/>
-          </a:xfrm>
-          <a:prstGeom prst="rect">
-            <a:avLst/>
-          </a:prstGeom>
-          <a:noFill/>
-          <a:ln w="9525">
-            <a:noFill/>
-            <a:headEnd/>
-            <a:tailEnd/>
-          </a:ln>
-        </p:spPr>
-      </p:pic>
-      <p:sp>
-        <p:nvSpPr>
-          <p:cNvPr id="1" name="TextBox 3"/>
-          <p:cNvSpPr txBox="1"/>
-          <p:nvPr/>
-        </p:nvSpPr>
-        <p:spPr>
-          <a:xfrm>
-            <a:off x="177800" y="6159500"/>
-            <a:ext cx="11772900" cy="508000"/>
-          </a:xfrm>
-          <a:prstGeom prst="rect">
-            <a:avLst/>
-          </a:prstGeom>
-          <a:noFill/>
-        </p:spPr>
-        <p:txBody>
-          <a:bodyPr/>
-          <a:lstStyle/>
-          <a:p>
-            <a:pPr lvl="0" marL="0" indent="0" algn="ctr">
-              <a:buNone/>
-            </a:pPr>
-            <a:r>
-              <a:rPr/>
-              <a:t>Patŕon</a:t>
-            </a:r>
-            <a:r>
-              <a:rPr/>
-              <a:t> </a:t>
-            </a:r>
-            <a:r>
-              <a:rPr/>
-              <a:t>espacial</a:t>
-            </a:r>
-            <a:r>
-              <a:rPr/>
-              <a:t> </a:t>
-            </a:r>
-            <a:r>
-              <a:rPr/>
-              <a:t>de</a:t>
-            </a:r>
-            <a:r>
-              <a:rPr/>
-              <a:t> </a:t>
-            </a:r>
-            <a:r>
-              <a:rPr/>
-              <a:t>altura</a:t>
-            </a:r>
-            <a:r>
-              <a:rPr/>
-              <a:t> </a:t>
-            </a:r>
-            <a:r>
-              <a:rPr/>
-              <a:t>geopotencial</a:t>
-            </a:r>
-            <a:r>
-              <a:rPr/>
-              <a:t> </a:t>
-            </a:r>
-            <a:r>
-              <a:rPr/>
-              <a:t>media</a:t>
-            </a:r>
-            <a:r>
-              <a:rPr/>
-              <a:t> </a:t>
-            </a:r>
-            <a:r>
-              <a:rPr/>
-              <a:t>zonal</a:t>
-            </a:r>
-            <a:r>
-              <a:rPr/>
-              <a:t> </a:t>
-            </a:r>
-            <a:r>
-              <a:rPr/>
-              <a:t>asociado</a:t>
-            </a:r>
-            <a:r>
-              <a:rPr/>
-              <a:t> </a:t>
-            </a:r>
-            <a:r>
-              <a:rPr/>
-              <a:t>a</a:t>
-            </a:r>
-            <a:r>
-              <a:rPr/>
-              <a:t> </a:t>
-            </a:r>
-            <a:r>
-              <a:rPr/>
-              <a:t>cada</a:t>
-            </a:r>
-            <a:r>
-              <a:rPr/>
-              <a:t> </a:t>
-            </a:r>
-            <a:r>
-              <a:rPr/>
-              <a:t>nivel.</a:t>
-            </a:r>
-            <a:r>
-              <a:rPr/>
-              <a:t> </a:t>
-            </a:r>
-            <a:r>
-              <a:rPr/>
-              <a:t>ERA5</a:t>
-            </a:r>
-            <a:r>
-              <a:rPr/>
-              <a:t> </a:t>
-            </a:r>
-            <a:r>
-              <a:rPr/>
-              <a:t>en</a:t>
-            </a:r>
-            <a:r>
-              <a:rPr/>
-              <a:t> </a:t>
-            </a:r>
-            <a:r>
-              <a:rPr/>
-              <a:t>sombrado,</a:t>
-            </a:r>
-            <a:r>
-              <a:rPr/>
-              <a:t> </a:t>
-            </a:r>
-            <a:r>
-              <a:rPr/>
-              <a:t>NCEP</a:t>
-            </a:r>
-            <a:r>
-              <a:rPr/>
-              <a:t> </a:t>
-            </a:r>
-            <a:r>
-              <a:rPr/>
-              <a:t>en</a:t>
-            </a:r>
-            <a:r>
-              <a:rPr/>
-              <a:t> </a:t>
-            </a:r>
-            <a:r>
-              <a:rPr/>
-              <a:t>contornos.</a:t>
-            </a:r>
-          </a:p>
-        </p:txBody>
-      </p:sp>
-    </p:spTree>
-  </p:cSld>
-</p:sld>
-</file>
-
-<file path=ppt/slides/slide9.xml><?xml version="1.0" encoding="utf-8"?>
 <p:sld xmlns:a="http://schemas.openxmlformats.org/drawingml/2006/main" xmlns:r="http://schemas.openxmlformats.org/officeDocument/2006/relationships" xmlns:p="http://schemas.openxmlformats.org/presentationml/2006/main">
   <p:cSld>
     <p:spTree>
@@ -7239,47 +9364,169 @@
             </a:pPr>
             <a:r>
               <a:rPr/>
-              <a:t>Correlación</a:t>
-            </a:r>
-            <a:r>
-              <a:rPr/>
-              <a:t> </a:t>
-            </a:r>
-            <a:r>
-              <a:rPr/>
-              <a:t>cruzada</a:t>
-            </a:r>
-            <a:r>
-              <a:rPr/>
-              <a:t> </a:t>
-            </a:r>
-            <a:r>
-              <a:rPr/>
-              <a:t>entre</a:t>
-            </a:r>
-            <a:r>
-              <a:rPr/>
-              <a:t> </a:t>
-            </a:r>
-            <a:r>
-              <a:rPr/>
-              <a:t>las</a:t>
-            </a:r>
-            <a:r>
-              <a:rPr/>
-              <a:t> </a:t>
-            </a:r>
-            <a:r>
-              <a:rPr/>
-              <a:t>series</a:t>
-            </a:r>
-            <a:r>
-              <a:rPr/>
-              <a:t> </a:t>
-            </a:r>
-            <a:r>
-              <a:rPr/>
-              <a:t>temporales</a:t>
+              <a:t>Varianza</a:t>
+            </a:r>
+            <a:r>
+              <a:rPr/>
+              <a:t> </a:t>
+            </a:r>
+            <a:r>
+              <a:rPr/>
+              <a:t>explicada</a:t>
+            </a:r>
+            <a:r>
+              <a:rPr/>
+              <a:t> </a:t>
+            </a:r>
+            <a:r>
+              <a:rPr/>
+              <a:t>por</a:t>
+            </a:r>
+            <a:r>
+              <a:rPr/>
+              <a:t> </a:t>
+            </a:r>
+            <a:r>
+              <a:rPr/>
+              <a:t>el</a:t>
+            </a:r>
+            <a:r>
+              <a:rPr/>
+              <a:t> </a:t>
+            </a:r>
+            <a:r>
+              <a:rPr/>
+              <a:t>EOF1</a:t>
+            </a:r>
+            <a:r>
+              <a:rPr/>
+              <a:t> </a:t>
+            </a:r>
+            <a:r>
+              <a:rPr/>
+              <a:t>y</a:t>
+            </a:r>
+            <a:r>
+              <a:rPr/>
+              <a:t> </a:t>
+            </a:r>
+            <a:r>
+              <a:rPr/>
+              <a:t>EOF2</a:t>
+            </a:r>
+            <a:r>
+              <a:rPr/>
+              <a:t> </a:t>
+            </a:r>
+            <a:r>
+              <a:rPr/>
+              <a:t>para</a:t>
+            </a:r>
+            <a:r>
+              <a:rPr/>
+              <a:t> </a:t>
+            </a:r>
+            <a:r>
+              <a:rPr/>
+              <a:t>cada</a:t>
+            </a:r>
+            <a:r>
+              <a:rPr/>
+              <a:t> </a:t>
+            </a:r>
+            <a:r>
+              <a:rPr/>
+              <a:t>nivel.</a:t>
+            </a:r>
+          </a:p>
+        </p:txBody>
+      </p:sp>
+    </p:spTree>
+  </p:cSld>
+</p:sld>
+</file>
+
+<file path=ppt/slides/slide9.xml><?xml version="1.0" encoding="utf-8"?>
+<p:sld xmlns:a="http://schemas.openxmlformats.org/drawingml/2006/main" xmlns:r="http://schemas.openxmlformats.org/officeDocument/2006/relationships" xmlns:p="http://schemas.openxmlformats.org/presentationml/2006/main">
+  <p:cSld>
+    <p:spTree>
+      <p:nvGrpSpPr>
+        <p:cNvPr id="1" name=""/>
+        <p:cNvGrpSpPr/>
+        <p:nvPr/>
+      </p:nvGrpSpPr>
+      <p:grpSpPr>
+        <a:xfrm>
+          <a:off x="0" y="0"/>
+          <a:ext cx="0" cy="0"/>
+          <a:chOff x="0" y="0"/>
+          <a:chExt cx="0" cy="0"/>
+        </a:xfrm>
+      </p:grpSpPr>
+      <p:pic>
+        <p:nvPicPr>
+          <p:cNvPr descr="fig/26-SAM_asim/unnamed-chunk-8-1.png" id="0" name="Picture 1"/>
+          <p:cNvPicPr>
+            <a:picLocks noGrp="1" noChangeAspect="1"/>
+          </p:cNvPicPr>
+          <p:nvPr/>
+        </p:nvPicPr>
+        <p:blipFill>
+          <a:blip r:embed="rId2"/>
+          <a:stretch>
+            <a:fillRect/>
+          </a:stretch>
+        </p:blipFill>
+        <p:spPr bwMode="auto">
+          <a:xfrm>
+            <a:off x="977900" y="127000"/>
+            <a:ext cx="10160000" cy="6032500"/>
+          </a:xfrm>
+          <a:prstGeom prst="rect">
+            <a:avLst/>
+          </a:prstGeom>
+          <a:noFill/>
+          <a:ln w="9525">
+            <a:noFill/>
+            <a:headEnd/>
+            <a:tailEnd/>
+          </a:ln>
+        </p:spPr>
+      </p:pic>
+      <p:sp>
+        <p:nvSpPr>
+          <p:cNvPr id="1" name="TextBox 3"/>
+          <p:cNvSpPr txBox="1"/>
+          <p:nvPr/>
+        </p:nvSpPr>
+        <p:spPr>
+          <a:xfrm>
+            <a:off x="177800" y="6159500"/>
+            <a:ext cx="11772900" cy="508000"/>
+          </a:xfrm>
+          <a:prstGeom prst="rect">
+            <a:avLst/>
+          </a:prstGeom>
+          <a:noFill/>
+        </p:spPr>
+        <p:txBody>
+          <a:bodyPr/>
+          <a:lstStyle/>
+          <a:p>
+            <a:pPr lvl="0" marL="0" indent="0" algn="ctr">
+              <a:buNone/>
+            </a:pPr>
+            <a:r>
+              <a:rPr/>
+              <a:t>Patŕon</a:t>
+            </a:r>
+            <a:r>
+              <a:rPr/>
+              <a:t> </a:t>
+            </a:r>
+            <a:r>
+              <a:rPr/>
+              <a:t>espacial</a:t>
             </a:r>
             <a:r>
               <a:rPr/>
@@ -7295,15 +9542,71 @@
             </a:r>
             <a:r>
               <a:rPr/>
-              <a:t>SAM</a:t>
-            </a:r>
-            <a:r>
-              <a:rPr/>
-              <a:t> </a:t>
-            </a:r>
-            <a:r>
-              <a:rPr/>
-              <a:t>simétrico</a:t>
+              <a:t>altura</a:t>
+            </a:r>
+            <a:r>
+              <a:rPr/>
+              <a:t> </a:t>
+            </a:r>
+            <a:r>
+              <a:rPr/>
+              <a:t>geopotencial</a:t>
+            </a:r>
+            <a:r>
+              <a:rPr/>
+              <a:t> </a:t>
+            </a:r>
+            <a:r>
+              <a:rPr/>
+              <a:t>media</a:t>
+            </a:r>
+            <a:r>
+              <a:rPr/>
+              <a:t> </a:t>
+            </a:r>
+            <a:r>
+              <a:rPr/>
+              <a:t>zonal</a:t>
+            </a:r>
+            <a:r>
+              <a:rPr/>
+              <a:t> </a:t>
+            </a:r>
+            <a:r>
+              <a:rPr/>
+              <a:t>asociado</a:t>
+            </a:r>
+            <a:r>
+              <a:rPr/>
+              <a:t> </a:t>
+            </a:r>
+            <a:r>
+              <a:rPr/>
+              <a:t>a</a:t>
+            </a:r>
+            <a:r>
+              <a:rPr/>
+              <a:t> </a:t>
+            </a:r>
+            <a:r>
+              <a:rPr/>
+              <a:t>cada</a:t>
+            </a:r>
+            <a:r>
+              <a:rPr/>
+              <a:t> </a:t>
+            </a:r>
+            <a:r>
+              <a:rPr/>
+              <a:t>nivel.</a:t>
+            </a:r>
+            <a:r>
+              <a:rPr/>
+              <a:t> </a:t>
+            </a:r>
+            <a:r>
+              <a:rPr/>
+              <a:t>ERA5</a:t>
             </a:r>
             <a:r>
               <a:rPr/>
@@ -7319,15 +9622,31 @@
             </a:r>
             <a:r>
               <a:rPr/>
-              <a:t>cada</a:t>
-            </a:r>
-            <a:r>
-              <a:rPr/>
-              <a:t> </a:t>
-            </a:r>
-            <a:r>
-              <a:rPr/>
-              <a:t>nivel.</a:t>
+              <a:t>sombrado,</a:t>
+            </a:r>
+            <a:r>
+              <a:rPr/>
+              <a:t> </a:t>
+            </a:r>
+            <a:r>
+              <a:rPr/>
+              <a:t>NCEP</a:t>
+            </a:r>
+            <a:r>
+              <a:rPr/>
+              <a:t> </a:t>
+            </a:r>
+            <a:r>
+              <a:rPr/>
+              <a:t>en</a:t>
+            </a:r>
+            <a:r>
+              <a:rPr/>
+              <a:t> </a:t>
+            </a:r>
+            <a:r>
+              <a:rPr/>
+              <a:t>contornos.</a:t>
             </a:r>
           </a:p>
         </p:txBody>

--- a/26-SAM_asim.pptx
+++ b/26-SAM_asim.pptx
@@ -40,6 +40,10 @@
     <p:sldId id="285" r:id="rId31"/>
     <p:sldId id="286" r:id="rId32"/>
     <p:sldId id="287" r:id="rId33"/>
+    <p:sldId id="288" r:id="rId34"/>
+    <p:sldId id="289" r:id="rId35"/>
+    <p:sldId id="290" r:id="rId36"/>
+    <p:sldId id="291" r:id="rId37"/>
   </p:sldIdLst>
   <p:sldSz cx="12189460" cy="6858000"/>
   <p:notesSz cx="9144000" cy="6858000"/>
@@ -4942,232 +4946,6 @@
       </p:grpSpPr>
       <p:pic>
         <p:nvPicPr>
-          <p:cNvPr descr="fig/26-SAM_asim/unnamed-chunk-9-1.png" id="0" name="Picture 1"/>
-          <p:cNvPicPr>
-            <a:picLocks noGrp="1" noChangeAspect="1"/>
-          </p:cNvPicPr>
-          <p:nvPr/>
-        </p:nvPicPr>
-        <p:blipFill>
-          <a:blip r:embed="rId2"/>
-          <a:stretch>
-            <a:fillRect/>
-          </a:stretch>
-        </p:blipFill>
-        <p:spPr bwMode="auto">
-          <a:xfrm>
-            <a:off x="977900" y="127000"/>
-            <a:ext cx="10160000" cy="6032500"/>
-          </a:xfrm>
-          <a:prstGeom prst="rect">
-            <a:avLst/>
-          </a:prstGeom>
-          <a:noFill/>
-          <a:ln w="9525">
-            <a:noFill/>
-            <a:headEnd/>
-            <a:tailEnd/>
-          </a:ln>
-        </p:spPr>
-      </p:pic>
-      <p:sp>
-        <p:nvSpPr>
-          <p:cNvPr id="1" name="TextBox 3"/>
-          <p:cNvSpPr txBox="1"/>
-          <p:nvPr/>
-        </p:nvSpPr>
-        <p:spPr>
-          <a:xfrm>
-            <a:off x="177800" y="6159500"/>
-            <a:ext cx="11772900" cy="508000"/>
-          </a:xfrm>
-          <a:prstGeom prst="rect">
-            <a:avLst/>
-          </a:prstGeom>
-          <a:noFill/>
-        </p:spPr>
-        <p:txBody>
-          <a:bodyPr/>
-          <a:lstStyle/>
-          <a:p>
-            <a:pPr lvl="0" marL="0" indent="0" algn="ctr">
-              <a:buNone/>
-            </a:pPr>
-            <a:r>
-              <a:rPr/>
-              <a:t>Igual</a:t>
-            </a:r>
-            <a:r>
-              <a:rPr/>
-              <a:t> </a:t>
-            </a:r>
-            <a:r>
-              <a:rPr/>
-              <a:t>que</a:t>
-            </a:r>
-            <a:r>
-              <a:rPr/>
-              <a:t> </a:t>
-            </a:r>
-            <a:r>
-              <a:rPr/>
-              <a:t>la</a:t>
-            </a:r>
-            <a:r>
-              <a:rPr/>
-              <a:t> </a:t>
-            </a:r>
-            <a:r>
-              <a:rPr/>
-              <a:t>figura</a:t>
-            </a:r>
-            <a:r>
-              <a:rPr/>
-              <a:t> </a:t>
-            </a:r>
-            <a:r>
-              <a:rPr/>
-              <a:t>anterior</a:t>
-            </a:r>
-            <a:r>
-              <a:rPr/>
-              <a:t> </a:t>
-            </a:r>
-            <a:r>
-              <a:rPr/>
-              <a:t>pero</a:t>
-            </a:r>
-            <a:r>
-              <a:rPr/>
-              <a:t> </a:t>
-            </a:r>
-            <a:r>
-              <a:rPr/>
-              <a:t>con</a:t>
-            </a:r>
-            <a:r>
-              <a:rPr/>
-              <a:t> </a:t>
-            </a:r>
-            <a:r>
-              <a:rPr/>
-              <a:t>los</a:t>
-            </a:r>
-            <a:r>
-              <a:rPr/>
-              <a:t> </a:t>
-            </a:r>
-            <a:r>
-              <a:rPr/>
-              <a:t>patrones</a:t>
-            </a:r>
-            <a:r>
-              <a:rPr/>
-              <a:t> </a:t>
-            </a:r>
-            <a:r>
-              <a:rPr/>
-              <a:t>espaciales</a:t>
-            </a:r>
-            <a:r>
-              <a:rPr/>
-              <a:t> </a:t>
-            </a:r>
-            <a:r>
-              <a:rPr/>
-              <a:t>multiplicados</a:t>
-            </a:r>
-            <a:r>
-              <a:rPr/>
-              <a:t> </a:t>
-            </a:r>
-            <a:r>
-              <a:rPr/>
-              <a:t>por</a:t>
-            </a:r>
-            <a:r>
-              <a:rPr/>
-              <a:t> </a:t>
-            </a:r>
-            <a:r>
-              <a:rPr/>
-              <a:t>el</a:t>
-            </a:r>
-            <a:r>
-              <a:rPr/>
-              <a:t> </a:t>
-            </a:r>
-            <a:r>
-              <a:rPr/>
-              <a:t>valor</a:t>
-            </a:r>
-            <a:r>
-              <a:rPr/>
-              <a:t> </a:t>
-            </a:r>
-            <a:r>
-              <a:rPr/>
-              <a:t>de</a:t>
-            </a:r>
-            <a:r>
-              <a:rPr/>
-              <a:t> </a:t>
-            </a:r>
-            <a:r>
-              <a:rPr/>
-              <a:t>sus</a:t>
-            </a:r>
-            <a:r>
-              <a:rPr/>
-              <a:t> </a:t>
-            </a:r>
-            <a:r>
-              <a:rPr/>
-              <a:t>respectivos</a:t>
-            </a:r>
-            <a:r>
-              <a:rPr/>
-              <a:t> </a:t>
-            </a:r>
-            <a:r>
-              <a:rPr/>
-              <a:t>valores</a:t>
-            </a:r>
-            <a:r>
-              <a:rPr/>
-              <a:t> </a:t>
-            </a:r>
-            <a:r>
-              <a:rPr/>
-              <a:t>principales.</a:t>
-            </a:r>
-          </a:p>
-        </p:txBody>
-      </p:sp>
-    </p:spTree>
-  </p:cSld>
-</p:sld>
-</file>
-
-<file path=ppt/slides/slide11.xml><?xml version="1.0" encoding="utf-8"?>
-<p:sld xmlns:a="http://schemas.openxmlformats.org/drawingml/2006/main" xmlns:r="http://schemas.openxmlformats.org/officeDocument/2006/relationships" xmlns:p="http://schemas.openxmlformats.org/presentationml/2006/main">
-  <p:cSld>
-    <p:spTree>
-      <p:nvGrpSpPr>
-        <p:cNvPr id="1" name=""/>
-        <p:cNvGrpSpPr/>
-        <p:nvPr/>
-      </p:nvGrpSpPr>
-      <p:grpSpPr>
-        <a:xfrm>
-          <a:off x="0" y="0"/>
-          <a:ext cx="0" cy="0"/>
-          <a:chOff x="0" y="0"/>
-          <a:chExt cx="0" cy="0"/>
-        </a:xfrm>
-      </p:grpSpPr>
-      <p:pic>
-        <p:nvPicPr>
           <p:cNvPr descr="fig/26-SAM_asim/unnamed-chunk-10-1.png" id="0" name="Picture 1"/>
           <p:cNvPicPr>
             <a:picLocks noGrp="1" noChangeAspect="1"/>
@@ -5221,15 +4999,55 @@
             </a:pPr>
             <a:r>
               <a:rPr/>
-              <a:t>EOF1</a:t>
-            </a:r>
-            <a:r>
-              <a:rPr/>
-              <a:t> </a:t>
-            </a:r>
-            <a:r>
-              <a:rPr/>
-              <a:t>para</a:t>
+              <a:t>Igual</a:t>
+            </a:r>
+            <a:r>
+              <a:rPr/>
+              <a:t> </a:t>
+            </a:r>
+            <a:r>
+              <a:rPr/>
+              <a:t>que</a:t>
+            </a:r>
+            <a:r>
+              <a:rPr/>
+              <a:t> </a:t>
+            </a:r>
+            <a:r>
+              <a:rPr/>
+              <a:t>la</a:t>
+            </a:r>
+            <a:r>
+              <a:rPr/>
+              <a:t> </a:t>
+            </a:r>
+            <a:r>
+              <a:rPr/>
+              <a:t>figura</a:t>
+            </a:r>
+            <a:r>
+              <a:rPr/>
+              <a:t> </a:t>
+            </a:r>
+            <a:r>
+              <a:rPr/>
+              <a:t>anterior</a:t>
+            </a:r>
+            <a:r>
+              <a:rPr/>
+              <a:t> </a:t>
+            </a:r>
+            <a:r>
+              <a:rPr/>
+              <a:t>pero</a:t>
+            </a:r>
+            <a:r>
+              <a:rPr/>
+              <a:t> </a:t>
+            </a:r>
+            <a:r>
+              <a:rPr/>
+              <a:t>con</a:t>
             </a:r>
             <a:r>
               <a:rPr/>
@@ -5245,47 +5063,87 @@
             </a:r>
             <a:r>
               <a:rPr/>
-              <a:t>niveles</a:t>
-            </a:r>
-            <a:r>
-              <a:rPr/>
-              <a:t> </a:t>
-            </a:r>
-            <a:r>
-              <a:rPr/>
-              <a:t>marcados</a:t>
-            </a:r>
-            <a:r>
-              <a:rPr/>
-              <a:t> </a:t>
-            </a:r>
-            <a:r>
-              <a:rPr/>
-              <a:t>en</a:t>
-            </a:r>
-            <a:r>
-              <a:rPr/>
-              <a:t> </a:t>
-            </a:r>
-            <a:r>
-              <a:rPr/>
-              <a:t>la</a:t>
-            </a:r>
-            <a:r>
-              <a:rPr/>
-              <a:t> </a:t>
-            </a:r>
-            <a:r>
-              <a:rPr/>
-              <a:t>figura</a:t>
-            </a:r>
-            <a:r>
-              <a:rPr/>
-              <a:t> </a:t>
-            </a:r>
-            <a:r>
-              <a:rPr/>
-              <a:t>anterior.</a:t>
+              <a:t>patrones</a:t>
+            </a:r>
+            <a:r>
+              <a:rPr/>
+              <a:t> </a:t>
+            </a:r>
+            <a:r>
+              <a:rPr/>
+              <a:t>espaciales</a:t>
+            </a:r>
+            <a:r>
+              <a:rPr/>
+              <a:t> </a:t>
+            </a:r>
+            <a:r>
+              <a:rPr/>
+              <a:t>multiplicados</a:t>
+            </a:r>
+            <a:r>
+              <a:rPr/>
+              <a:t> </a:t>
+            </a:r>
+            <a:r>
+              <a:rPr/>
+              <a:t>por</a:t>
+            </a:r>
+            <a:r>
+              <a:rPr/>
+              <a:t> </a:t>
+            </a:r>
+            <a:r>
+              <a:rPr/>
+              <a:t>el</a:t>
+            </a:r>
+            <a:r>
+              <a:rPr/>
+              <a:t> </a:t>
+            </a:r>
+            <a:r>
+              <a:rPr/>
+              <a:t>valor</a:t>
+            </a:r>
+            <a:r>
+              <a:rPr/>
+              <a:t> </a:t>
+            </a:r>
+            <a:r>
+              <a:rPr/>
+              <a:t>de</a:t>
+            </a:r>
+            <a:r>
+              <a:rPr/>
+              <a:t> </a:t>
+            </a:r>
+            <a:r>
+              <a:rPr/>
+              <a:t>sus</a:t>
+            </a:r>
+            <a:r>
+              <a:rPr/>
+              <a:t> </a:t>
+            </a:r>
+            <a:r>
+              <a:rPr/>
+              <a:t>respectivos</a:t>
+            </a:r>
+            <a:r>
+              <a:rPr/>
+              <a:t> </a:t>
+            </a:r>
+            <a:r>
+              <a:rPr/>
+              <a:t>valores</a:t>
+            </a:r>
+            <a:r>
+              <a:rPr/>
+              <a:t> </a:t>
+            </a:r>
+            <a:r>
+              <a:rPr/>
+              <a:t>principales.</a:t>
             </a:r>
           </a:p>
         </p:txBody>
@@ -5295,7 +5153,7 @@
 </p:sld>
 </file>
 
-<file path=ppt/slides/slide12.xml><?xml version="1.0" encoding="utf-8"?>
+<file path=ppt/slides/slide11.xml><?xml version="1.0" encoding="utf-8"?>
 <p:sld xmlns:a="http://schemas.openxmlformats.org/drawingml/2006/main" xmlns:r="http://schemas.openxmlformats.org/officeDocument/2006/relationships" xmlns:p="http://schemas.openxmlformats.org/presentationml/2006/main">
   <p:cSld>
     <p:spTree>
@@ -5367,6 +5225,152 @@
             </a:pPr>
             <a:r>
               <a:rPr/>
+              <a:t>EOF1</a:t>
+            </a:r>
+            <a:r>
+              <a:rPr/>
+              <a:t> </a:t>
+            </a:r>
+            <a:r>
+              <a:rPr/>
+              <a:t>para</a:t>
+            </a:r>
+            <a:r>
+              <a:rPr/>
+              <a:t> </a:t>
+            </a:r>
+            <a:r>
+              <a:rPr/>
+              <a:t>los</a:t>
+            </a:r>
+            <a:r>
+              <a:rPr/>
+              <a:t> </a:t>
+            </a:r>
+            <a:r>
+              <a:rPr/>
+              <a:t>niveles</a:t>
+            </a:r>
+            <a:r>
+              <a:rPr/>
+              <a:t> </a:t>
+            </a:r>
+            <a:r>
+              <a:rPr/>
+              <a:t>marcados</a:t>
+            </a:r>
+            <a:r>
+              <a:rPr/>
+              <a:t> </a:t>
+            </a:r>
+            <a:r>
+              <a:rPr/>
+              <a:t>en</a:t>
+            </a:r>
+            <a:r>
+              <a:rPr/>
+              <a:t> </a:t>
+            </a:r>
+            <a:r>
+              <a:rPr/>
+              <a:t>la</a:t>
+            </a:r>
+            <a:r>
+              <a:rPr/>
+              <a:t> </a:t>
+            </a:r>
+            <a:r>
+              <a:rPr/>
+              <a:t>figura</a:t>
+            </a:r>
+            <a:r>
+              <a:rPr/>
+              <a:t> </a:t>
+            </a:r>
+            <a:r>
+              <a:rPr/>
+              <a:t>anterior.</a:t>
+            </a:r>
+          </a:p>
+        </p:txBody>
+      </p:sp>
+    </p:spTree>
+  </p:cSld>
+</p:sld>
+</file>
+
+<file path=ppt/slides/slide12.xml><?xml version="1.0" encoding="utf-8"?>
+<p:sld xmlns:a="http://schemas.openxmlformats.org/drawingml/2006/main" xmlns:r="http://schemas.openxmlformats.org/officeDocument/2006/relationships" xmlns:p="http://schemas.openxmlformats.org/presentationml/2006/main">
+  <p:cSld>
+    <p:spTree>
+      <p:nvGrpSpPr>
+        <p:cNvPr id="1" name=""/>
+        <p:cNvGrpSpPr/>
+        <p:nvPr/>
+      </p:nvGrpSpPr>
+      <p:grpSpPr>
+        <a:xfrm>
+          <a:off x="0" y="0"/>
+          <a:ext cx="0" cy="0"/>
+          <a:chOff x="0" y="0"/>
+          <a:chExt cx="0" cy="0"/>
+        </a:xfrm>
+      </p:grpSpPr>
+      <p:pic>
+        <p:nvPicPr>
+          <p:cNvPr descr="fig/26-SAM_asim/unnamed-chunk-12-1.png" id="0" name="Picture 1"/>
+          <p:cNvPicPr>
+            <a:picLocks noGrp="1" noChangeAspect="1"/>
+          </p:cNvPicPr>
+          <p:nvPr/>
+        </p:nvPicPr>
+        <p:blipFill>
+          <a:blip r:embed="rId2"/>
+          <a:stretch>
+            <a:fillRect/>
+          </a:stretch>
+        </p:blipFill>
+        <p:spPr bwMode="auto">
+          <a:xfrm>
+            <a:off x="977900" y="127000"/>
+            <a:ext cx="10160000" cy="6032500"/>
+          </a:xfrm>
+          <a:prstGeom prst="rect">
+            <a:avLst/>
+          </a:prstGeom>
+          <a:noFill/>
+          <a:ln w="9525">
+            <a:noFill/>
+            <a:headEnd/>
+            <a:tailEnd/>
+          </a:ln>
+        </p:spPr>
+      </p:pic>
+      <p:sp>
+        <p:nvSpPr>
+          <p:cNvPr id="1" name="TextBox 3"/>
+          <p:cNvSpPr txBox="1"/>
+          <p:nvPr/>
+        </p:nvSpPr>
+        <p:spPr>
+          <a:xfrm>
+            <a:off x="177800" y="6159500"/>
+            <a:ext cx="11772900" cy="508000"/>
+          </a:xfrm>
+          <a:prstGeom prst="rect">
+            <a:avLst/>
+          </a:prstGeom>
+          <a:noFill/>
+        </p:spPr>
+        <p:txBody>
+          <a:bodyPr/>
+          <a:lstStyle/>
+          <a:p>
+            <a:pPr lvl="0" marL="0" indent="0" algn="ctr">
+              <a:buNone/>
+            </a:pPr>
+            <a:r>
+              <a:rPr/>
               <a:t>Correlación</a:t>
             </a:r>
             <a:r>
@@ -5484,7 +5488,7 @@
       </p:grpSpPr>
       <p:pic>
         <p:nvPicPr>
-          <p:cNvPr descr="fig/26-SAM_asim/unnamed-chunk-12-1.png" id="0" name="Picture 1"/>
+          <p:cNvPr descr="fig/26-SAM_asim/unnamed-chunk-13-1.png" id="0" name="Picture 1"/>
           <p:cNvPicPr>
             <a:picLocks noGrp="1" noChangeAspect="1"/>
           </p:cNvPicPr>
@@ -6261,7 +6265,7 @@
       </p:grpSpPr>
       <p:pic>
         <p:nvPicPr>
-          <p:cNvPr descr="fig/26-SAM_asim/unnamed-chunk-16-1.png" id="0" name="Picture 1"/>
+          <p:cNvPr descr="fig/26-SAM_asim/unnamed-chunk-17-1.png" id="0" name="Picture 1"/>
           <p:cNvPicPr>
             <a:picLocks noGrp="1" noChangeAspect="1"/>
           </p:cNvPicPr>
@@ -6314,55 +6318,15 @@
             </a:pPr>
             <a:r>
               <a:rPr/>
-              <a:t>Igual</a:t>
-            </a:r>
-            <a:r>
-              <a:rPr/>
-              <a:t> </a:t>
-            </a:r>
-            <a:r>
-              <a:rPr/>
-              <a:t>que</a:t>
-            </a:r>
-            <a:r>
-              <a:rPr/>
-              <a:t> </a:t>
-            </a:r>
-            <a:r>
-              <a:rPr/>
-              <a:t>la</a:t>
-            </a:r>
-            <a:r>
-              <a:rPr/>
-              <a:t> </a:t>
-            </a:r>
-            <a:r>
-              <a:rPr/>
-              <a:t>figura</a:t>
-            </a:r>
-            <a:r>
-              <a:rPr/>
-              <a:t> </a:t>
-            </a:r>
-            <a:r>
-              <a:rPr/>
-              <a:t>anterior</a:t>
-            </a:r>
-            <a:r>
-              <a:rPr/>
-              <a:t> </a:t>
-            </a:r>
-            <a:r>
-              <a:rPr/>
-              <a:t>pero</a:t>
-            </a:r>
-            <a:r>
-              <a:rPr/>
-              <a:t> </a:t>
-            </a:r>
-            <a:r>
-              <a:rPr/>
-              <a:t>para</a:t>
+              <a:t>Relación</a:t>
+            </a:r>
+            <a:r>
+              <a:rPr/>
+              <a:t> </a:t>
+            </a:r>
+            <a:r>
+              <a:rPr/>
+              <a:t>entre</a:t>
             </a:r>
             <a:r>
               <a:rPr/>
@@ -6378,15 +6342,79 @@
             </a:r>
             <a:r>
               <a:rPr/>
-              <a:t>hemisferio</a:t>
-            </a:r>
-            <a:r>
-              <a:rPr/>
-              <a:t> </a:t>
-            </a:r>
-            <a:r>
-              <a:rPr/>
-              <a:t>norte</a:t>
+              <a:t>EOF1</a:t>
+            </a:r>
+            <a:r>
+              <a:rPr/>
+              <a:t> </a:t>
+            </a:r>
+            <a:r>
+              <a:rPr/>
+              <a:t>calculado</a:t>
+            </a:r>
+            <a:r>
+              <a:rPr/>
+              <a:t> </a:t>
+            </a:r>
+            <a:r>
+              <a:rPr/>
+              <a:t>acá</a:t>
+            </a:r>
+            <a:r>
+              <a:rPr/>
+              <a:t> </a:t>
+            </a:r>
+            <a:r>
+              <a:rPr/>
+              <a:t>y</a:t>
+            </a:r>
+            <a:r>
+              <a:rPr/>
+              <a:t> </a:t>
+            </a:r>
+            <a:r>
+              <a:rPr/>
+              <a:t>el</a:t>
+            </a:r>
+            <a:r>
+              <a:rPr/>
+              <a:t> </a:t>
+            </a:r>
+            <a:r>
+              <a:rPr/>
+              <a:t>índice</a:t>
+            </a:r>
+            <a:r>
+              <a:rPr/>
+              <a:t> </a:t>
+            </a:r>
+            <a:r>
+              <a:rPr/>
+              <a:t>AAO</a:t>
+            </a:r>
+            <a:r>
+              <a:rPr/>
+              <a:t> </a:t>
+            </a:r>
+            <a:r>
+              <a:rPr/>
+              <a:t>provisto</a:t>
+            </a:r>
+            <a:r>
+              <a:rPr/>
+              <a:t> </a:t>
+            </a:r>
+            <a:r>
+              <a:rPr/>
+              <a:t>por</a:t>
+            </a:r>
+            <a:r>
+              <a:rPr/>
+              <a:t> </a:t>
+            </a:r>
+            <a:r>
+              <a:rPr/>
+              <a:t>NCEP</a:t>
             </a:r>
           </a:p>
         </p:txBody>
@@ -6457,184 +6485,6 @@
 </file>
 
 <file path=ppt/slides/slide20.xml><?xml version="1.0" encoding="utf-8"?>
-<p:sld xmlns:a="http://schemas.openxmlformats.org/drawingml/2006/main" xmlns:r="http://schemas.openxmlformats.org/officeDocument/2006/relationships" xmlns:p="http://schemas.openxmlformats.org/presentationml/2006/main">
-  <p:cSld>
-    <p:spTree>
-      <p:nvGrpSpPr>
-        <p:cNvPr id="1" name=""/>
-        <p:cNvGrpSpPr/>
-        <p:nvPr/>
-      </p:nvGrpSpPr>
-      <p:grpSpPr>
-        <a:xfrm>
-          <a:off x="0" y="0"/>
-          <a:ext cx="0" cy="0"/>
-          <a:chOff x="0" y="0"/>
-          <a:chExt cx="0" cy="0"/>
-        </a:xfrm>
-      </p:grpSpPr>
-      <p:pic>
-        <p:nvPicPr>
-          <p:cNvPr descr="fig/26-SAM_asim/unnamed-chunk-17-1.png" id="0" name="Picture 1"/>
-          <p:cNvPicPr>
-            <a:picLocks noGrp="1" noChangeAspect="1"/>
-          </p:cNvPicPr>
-          <p:nvPr/>
-        </p:nvPicPr>
-        <p:blipFill>
-          <a:blip r:embed="rId2"/>
-          <a:stretch>
-            <a:fillRect/>
-          </a:stretch>
-        </p:blipFill>
-        <p:spPr bwMode="auto">
-          <a:xfrm>
-            <a:off x="977900" y="127000"/>
-            <a:ext cx="10160000" cy="6032500"/>
-          </a:xfrm>
-          <a:prstGeom prst="rect">
-            <a:avLst/>
-          </a:prstGeom>
-          <a:noFill/>
-          <a:ln w="9525">
-            <a:noFill/>
-            <a:headEnd/>
-            <a:tailEnd/>
-          </a:ln>
-        </p:spPr>
-      </p:pic>
-      <p:sp>
-        <p:nvSpPr>
-          <p:cNvPr id="1" name="TextBox 3"/>
-          <p:cNvSpPr txBox="1"/>
-          <p:nvPr/>
-        </p:nvSpPr>
-        <p:spPr>
-          <a:xfrm>
-            <a:off x="177800" y="6159500"/>
-            <a:ext cx="11772900" cy="508000"/>
-          </a:xfrm>
-          <a:prstGeom prst="rect">
-            <a:avLst/>
-          </a:prstGeom>
-          <a:noFill/>
-        </p:spPr>
-        <p:txBody>
-          <a:bodyPr/>
-          <a:lstStyle/>
-          <a:p>
-            <a:pPr lvl="0" marL="0" indent="0" algn="ctr">
-              <a:buNone/>
-            </a:pPr>
-            <a:r>
-              <a:rPr/>
-              <a:t>Relación</a:t>
-            </a:r>
-            <a:r>
-              <a:rPr/>
-              <a:t> </a:t>
-            </a:r>
-            <a:r>
-              <a:rPr/>
-              <a:t>entre</a:t>
-            </a:r>
-            <a:r>
-              <a:rPr/>
-              <a:t> </a:t>
-            </a:r>
-            <a:r>
-              <a:rPr/>
-              <a:t>el</a:t>
-            </a:r>
-            <a:r>
-              <a:rPr/>
-              <a:t> </a:t>
-            </a:r>
-            <a:r>
-              <a:rPr/>
-              <a:t>EOF1</a:t>
-            </a:r>
-            <a:r>
-              <a:rPr/>
-              <a:t> </a:t>
-            </a:r>
-            <a:r>
-              <a:rPr/>
-              <a:t>calculado</a:t>
-            </a:r>
-            <a:r>
-              <a:rPr/>
-              <a:t> </a:t>
-            </a:r>
-            <a:r>
-              <a:rPr/>
-              <a:t>acá</a:t>
-            </a:r>
-            <a:r>
-              <a:rPr/>
-              <a:t> </a:t>
-            </a:r>
-            <a:r>
-              <a:rPr/>
-              <a:t>y</a:t>
-            </a:r>
-            <a:r>
-              <a:rPr/>
-              <a:t> </a:t>
-            </a:r>
-            <a:r>
-              <a:rPr/>
-              <a:t>el</a:t>
-            </a:r>
-            <a:r>
-              <a:rPr/>
-              <a:t> </a:t>
-            </a:r>
-            <a:r>
-              <a:rPr/>
-              <a:t>índice</a:t>
-            </a:r>
-            <a:r>
-              <a:rPr/>
-              <a:t> </a:t>
-            </a:r>
-            <a:r>
-              <a:rPr/>
-              <a:t>AAO</a:t>
-            </a:r>
-            <a:r>
-              <a:rPr/>
-              <a:t> </a:t>
-            </a:r>
-            <a:r>
-              <a:rPr/>
-              <a:t>provisto</a:t>
-            </a:r>
-            <a:r>
-              <a:rPr/>
-              <a:t> </a:t>
-            </a:r>
-            <a:r>
-              <a:rPr/>
-              <a:t>por</a:t>
-            </a:r>
-            <a:r>
-              <a:rPr/>
-              <a:t> </a:t>
-            </a:r>
-            <a:r>
-              <a:rPr/>
-              <a:t>NCEP</a:t>
-            </a:r>
-          </a:p>
-        </p:txBody>
-      </p:sp>
-    </p:spTree>
-  </p:cSld>
-</p:sld>
-</file>
-
-<file path=ppt/slides/slide21.xml><?xml version="1.0" encoding="utf-8"?>
 <p:sld xmlns:a="http://schemas.openxmlformats.org/drawingml/2006/main" xmlns:r="http://schemas.openxmlformats.org/officeDocument/2006/relationships" xmlns:p="http://schemas.openxmlformats.org/presentationml/2006/main">
   <p:cSld>
     <p:spTree>
@@ -6780,7 +6630,7 @@
 </p:sld>
 </file>
 
-<file path=ppt/slides/slide22.xml><?xml version="1.0" encoding="utf-8"?>
+<file path=ppt/slides/slide21.xml><?xml version="1.0" encoding="utf-8"?>
 <p:sld xmlns:a="http://schemas.openxmlformats.org/drawingml/2006/main" xmlns:r="http://schemas.openxmlformats.org/officeDocument/2006/relationships" xmlns:p="http://schemas.openxmlformats.org/presentationml/2006/main">
   <p:cSld>
     <p:spTree>
@@ -7022,7 +6872,7 @@
 </p:sld>
 </file>
 
-<file path=ppt/slides/slide23.xml><?xml version="1.0" encoding="utf-8"?>
+<file path=ppt/slides/slide22.xml><?xml version="1.0" encoding="utf-8"?>
 <p:sld xmlns:a="http://schemas.openxmlformats.org/drawingml/2006/main" xmlns:r="http://schemas.openxmlformats.org/officeDocument/2006/relationships" xmlns:p="http://schemas.openxmlformats.org/presentationml/2006/main">
   <p:cSld>
     <p:spTree>
@@ -7055,8 +6905,8 @@
         </p:blipFill>
         <p:spPr bwMode="auto">
           <a:xfrm>
-            <a:off x="977900" y="127000"/>
-            <a:ext cx="10160000" cy="6032500"/>
+            <a:off x="558800" y="127000"/>
+            <a:ext cx="11023600" cy="6540500"/>
           </a:xfrm>
           <a:prstGeom prst="rect">
             <a:avLst/>
@@ -7069,122 +6919,12 @@
           </a:ln>
         </p:spPr>
       </p:pic>
-      <p:sp>
-        <p:nvSpPr>
-          <p:cNvPr id="1" name="TextBox 3"/>
-          <p:cNvSpPr txBox="1"/>
-          <p:nvPr/>
-        </p:nvSpPr>
-        <p:spPr>
-          <a:xfrm>
-            <a:off x="177800" y="6159500"/>
-            <a:ext cx="11772900" cy="508000"/>
-          </a:xfrm>
-          <a:prstGeom prst="rect">
-            <a:avLst/>
-          </a:prstGeom>
-          <a:noFill/>
-        </p:spPr>
-        <p:txBody>
-          <a:bodyPr/>
-          <a:lstStyle/>
-          <a:p>
-            <a:pPr lvl="0" marL="0" indent="0" algn="ctr">
-              <a:buNone/>
-            </a:pPr>
-            <a:r>
-              <a:rPr/>
-              <a:t>Correlaciones</a:t>
-            </a:r>
-            <a:r>
-              <a:rPr/>
-              <a:t> </a:t>
-            </a:r>
-            <a:r>
-              <a:rPr/>
-              <a:t>cruzadas</a:t>
-            </a:r>
-            <a:r>
-              <a:rPr/>
-              <a:t> </a:t>
-            </a:r>
-            <a:r>
-              <a:rPr/>
-              <a:t>de</a:t>
-            </a:r>
-            <a:r>
-              <a:rPr/>
-              <a:t> </a:t>
-            </a:r>
-            <a:r>
-              <a:rPr/>
-              <a:t>los</a:t>
-            </a:r>
-            <a:r>
-              <a:rPr/>
-              <a:t> </a:t>
-            </a:r>
-            <a:r>
-              <a:rPr/>
-              <a:t>índices</a:t>
-            </a:r>
-            <a:r>
-              <a:rPr/>
-              <a:t> </a:t>
-            </a:r>
-            <a:r>
-              <a:rPr/>
-              <a:t>entre</a:t>
-            </a:r>
-            <a:r>
-              <a:rPr/>
-              <a:t> </a:t>
-            </a:r>
-            <a:r>
-              <a:rPr/>
-              <a:t>niveles</a:t>
-            </a:r>
-            <a:r>
-              <a:rPr/>
-              <a:t> </a:t>
-            </a:r>
-            <a:r>
-              <a:rPr/>
-              <a:t>para</a:t>
-            </a:r>
-            <a:r>
-              <a:rPr/>
-              <a:t> </a:t>
-            </a:r>
-            <a:r>
-              <a:rPr/>
-              <a:t>el</a:t>
-            </a:r>
-            <a:r>
-              <a:rPr/>
-              <a:t> </a:t>
-            </a:r>
-            <a:r>
-              <a:rPr/>
-              <a:t>hemisferio</a:t>
-            </a:r>
-            <a:r>
-              <a:rPr/>
-              <a:t> </a:t>
-            </a:r>
-            <a:r>
-              <a:rPr/>
-              <a:t>sur.</a:t>
-            </a:r>
-          </a:p>
-        </p:txBody>
-      </p:sp>
     </p:spTree>
   </p:cSld>
 </p:sld>
 </file>
 
-<file path=ppt/slides/slide24.xml><?xml version="1.0" encoding="utf-8"?>
+<file path=ppt/slides/slide23.xml><?xml version="1.0" encoding="utf-8"?>
 <p:sld xmlns:a="http://schemas.openxmlformats.org/drawingml/2006/main" xmlns:r="http://schemas.openxmlformats.org/officeDocument/2006/relationships" xmlns:p="http://schemas.openxmlformats.org/presentationml/2006/main">
   <p:cSld>
     <p:spTree>
@@ -7256,47 +6996,55 @@
             </a:pPr>
             <a:r>
               <a:rPr/>
-              <a:t>Igual</a:t>
-            </a:r>
-            <a:r>
-              <a:rPr/>
-              <a:t> </a:t>
-            </a:r>
-            <a:r>
-              <a:rPr/>
-              <a:t>a</a:t>
-            </a:r>
-            <a:r>
-              <a:rPr/>
-              <a:t> </a:t>
-            </a:r>
-            <a:r>
-              <a:rPr/>
-              <a:t>la</a:t>
-            </a:r>
-            <a:r>
-              <a:rPr/>
-              <a:t> </a:t>
-            </a:r>
-            <a:r>
-              <a:rPr/>
-              <a:t>figura</a:t>
-            </a:r>
-            <a:r>
-              <a:rPr/>
-              <a:t> </a:t>
-            </a:r>
-            <a:r>
-              <a:rPr/>
-              <a:t>anterior</a:t>
-            </a:r>
-            <a:r>
-              <a:rPr/>
-              <a:t> </a:t>
-            </a:r>
-            <a:r>
-              <a:rPr/>
-              <a:t>pero</a:t>
+              <a:t>Correlaciones</a:t>
+            </a:r>
+            <a:r>
+              <a:rPr/>
+              <a:t> </a:t>
+            </a:r>
+            <a:r>
+              <a:rPr/>
+              <a:t>cruzadas</a:t>
+            </a:r>
+            <a:r>
+              <a:rPr/>
+              <a:t> </a:t>
+            </a:r>
+            <a:r>
+              <a:rPr/>
+              <a:t>de</a:t>
+            </a:r>
+            <a:r>
+              <a:rPr/>
+              <a:t> </a:t>
+            </a:r>
+            <a:r>
+              <a:rPr/>
+              <a:t>los</a:t>
+            </a:r>
+            <a:r>
+              <a:rPr/>
+              <a:t> </a:t>
+            </a:r>
+            <a:r>
+              <a:rPr/>
+              <a:t>índices</a:t>
+            </a:r>
+            <a:r>
+              <a:rPr/>
+              <a:t> </a:t>
+            </a:r>
+            <a:r>
+              <a:rPr/>
+              <a:t>entre</a:t>
+            </a:r>
+            <a:r>
+              <a:rPr/>
+              <a:t> </a:t>
+            </a:r>
+            <a:r>
+              <a:rPr/>
+              <a:t>niveles</a:t>
             </a:r>
             <a:r>
               <a:rPr/>
@@ -7328,7 +7076,7 @@
             </a:r>
             <a:r>
               <a:rPr/>
-              <a:t>norte.</a:t>
+              <a:t>sur.</a:t>
             </a:r>
           </a:p>
         </p:txBody>
@@ -7338,7 +7086,7 @@
 </p:sld>
 </file>
 
-<file path=ppt/slides/slide25.xml><?xml version="1.0" encoding="utf-8"?>
+<file path=ppt/slides/slide24.xml><?xml version="1.0" encoding="utf-8"?>
 <p:sld xmlns:a="http://schemas.openxmlformats.org/drawingml/2006/main" xmlns:r="http://schemas.openxmlformats.org/officeDocument/2006/relationships" xmlns:p="http://schemas.openxmlformats.org/presentationml/2006/main">
   <p:cSld>
     <p:spTree>
@@ -7484,7 +7232,7 @@
 </p:sld>
 </file>
 
-<file path=ppt/slides/slide26.xml><?xml version="1.0" encoding="utf-8"?>
+<file path=ppt/slides/slide25.xml><?xml version="1.0" encoding="utf-8"?>
 <p:sld xmlns:a="http://schemas.openxmlformats.org/drawingml/2006/main" xmlns:r="http://schemas.openxmlformats.org/officeDocument/2006/relationships" xmlns:p="http://schemas.openxmlformats.org/presentationml/2006/main">
   <p:cSld>
     <p:spTree>
@@ -7622,7 +7370,7 @@
 </p:sld>
 </file>
 
-<file path=ppt/slides/slide27.xml><?xml version="1.0" encoding="utf-8"?>
+<file path=ppt/slides/slide26.xml><?xml version="1.0" encoding="utf-8"?>
 <p:sld xmlns:a="http://schemas.openxmlformats.org/drawingml/2006/main" xmlns:r="http://schemas.openxmlformats.org/officeDocument/2006/relationships" xmlns:p="http://schemas.openxmlformats.org/presentationml/2006/main">
   <p:cSld>
     <p:spTree>
@@ -7784,7 +7532,7 @@
 </p:sld>
 </file>
 
-<file path=ppt/slides/slide28.xml><?xml version="1.0" encoding="utf-8"?>
+<file path=ppt/slides/slide27.xml><?xml version="1.0" encoding="utf-8"?>
 <p:sld xmlns:a="http://schemas.openxmlformats.org/drawingml/2006/main" xmlns:r="http://schemas.openxmlformats.org/officeDocument/2006/relationships" xmlns:p="http://schemas.openxmlformats.org/presentationml/2006/main">
   <p:cSld>
     <p:spTree>
@@ -7938,7 +7686,7 @@
 </p:sld>
 </file>
 
-<file path=ppt/slides/slide29.xml><?xml version="1.0" encoding="utf-8"?>
+<file path=ppt/slides/slide28.xml><?xml version="1.0" encoding="utf-8"?>
 <p:sld xmlns:a="http://schemas.openxmlformats.org/drawingml/2006/main" xmlns:r="http://schemas.openxmlformats.org/officeDocument/2006/relationships" xmlns:p="http://schemas.openxmlformats.org/presentationml/2006/main">
   <p:cSld>
     <p:spTree>
@@ -8100,54 +7848,7 @@
 </p:sld>
 </file>
 
-<file path=ppt/slides/slide3.xml><?xml version="1.0" encoding="utf-8"?>
-<p:sld xmlns:a="http://schemas.openxmlformats.org/drawingml/2006/main" xmlns:r="http://schemas.openxmlformats.org/officeDocument/2006/relationships" xmlns:p="http://schemas.openxmlformats.org/presentationml/2006/main">
-  <p:cSld>
-    <p:spTree>
-      <p:nvGrpSpPr>
-        <p:cNvPr id="1" name=""/>
-        <p:cNvGrpSpPr/>
-        <p:nvPr/>
-      </p:nvGrpSpPr>
-      <p:grpSpPr>
-        <a:xfrm>
-          <a:off x="0" y="0"/>
-          <a:ext cx="0" cy="0"/>
-          <a:chOff x="0" y="0"/>
-          <a:chExt cx="0" cy="0"/>
-        </a:xfrm>
-      </p:grpSpPr>
-      <p:sp>
-        <p:nvSpPr>
-          <p:cNvPr id="3" name="Content Placeholder 2"/>
-          <p:cNvSpPr>
-            <a:spLocks noGrp="1"/>
-          </p:cNvSpPr>
-          <p:nvPr>
-            <p:ph idx="1"/>
-          </p:nvPr>
-        </p:nvSpPr>
-        <p:spPr/>
-        <p:txBody>
-          <a:bodyPr/>
-          <a:lstStyle/>
-          <a:p>
-            <a:pPr lvl="0" marL="0" indent="0">
-              <a:buNone/>
-            </a:pPr>
-            <a:r>
-              <a:rPr/>
-              <a:t>(Primera componente principal de las anomalías temporales de altura geopotencial mensual en 700hPA pesado por la raiz del coseno de la latitud)</a:t>
-            </a:r>
-          </a:p>
-        </p:txBody>
-      </p:sp>
-    </p:spTree>
-  </p:cSld>
-</p:sld>
-</file>
-
-<file path=ppt/slides/slide30.xml><?xml version="1.0" encoding="utf-8"?>
+<file path=ppt/slides/slide29.xml><?xml version="1.0" encoding="utf-8"?>
 <p:sld xmlns:a="http://schemas.openxmlformats.org/drawingml/2006/main" xmlns:r="http://schemas.openxmlformats.org/officeDocument/2006/relationships" xmlns:p="http://schemas.openxmlformats.org/presentationml/2006/main">
   <p:cSld>
     <p:spTree>
@@ -8365,7 +8066,54 @@
 </p:sld>
 </file>
 
-<file path=ppt/slides/slide31.xml><?xml version="1.0" encoding="utf-8"?>
+<file path=ppt/slides/slide3.xml><?xml version="1.0" encoding="utf-8"?>
+<p:sld xmlns:a="http://schemas.openxmlformats.org/drawingml/2006/main" xmlns:r="http://schemas.openxmlformats.org/officeDocument/2006/relationships" xmlns:p="http://schemas.openxmlformats.org/presentationml/2006/main">
+  <p:cSld>
+    <p:spTree>
+      <p:nvGrpSpPr>
+        <p:cNvPr id="1" name=""/>
+        <p:cNvGrpSpPr/>
+        <p:nvPr/>
+      </p:nvGrpSpPr>
+      <p:grpSpPr>
+        <a:xfrm>
+          <a:off x="0" y="0"/>
+          <a:ext cx="0" cy="0"/>
+          <a:chOff x="0" y="0"/>
+          <a:chExt cx="0" cy="0"/>
+        </a:xfrm>
+      </p:grpSpPr>
+      <p:sp>
+        <p:nvSpPr>
+          <p:cNvPr id="3" name="Content Placeholder 2"/>
+          <p:cNvSpPr>
+            <a:spLocks noGrp="1"/>
+          </p:cNvSpPr>
+          <p:nvPr>
+            <p:ph idx="1"/>
+          </p:nvPr>
+        </p:nvSpPr>
+        <p:spPr/>
+        <p:txBody>
+          <a:bodyPr/>
+          <a:lstStyle/>
+          <a:p>
+            <a:pPr lvl="0" marL="0" indent="0">
+              <a:buNone/>
+            </a:pPr>
+            <a:r>
+              <a:rPr/>
+              <a:t>(Primera componente principal de las anomalías temporales de altura geopotencial mensual en 700hPA pesado por la raiz del coseno de la latitud)</a:t>
+            </a:r>
+          </a:p>
+        </p:txBody>
+      </p:sp>
+    </p:spTree>
+  </p:cSld>
+</p:sld>
+</file>
+
+<file path=ppt/slides/slide30.xml><?xml version="1.0" encoding="utf-8"?>
 <p:sld xmlns:a="http://schemas.openxmlformats.org/drawingml/2006/main" xmlns:r="http://schemas.openxmlformats.org/officeDocument/2006/relationships" xmlns:p="http://schemas.openxmlformats.org/presentationml/2006/main">
   <p:cSld>
     <p:spTree>
@@ -8437,47 +8185,71 @@
             </a:pPr>
             <a:r>
               <a:rPr/>
-              <a:t>Igual</a:t>
-            </a:r>
-            <a:r>
-              <a:rPr/>
-              <a:t> </a:t>
-            </a:r>
-            <a:r>
-              <a:rPr/>
-              <a:t>que</a:t>
-            </a:r>
-            <a:r>
-              <a:rPr/>
-              <a:t> </a:t>
-            </a:r>
-            <a:r>
-              <a:rPr/>
-              <a:t>la</a:t>
-            </a:r>
-            <a:r>
-              <a:rPr/>
-              <a:t> </a:t>
-            </a:r>
-            <a:r>
-              <a:rPr/>
-              <a:t>figura</a:t>
-            </a:r>
-            <a:r>
-              <a:rPr/>
-              <a:t> </a:t>
-            </a:r>
-            <a:r>
-              <a:rPr/>
-              <a:t>anterior</a:t>
-            </a:r>
-            <a:r>
-              <a:rPr/>
-              <a:t> </a:t>
-            </a:r>
-            <a:r>
-              <a:rPr/>
-              <a:t>pero</a:t>
+              <a:t>Regresión</a:t>
+            </a:r>
+            <a:r>
+              <a:rPr/>
+              <a:t> </a:t>
+            </a:r>
+            <a:r>
+              <a:rPr/>
+              <a:t>con</a:t>
+            </a:r>
+            <a:r>
+              <a:rPr/>
+              <a:t> </a:t>
+            </a:r>
+            <a:r>
+              <a:rPr/>
+              <a:t>anomalía</a:t>
+            </a:r>
+            <a:r>
+              <a:rPr/>
+              <a:t> </a:t>
+            </a:r>
+            <a:r>
+              <a:rPr/>
+              <a:t>mensual</a:t>
+            </a:r>
+            <a:r>
+              <a:rPr/>
+              <a:t> </a:t>
+            </a:r>
+            <a:r>
+              <a:rPr/>
+              <a:t>de</a:t>
+            </a:r>
+            <a:r>
+              <a:rPr/>
+              <a:t> </a:t>
+            </a:r>
+            <a:r>
+              <a:rPr/>
+              <a:t>OLR</a:t>
+            </a:r>
+            <a:r>
+              <a:rPr/>
+              <a:t> </a:t>
+            </a:r>
+            <a:r>
+              <a:rPr/>
+              <a:t>de</a:t>
+            </a:r>
+            <a:r>
+              <a:rPr/>
+              <a:t> </a:t>
+            </a:r>
+            <a:r>
+              <a:rPr/>
+              <a:t>los</a:t>
+            </a:r>
+            <a:r>
+              <a:rPr/>
+              <a:t> </a:t>
+            </a:r>
+            <a:r>
+              <a:rPr/>
+              <a:t>índices</a:t>
             </a:r>
             <a:r>
               <a:rPr/>
@@ -8493,6 +8265,30 @@
             </a:r>
             <a:r>
               <a:rPr/>
+              <a:t>distintos</a:t>
+            </a:r>
+            <a:r>
+              <a:rPr/>
+              <a:t> </a:t>
+            </a:r>
+            <a:r>
+              <a:rPr/>
+              <a:t>niveles</a:t>
+            </a:r>
+            <a:r>
+              <a:rPr/>
+              <a:t> </a:t>
+            </a:r>
+            <a:r>
+              <a:rPr/>
+              <a:t>en</a:t>
+            </a:r>
+            <a:r>
+              <a:rPr/>
+              <a:t> </a:t>
+            </a:r>
+            <a:r>
+              <a:rPr/>
               <a:t>el</a:t>
             </a:r>
             <a:r>
@@ -8509,7 +8305,7 @@
             </a:r>
             <a:r>
               <a:rPr/>
-              <a:t>norte.</a:t>
+              <a:t>SUR.</a:t>
             </a:r>
           </a:p>
         </p:txBody>
@@ -8519,7 +8315,7 @@
 </p:sld>
 </file>
 
-<file path=ppt/slides/slide32.xml><?xml version="1.0" encoding="utf-8"?>
+<file path=ppt/slides/slide31.xml><?xml version="1.0" encoding="utf-8"?>
 <p:sld xmlns:a="http://schemas.openxmlformats.org/drawingml/2006/main" xmlns:r="http://schemas.openxmlformats.org/officeDocument/2006/relationships" xmlns:p="http://schemas.openxmlformats.org/presentationml/2006/main">
   <p:cSld>
     <p:spTree>
@@ -8552,8 +8348,8 @@
         </p:blipFill>
         <p:spPr bwMode="auto">
           <a:xfrm>
-            <a:off x="977900" y="127000"/>
-            <a:ext cx="10160000" cy="6032500"/>
+            <a:off x="558800" y="127000"/>
+            <a:ext cx="11023600" cy="6540500"/>
           </a:xfrm>
           <a:prstGeom prst="rect">
             <a:avLst/>
@@ -8566,162 +8362,12 @@
           </a:ln>
         </p:spPr>
       </p:pic>
-      <p:sp>
-        <p:nvSpPr>
-          <p:cNvPr id="1" name="TextBox 3"/>
-          <p:cNvSpPr txBox="1"/>
-          <p:nvPr/>
-        </p:nvSpPr>
-        <p:spPr>
-          <a:xfrm>
-            <a:off x="177800" y="6159500"/>
-            <a:ext cx="11772900" cy="508000"/>
-          </a:xfrm>
-          <a:prstGeom prst="rect">
-            <a:avLst/>
-          </a:prstGeom>
-          <a:noFill/>
-        </p:spPr>
-        <p:txBody>
-          <a:bodyPr/>
-          <a:lstStyle/>
-          <a:p>
-            <a:pPr lvl="0" marL="0" indent="0" algn="ctr">
-              <a:buNone/>
-            </a:pPr>
-            <a:r>
-              <a:rPr/>
-              <a:t>Regresión</a:t>
-            </a:r>
-            <a:r>
-              <a:rPr/>
-              <a:t> </a:t>
-            </a:r>
-            <a:r>
-              <a:rPr/>
-              <a:t>con</a:t>
-            </a:r>
-            <a:r>
-              <a:rPr/>
-              <a:t> </a:t>
-            </a:r>
-            <a:r>
-              <a:rPr/>
-              <a:t>anomalía</a:t>
-            </a:r>
-            <a:r>
-              <a:rPr/>
-              <a:t> </a:t>
-            </a:r>
-            <a:r>
-              <a:rPr/>
-              <a:t>mensual</a:t>
-            </a:r>
-            <a:r>
-              <a:rPr/>
-              <a:t> </a:t>
-            </a:r>
-            <a:r>
-              <a:rPr/>
-              <a:t>de</a:t>
-            </a:r>
-            <a:r>
-              <a:rPr/>
-              <a:t> </a:t>
-            </a:r>
-            <a:r>
-              <a:rPr/>
-              <a:t>OLR</a:t>
-            </a:r>
-            <a:r>
-              <a:rPr/>
-              <a:t> </a:t>
-            </a:r>
-            <a:r>
-              <a:rPr/>
-              <a:t>de</a:t>
-            </a:r>
-            <a:r>
-              <a:rPr/>
-              <a:t> </a:t>
-            </a:r>
-            <a:r>
-              <a:rPr/>
-              <a:t>los</a:t>
-            </a:r>
-            <a:r>
-              <a:rPr/>
-              <a:t> </a:t>
-            </a:r>
-            <a:r>
-              <a:rPr/>
-              <a:t>índices</a:t>
-            </a:r>
-            <a:r>
-              <a:rPr/>
-              <a:t> </a:t>
-            </a:r>
-            <a:r>
-              <a:rPr/>
-              <a:t>para</a:t>
-            </a:r>
-            <a:r>
-              <a:rPr/>
-              <a:t> </a:t>
-            </a:r>
-            <a:r>
-              <a:rPr/>
-              <a:t>distintos</a:t>
-            </a:r>
-            <a:r>
-              <a:rPr/>
-              <a:t> </a:t>
-            </a:r>
-            <a:r>
-              <a:rPr/>
-              <a:t>niveles</a:t>
-            </a:r>
-            <a:r>
-              <a:rPr/>
-              <a:t> </a:t>
-            </a:r>
-            <a:r>
-              <a:rPr/>
-              <a:t>en</a:t>
-            </a:r>
-            <a:r>
-              <a:rPr/>
-              <a:t> </a:t>
-            </a:r>
-            <a:r>
-              <a:rPr/>
-              <a:t>el</a:t>
-            </a:r>
-            <a:r>
-              <a:rPr/>
-              <a:t> </a:t>
-            </a:r>
-            <a:r>
-              <a:rPr/>
-              <a:t>hemisferio</a:t>
-            </a:r>
-            <a:r>
-              <a:rPr/>
-              <a:t> </a:t>
-            </a:r>
-            <a:r>
-              <a:rPr/>
-              <a:t>SUR.</a:t>
-            </a:r>
-          </a:p>
-        </p:txBody>
-      </p:sp>
     </p:spTree>
   </p:cSld>
 </p:sld>
 </file>
 
-<file path=ppt/slides/slide4.xml><?xml version="1.0" encoding="utf-8"?>
+<file path=ppt/slides/slide32.xml><?xml version="1.0" encoding="utf-8"?>
 <p:sld xmlns:a="http://schemas.openxmlformats.org/drawingml/2006/main" xmlns:r="http://schemas.openxmlformats.org/officeDocument/2006/relationships" xmlns:p="http://schemas.openxmlformats.org/presentationml/2006/main">
   <p:cSld>
     <p:spTree>
@@ -8740,7 +8386,7 @@
       </p:grpSpPr>
       <p:pic>
         <p:nvPicPr>
-          <p:cNvPr descr="fig/26-SAM_asim/unnamed-chunk-3-1.png" id="0" name="Picture 1"/>
+          <p:cNvPr descr="fig/26-SAM_asim/unnamed-chunk-31-1.png" id="0" name="Picture 1"/>
           <p:cNvPicPr>
             <a:picLocks noGrp="1" noChangeAspect="1"/>
           </p:cNvPicPr>
@@ -8754,8 +8400,8 @@
         </p:blipFill>
         <p:spPr bwMode="auto">
           <a:xfrm>
-            <a:off x="977900" y="127000"/>
-            <a:ext cx="10160000" cy="6032500"/>
+            <a:off x="558800" y="127000"/>
+            <a:ext cx="11023600" cy="6540500"/>
           </a:xfrm>
           <a:prstGeom prst="rect">
             <a:avLst/>
@@ -8768,114 +8414,220 @@
           </a:ln>
         </p:spPr>
       </p:pic>
-      <p:sp>
-        <p:nvSpPr>
-          <p:cNvPr id="1" name="TextBox 3"/>
-          <p:cNvSpPr txBox="1"/>
-          <p:nvPr/>
-        </p:nvSpPr>
-        <p:spPr>
-          <a:xfrm>
-            <a:off x="177800" y="6159500"/>
-            <a:ext cx="11772900" cy="508000"/>
-          </a:xfrm>
-          <a:prstGeom prst="rect">
-            <a:avLst/>
-          </a:prstGeom>
-          <a:noFill/>
-        </p:spPr>
-        <p:txBody>
-          <a:bodyPr/>
-          <a:lstStyle/>
-          <a:p>
-            <a:pPr lvl="0" marL="0" indent="0" algn="ctr">
-              <a:buNone/>
-            </a:pPr>
-            <a:r>
-              <a:rPr/>
-              <a:t>Patrón</a:t>
-            </a:r>
-            <a:r>
-              <a:rPr/>
-              <a:t> </a:t>
-            </a:r>
-            <a:r>
-              <a:rPr/>
-              <a:t>espacial</a:t>
-            </a:r>
-            <a:r>
-              <a:rPr/>
-              <a:t> </a:t>
-            </a:r>
-            <a:r>
-              <a:rPr/>
-              <a:t>del</a:t>
-            </a:r>
-            <a:r>
-              <a:rPr/>
-              <a:t> </a:t>
-            </a:r>
-            <a:r>
-              <a:rPr/>
-              <a:t>SAM.</a:t>
-            </a:r>
-            <a:r>
-              <a:rPr/>
-              <a:t> </a:t>
-            </a:r>
-            <a:r>
-              <a:rPr/>
-              <a:t>ERA5</a:t>
-            </a:r>
-            <a:r>
-              <a:rPr/>
-              <a:t> </a:t>
-            </a:r>
-            <a:r>
-              <a:rPr/>
-              <a:t>en</a:t>
-            </a:r>
-            <a:r>
-              <a:rPr/>
-              <a:t> </a:t>
-            </a:r>
-            <a:r>
-              <a:rPr/>
-              <a:t>sombrado,</a:t>
-            </a:r>
-            <a:r>
-              <a:rPr/>
-              <a:t> </a:t>
-            </a:r>
-            <a:r>
-              <a:rPr/>
-              <a:t>NCEP</a:t>
-            </a:r>
-            <a:r>
-              <a:rPr/>
-              <a:t> </a:t>
-            </a:r>
-            <a:r>
-              <a:rPr/>
-              <a:t>en</a:t>
-            </a:r>
-            <a:r>
-              <a:rPr/>
-              <a:t> </a:t>
-            </a:r>
-            <a:r>
-              <a:rPr/>
-              <a:t>contornos.</a:t>
-            </a:r>
-          </a:p>
-        </p:txBody>
-      </p:sp>
     </p:spTree>
   </p:cSld>
 </p:sld>
 </file>
 
-<file path=ppt/slides/slide5.xml><?xml version="1.0" encoding="utf-8"?>
+<file path=ppt/slides/slide33.xml><?xml version="1.0" encoding="utf-8"?>
+<p:sld xmlns:a="http://schemas.openxmlformats.org/drawingml/2006/main" xmlns:r="http://schemas.openxmlformats.org/officeDocument/2006/relationships" xmlns:p="http://schemas.openxmlformats.org/presentationml/2006/main">
+  <p:cSld>
+    <p:spTree>
+      <p:nvGrpSpPr>
+        <p:cNvPr id="1" name=""/>
+        <p:cNvGrpSpPr/>
+        <p:nvPr/>
+      </p:nvGrpSpPr>
+      <p:grpSpPr>
+        <a:xfrm>
+          <a:off x="0" y="0"/>
+          <a:ext cx="0" cy="0"/>
+          <a:chOff x="0" y="0"/>
+          <a:chExt cx="0" cy="0"/>
+        </a:xfrm>
+      </p:grpSpPr>
+      <p:pic>
+        <p:nvPicPr>
+          <p:cNvPr descr="fig/26-SAM_asim/unnamed-chunk-32-1.png" id="0" name="Picture 1"/>
+          <p:cNvPicPr>
+            <a:picLocks noGrp="1" noChangeAspect="1"/>
+          </p:cNvPicPr>
+          <p:nvPr/>
+        </p:nvPicPr>
+        <p:blipFill>
+          <a:blip r:embed="rId2"/>
+          <a:stretch>
+            <a:fillRect/>
+          </a:stretch>
+        </p:blipFill>
+        <p:spPr bwMode="auto">
+          <a:xfrm>
+            <a:off x="558800" y="127000"/>
+            <a:ext cx="11023600" cy="6540500"/>
+          </a:xfrm>
+          <a:prstGeom prst="rect">
+            <a:avLst/>
+          </a:prstGeom>
+          <a:noFill/>
+          <a:ln w="9525">
+            <a:noFill/>
+            <a:headEnd/>
+            <a:tailEnd/>
+          </a:ln>
+        </p:spPr>
+      </p:pic>
+    </p:spTree>
+  </p:cSld>
+</p:sld>
+</file>
+
+<file path=ppt/slides/slide34.xml><?xml version="1.0" encoding="utf-8"?>
+<p:sld xmlns:a="http://schemas.openxmlformats.org/drawingml/2006/main" xmlns:r="http://schemas.openxmlformats.org/officeDocument/2006/relationships" xmlns:p="http://schemas.openxmlformats.org/presentationml/2006/main">
+  <p:cSld>
+    <p:spTree>
+      <p:nvGrpSpPr>
+        <p:cNvPr id="1" name=""/>
+        <p:cNvGrpSpPr/>
+        <p:nvPr/>
+      </p:nvGrpSpPr>
+      <p:grpSpPr>
+        <a:xfrm>
+          <a:off x="0" y="0"/>
+          <a:ext cx="0" cy="0"/>
+          <a:chOff x="0" y="0"/>
+          <a:chExt cx="0" cy="0"/>
+        </a:xfrm>
+      </p:grpSpPr>
+      <p:pic>
+        <p:nvPicPr>
+          <p:cNvPr descr="fig/26-SAM_asim/unnamed-chunk-33-1.png" id="0" name="Picture 1"/>
+          <p:cNvPicPr>
+            <a:picLocks noGrp="1" noChangeAspect="1"/>
+          </p:cNvPicPr>
+          <p:nvPr/>
+        </p:nvPicPr>
+        <p:blipFill>
+          <a:blip r:embed="rId2"/>
+          <a:stretch>
+            <a:fillRect/>
+          </a:stretch>
+        </p:blipFill>
+        <p:spPr bwMode="auto">
+          <a:xfrm>
+            <a:off x="558800" y="127000"/>
+            <a:ext cx="11023600" cy="6540500"/>
+          </a:xfrm>
+          <a:prstGeom prst="rect">
+            <a:avLst/>
+          </a:prstGeom>
+          <a:noFill/>
+          <a:ln w="9525">
+            <a:noFill/>
+            <a:headEnd/>
+            <a:tailEnd/>
+          </a:ln>
+        </p:spPr>
+      </p:pic>
+    </p:spTree>
+  </p:cSld>
+</p:sld>
+</file>
+
+<file path=ppt/slides/slide35.xml><?xml version="1.0" encoding="utf-8"?>
+<p:sld xmlns:a="http://schemas.openxmlformats.org/drawingml/2006/main" xmlns:r="http://schemas.openxmlformats.org/officeDocument/2006/relationships" xmlns:p="http://schemas.openxmlformats.org/presentationml/2006/main">
+  <p:cSld>
+    <p:spTree>
+      <p:nvGrpSpPr>
+        <p:cNvPr id="1" name=""/>
+        <p:cNvGrpSpPr/>
+        <p:nvPr/>
+      </p:nvGrpSpPr>
+      <p:grpSpPr>
+        <a:xfrm>
+          <a:off x="0" y="0"/>
+          <a:ext cx="0" cy="0"/>
+          <a:chOff x="0" y="0"/>
+          <a:chExt cx="0" cy="0"/>
+        </a:xfrm>
+      </p:grpSpPr>
+      <p:pic>
+        <p:nvPicPr>
+          <p:cNvPr descr="fig/26-SAM_asim/unnamed-chunk-34-1.png" id="0" name="Picture 1"/>
+          <p:cNvPicPr>
+            <a:picLocks noGrp="1" noChangeAspect="1"/>
+          </p:cNvPicPr>
+          <p:nvPr/>
+        </p:nvPicPr>
+        <p:blipFill>
+          <a:blip r:embed="rId2"/>
+          <a:stretch>
+            <a:fillRect/>
+          </a:stretch>
+        </p:blipFill>
+        <p:spPr bwMode="auto">
+          <a:xfrm>
+            <a:off x="558800" y="127000"/>
+            <a:ext cx="11023600" cy="6540500"/>
+          </a:xfrm>
+          <a:prstGeom prst="rect">
+            <a:avLst/>
+          </a:prstGeom>
+          <a:noFill/>
+          <a:ln w="9525">
+            <a:noFill/>
+            <a:headEnd/>
+            <a:tailEnd/>
+          </a:ln>
+        </p:spPr>
+      </p:pic>
+    </p:spTree>
+  </p:cSld>
+</p:sld>
+</file>
+
+<file path=ppt/slides/slide36.xml><?xml version="1.0" encoding="utf-8"?>
+<p:sld xmlns:a="http://schemas.openxmlformats.org/drawingml/2006/main" xmlns:r="http://schemas.openxmlformats.org/officeDocument/2006/relationships" xmlns:p="http://schemas.openxmlformats.org/presentationml/2006/main">
+  <p:cSld>
+    <p:spTree>
+      <p:nvGrpSpPr>
+        <p:cNvPr id="1" name=""/>
+        <p:cNvGrpSpPr/>
+        <p:nvPr/>
+      </p:nvGrpSpPr>
+      <p:grpSpPr>
+        <a:xfrm>
+          <a:off x="0" y="0"/>
+          <a:ext cx="0" cy="0"/>
+          <a:chOff x="0" y="0"/>
+          <a:chExt cx="0" cy="0"/>
+        </a:xfrm>
+      </p:grpSpPr>
+      <p:pic>
+        <p:nvPicPr>
+          <p:cNvPr descr="fig/26-SAM_asim/unnamed-chunk-35-1.png" id="0" name="Picture 1"/>
+          <p:cNvPicPr>
+            <a:picLocks noGrp="1" noChangeAspect="1"/>
+          </p:cNvPicPr>
+          <p:nvPr/>
+        </p:nvPicPr>
+        <p:blipFill>
+          <a:blip r:embed="rId2"/>
+          <a:stretch>
+            <a:fillRect/>
+          </a:stretch>
+        </p:blipFill>
+        <p:spPr bwMode="auto">
+          <a:xfrm>
+            <a:off x="558800" y="127000"/>
+            <a:ext cx="11023600" cy="6540500"/>
+          </a:xfrm>
+          <a:prstGeom prst="rect">
+            <a:avLst/>
+          </a:prstGeom>
+          <a:noFill/>
+          <a:ln w="9525">
+            <a:noFill/>
+            <a:headEnd/>
+            <a:tailEnd/>
+          </a:ln>
+        </p:spPr>
+      </p:pic>
+    </p:spTree>
+  </p:cSld>
+</p:sld>
+</file>
+
+<file path=ppt/slides/slide4.xml><?xml version="1.0" encoding="utf-8"?>
 <p:sld xmlns:a="http://schemas.openxmlformats.org/drawingml/2006/main" xmlns:r="http://schemas.openxmlformats.org/officeDocument/2006/relationships" xmlns:p="http://schemas.openxmlformats.org/presentationml/2006/main">
   <p:cSld>
     <p:spTree>
@@ -8947,6 +8699,160 @@
             </a:pPr>
             <a:r>
               <a:rPr/>
+              <a:t>Patrón</a:t>
+            </a:r>
+            <a:r>
+              <a:rPr/>
+              <a:t> </a:t>
+            </a:r>
+            <a:r>
+              <a:rPr/>
+              <a:t>espacial</a:t>
+            </a:r>
+            <a:r>
+              <a:rPr/>
+              <a:t> </a:t>
+            </a:r>
+            <a:r>
+              <a:rPr/>
+              <a:t>del</a:t>
+            </a:r>
+            <a:r>
+              <a:rPr/>
+              <a:t> </a:t>
+            </a:r>
+            <a:r>
+              <a:rPr/>
+              <a:t>SAM.</a:t>
+            </a:r>
+            <a:r>
+              <a:rPr/>
+              <a:t> </a:t>
+            </a:r>
+            <a:r>
+              <a:rPr/>
+              <a:t>ERA5</a:t>
+            </a:r>
+            <a:r>
+              <a:rPr/>
+              <a:t> </a:t>
+            </a:r>
+            <a:r>
+              <a:rPr/>
+              <a:t>en</a:t>
+            </a:r>
+            <a:r>
+              <a:rPr/>
+              <a:t> </a:t>
+            </a:r>
+            <a:r>
+              <a:rPr/>
+              <a:t>sombrado,</a:t>
+            </a:r>
+            <a:r>
+              <a:rPr/>
+              <a:t> </a:t>
+            </a:r>
+            <a:r>
+              <a:rPr/>
+              <a:t>NCEP</a:t>
+            </a:r>
+            <a:r>
+              <a:rPr/>
+              <a:t> </a:t>
+            </a:r>
+            <a:r>
+              <a:rPr/>
+              <a:t>en</a:t>
+            </a:r>
+            <a:r>
+              <a:rPr/>
+              <a:t> </a:t>
+            </a:r>
+            <a:r>
+              <a:rPr/>
+              <a:t>contornos.</a:t>
+            </a:r>
+          </a:p>
+        </p:txBody>
+      </p:sp>
+    </p:spTree>
+  </p:cSld>
+</p:sld>
+</file>
+
+<file path=ppt/slides/slide5.xml><?xml version="1.0" encoding="utf-8"?>
+<p:sld xmlns:a="http://schemas.openxmlformats.org/drawingml/2006/main" xmlns:r="http://schemas.openxmlformats.org/officeDocument/2006/relationships" xmlns:p="http://schemas.openxmlformats.org/presentationml/2006/main">
+  <p:cSld>
+    <p:spTree>
+      <p:nvGrpSpPr>
+        <p:cNvPr id="1" name=""/>
+        <p:cNvGrpSpPr/>
+        <p:nvPr/>
+      </p:nvGrpSpPr>
+      <p:grpSpPr>
+        <a:xfrm>
+          <a:off x="0" y="0"/>
+          <a:ext cx="0" cy="0"/>
+          <a:chOff x="0" y="0"/>
+          <a:chExt cx="0" cy="0"/>
+        </a:xfrm>
+      </p:grpSpPr>
+      <p:pic>
+        <p:nvPicPr>
+          <p:cNvPr descr="fig/26-SAM_asim/unnamed-chunk-5-1.png" id="0" name="Picture 1"/>
+          <p:cNvPicPr>
+            <a:picLocks noGrp="1" noChangeAspect="1"/>
+          </p:cNvPicPr>
+          <p:nvPr/>
+        </p:nvPicPr>
+        <p:blipFill>
+          <a:blip r:embed="rId2"/>
+          <a:stretch>
+            <a:fillRect/>
+          </a:stretch>
+        </p:blipFill>
+        <p:spPr bwMode="auto">
+          <a:xfrm>
+            <a:off x="977900" y="127000"/>
+            <a:ext cx="10160000" cy="6032500"/>
+          </a:xfrm>
+          <a:prstGeom prst="rect">
+            <a:avLst/>
+          </a:prstGeom>
+          <a:noFill/>
+          <a:ln w="9525">
+            <a:noFill/>
+            <a:headEnd/>
+            <a:tailEnd/>
+          </a:ln>
+        </p:spPr>
+      </p:pic>
+      <p:sp>
+        <p:nvSpPr>
+          <p:cNvPr id="1" name="TextBox 3"/>
+          <p:cNvSpPr txBox="1"/>
+          <p:nvPr/>
+        </p:nvSpPr>
+        <p:spPr>
+          <a:xfrm>
+            <a:off x="177800" y="6159500"/>
+            <a:ext cx="11772900" cy="508000"/>
+          </a:xfrm>
+          <a:prstGeom prst="rect">
+            <a:avLst/>
+          </a:prstGeom>
+          <a:noFill/>
+        </p:spPr>
+        <p:txBody>
+          <a:bodyPr/>
+          <a:lstStyle/>
+          <a:p>
+            <a:pPr lvl="0" marL="0" indent="0" algn="ctr">
+              <a:buNone/>
+            </a:pPr>
+            <a:r>
+              <a:rPr/>
               <a:t>Proyección</a:t>
             </a:r>
             <a:r>
@@ -9311,7 +9217,7 @@
       </p:grpSpPr>
       <p:pic>
         <p:nvPicPr>
-          <p:cNvPr descr="fig/26-SAM_asim/unnamed-chunk-7-1.png" id="0" name="Picture 1"/>
+          <p:cNvPr descr="fig/26-SAM_asim/unnamed-chunk-8-1.png" id="0" name="Picture 1"/>
           <p:cNvPicPr>
             <a:picLocks noGrp="1" noChangeAspect="1"/>
           </p:cNvPicPr>
@@ -9465,7 +9371,7 @@
       </p:grpSpPr>
       <p:pic>
         <p:nvPicPr>
-          <p:cNvPr descr="fig/26-SAM_asim/unnamed-chunk-8-1.png" id="0" name="Picture 1"/>
+          <p:cNvPr descr="fig/26-SAM_asim/unnamed-chunk-9-1.png" id="0" name="Picture 1"/>
           <p:cNvPicPr>
             <a:picLocks noGrp="1" noChangeAspect="1"/>
           </p:cNvPicPr>
